--- a/day-4-office-scripts-power-automate/day-4-office-scripts-power-automate.pptx
+++ b/day-4-office-scripts-power-automate/day-4-office-scripts-power-automate.pptx
@@ -5,28 +5,31 @@
     <p:sldMasterId id="2147483648" r:id="rId1"/>
   </p:sldMasterIdLst>
   <p:notesMasterIdLst>
-    <p:notesMasterId r:id="rId11"/>
+    <p:notesMasterId r:id="rId14"/>
   </p:notesMasterIdLst>
   <p:sldIdLst>
     <p:sldId id="256" r:id="rId2"/>
     <p:sldId id="455" r:id="rId3"/>
-    <p:sldId id="471" r:id="rId4"/>
-    <p:sldId id="474" r:id="rId5"/>
+    <p:sldId id="474" r:id="rId4"/>
+    <p:sldId id="471" r:id="rId5"/>
     <p:sldId id="407" r:id="rId6"/>
     <p:sldId id="472" r:id="rId7"/>
     <p:sldId id="473" r:id="rId8"/>
-    <p:sldId id="415" r:id="rId9"/>
-    <p:sldId id="470" r:id="rId10"/>
+    <p:sldId id="451" r:id="rId9"/>
+    <p:sldId id="452" r:id="rId10"/>
+    <p:sldId id="445" r:id="rId11"/>
+    <p:sldId id="415" r:id="rId12"/>
+    <p:sldId id="470" r:id="rId13"/>
   </p:sldIdLst>
   <p:sldSz cx="18288000" cy="10287000"/>
   <p:notesSz cx="6858000" cy="9144000"/>
   <p:embeddedFontLst>
     <p:embeddedFont>
       <p:font typeface="Consolas" panose="020B0609020204030204" pitchFamily="49" charset="0"/>
-      <p:regular r:id="rId12"/>
-      <p:bold r:id="rId13"/>
-      <p:italic r:id="rId14"/>
-      <p:boldItalic r:id="rId15"/>
+      <p:regular r:id="rId15"/>
+      <p:bold r:id="rId16"/>
+      <p:italic r:id="rId17"/>
+      <p:boldItalic r:id="rId18"/>
     </p:embeddedFont>
   </p:embeddedFontLst>
   <p:defaultTextStyle>
@@ -618,6 +621,402 @@
     <p:extLst>
       <p:ext uri="{BB962C8B-B14F-4D97-AF65-F5344CB8AC3E}">
         <p14:creationId xmlns:p14="http://schemas.microsoft.com/office/powerpoint/2010/main" val="624549242"/>
+      </p:ext>
+    </p:extLst>
+  </p:cSld>
+  <p:clrMapOvr>
+    <a:masterClrMapping/>
+  </p:clrMapOvr>
+</p:notes>
+</file>
+
+<file path=ppt/notesSlides/notesSlide2.xml><?xml version="1.0" encoding="utf-8"?>
+<p:notes xmlns:a="http://schemas.openxmlformats.org/drawingml/2006/main" xmlns:r="http://schemas.openxmlformats.org/officeDocument/2006/relationships" xmlns:p="http://schemas.openxmlformats.org/presentationml/2006/main">
+  <p:cSld>
+    <p:spTree>
+      <p:nvGrpSpPr>
+        <p:cNvPr id="1" name="">
+          <a:extLst>
+            <a:ext uri="{FF2B5EF4-FFF2-40B4-BE49-F238E27FC236}">
+              <a16:creationId xmlns:a16="http://schemas.microsoft.com/office/drawing/2014/main" id="{82F945E6-CE7E-2487-A482-590748D551E9}"/>
+            </a:ext>
+          </a:extLst>
+        </p:cNvPr>
+        <p:cNvGrpSpPr/>
+        <p:nvPr/>
+      </p:nvGrpSpPr>
+      <p:grpSpPr>
+        <a:xfrm>
+          <a:off x="0" y="0"/>
+          <a:ext cx="0" cy="0"/>
+          <a:chOff x="0" y="0"/>
+          <a:chExt cx="0" cy="0"/>
+        </a:xfrm>
+      </p:grpSpPr>
+      <p:sp>
+        <p:nvSpPr>
+          <p:cNvPr id="2" name="Slide Image Placeholder 1">
+            <a:extLst>
+              <a:ext uri="{FF2B5EF4-FFF2-40B4-BE49-F238E27FC236}">
+                <a16:creationId xmlns:a16="http://schemas.microsoft.com/office/drawing/2014/main" id="{BCD565A5-C4C5-B4A3-E708-957B84B00338}"/>
+              </a:ext>
+            </a:extLst>
+          </p:cNvPr>
+          <p:cNvSpPr>
+            <a:spLocks noGrp="1" noRot="1" noChangeAspect="1"/>
+          </p:cNvSpPr>
+          <p:nvPr>
+            <p:ph type="sldImg"/>
+          </p:nvPr>
+        </p:nvSpPr>
+        <p:spPr/>
+      </p:sp>
+      <p:sp>
+        <p:nvSpPr>
+          <p:cNvPr id="3" name="Notes Placeholder 2">
+            <a:extLst>
+              <a:ext uri="{FF2B5EF4-FFF2-40B4-BE49-F238E27FC236}">
+                <a16:creationId xmlns:a16="http://schemas.microsoft.com/office/drawing/2014/main" id="{895AD896-08FE-5715-6C86-75CB24BC7D9F}"/>
+              </a:ext>
+            </a:extLst>
+          </p:cNvPr>
+          <p:cNvSpPr>
+            <a:spLocks noGrp="1"/>
+          </p:cNvSpPr>
+          <p:nvPr>
+            <p:ph type="body" idx="1"/>
+          </p:nvPr>
+        </p:nvSpPr>
+        <p:spPr/>
+        <p:txBody>
+          <a:bodyPr/>
+          <a:lstStyle/>
+          <a:p>
+            <a:pPr marL="228600" indent="-228600">
+              <a:buAutoNum type="arabicPeriod"/>
+            </a:pPr>
+            <a:r>
+              <a:rPr lang="en-US" dirty="0"/>
+              <a:t>False!</a:t>
+            </a:r>
+          </a:p>
+          <a:p>
+            <a:pPr marL="228600" indent="-228600">
+              <a:buAutoNum type="arabicPeriod"/>
+            </a:pPr>
+            <a:r>
+              <a:rPr lang="en-US" dirty="0"/>
+              <a:t>Function, Formula, Function</a:t>
+            </a:r>
+          </a:p>
+          <a:p>
+            <a:pPr marL="228600" indent="-228600">
+              <a:buAutoNum type="arabicPeriod"/>
+            </a:pPr>
+            <a:r>
+              <a:rPr lang="en-US" dirty="0"/>
+              <a:t>Argument</a:t>
+            </a:r>
+          </a:p>
+        </p:txBody>
+      </p:sp>
+      <p:sp>
+        <p:nvSpPr>
+          <p:cNvPr id="4" name="Slide Number Placeholder 3">
+            <a:extLst>
+              <a:ext uri="{FF2B5EF4-FFF2-40B4-BE49-F238E27FC236}">
+                <a16:creationId xmlns:a16="http://schemas.microsoft.com/office/drawing/2014/main" id="{4DC0BFCF-D905-022B-788E-7C8BB191D379}"/>
+              </a:ext>
+            </a:extLst>
+          </p:cNvPr>
+          <p:cNvSpPr>
+            <a:spLocks noGrp="1"/>
+          </p:cNvSpPr>
+          <p:nvPr>
+            <p:ph type="sldNum" sz="quarter" idx="5"/>
+          </p:nvPr>
+        </p:nvSpPr>
+        <p:spPr/>
+        <p:txBody>
+          <a:bodyPr/>
+          <a:lstStyle/>
+          <a:p>
+            <a:fld id="{1300335D-9F13-4B80-ADC5-B0EA3E10FF6B}" type="slidenum">
+              <a:rPr lang="en-US" smtClean="0"/>
+              <a:t>8</a:t>
+            </a:fld>
+            <a:endParaRPr lang="en-US"/>
+          </a:p>
+        </p:txBody>
+      </p:sp>
+    </p:spTree>
+    <p:extLst>
+      <p:ext uri="{BB962C8B-B14F-4D97-AF65-F5344CB8AC3E}">
+        <p14:creationId xmlns:p14="http://schemas.microsoft.com/office/powerpoint/2010/main" val="3939643264"/>
+      </p:ext>
+    </p:extLst>
+  </p:cSld>
+  <p:clrMapOvr>
+    <a:masterClrMapping/>
+  </p:clrMapOvr>
+</p:notes>
+</file>
+
+<file path=ppt/notesSlides/notesSlide3.xml><?xml version="1.0" encoding="utf-8"?>
+<p:notes xmlns:a="http://schemas.openxmlformats.org/drawingml/2006/main" xmlns:r="http://schemas.openxmlformats.org/officeDocument/2006/relationships" xmlns:p="http://schemas.openxmlformats.org/presentationml/2006/main">
+  <p:cSld>
+    <p:spTree>
+      <p:nvGrpSpPr>
+        <p:cNvPr id="1" name="">
+          <a:extLst>
+            <a:ext uri="{FF2B5EF4-FFF2-40B4-BE49-F238E27FC236}">
+              <a16:creationId xmlns:a16="http://schemas.microsoft.com/office/drawing/2014/main" id="{9ACD0BB0-C27F-4394-84BC-879603FE7DC5}"/>
+            </a:ext>
+          </a:extLst>
+        </p:cNvPr>
+        <p:cNvGrpSpPr/>
+        <p:nvPr/>
+      </p:nvGrpSpPr>
+      <p:grpSpPr>
+        <a:xfrm>
+          <a:off x="0" y="0"/>
+          <a:ext cx="0" cy="0"/>
+          <a:chOff x="0" y="0"/>
+          <a:chExt cx="0" cy="0"/>
+        </a:xfrm>
+      </p:grpSpPr>
+      <p:sp>
+        <p:nvSpPr>
+          <p:cNvPr id="2" name="Slide Image Placeholder 1">
+            <a:extLst>
+              <a:ext uri="{FF2B5EF4-FFF2-40B4-BE49-F238E27FC236}">
+                <a16:creationId xmlns:a16="http://schemas.microsoft.com/office/drawing/2014/main" id="{8BD3BEAE-D2CD-A88A-3703-056E92BB0B5B}"/>
+              </a:ext>
+            </a:extLst>
+          </p:cNvPr>
+          <p:cNvSpPr>
+            <a:spLocks noGrp="1" noRot="1" noChangeAspect="1"/>
+          </p:cNvSpPr>
+          <p:nvPr>
+            <p:ph type="sldImg"/>
+          </p:nvPr>
+        </p:nvSpPr>
+        <p:spPr/>
+      </p:sp>
+      <p:sp>
+        <p:nvSpPr>
+          <p:cNvPr id="3" name="Notes Placeholder 2">
+            <a:extLst>
+              <a:ext uri="{FF2B5EF4-FFF2-40B4-BE49-F238E27FC236}">
+                <a16:creationId xmlns:a16="http://schemas.microsoft.com/office/drawing/2014/main" id="{EF1D8528-51B2-8AAF-A9AB-FE9AD8BC6069}"/>
+              </a:ext>
+            </a:extLst>
+          </p:cNvPr>
+          <p:cNvSpPr>
+            <a:spLocks noGrp="1"/>
+          </p:cNvSpPr>
+          <p:nvPr>
+            <p:ph type="body" idx="1"/>
+          </p:nvPr>
+        </p:nvSpPr>
+        <p:spPr/>
+        <p:txBody>
+          <a:bodyPr/>
+          <a:lstStyle/>
+          <a:p>
+            <a:pPr marL="228600" indent="-228600">
+              <a:buAutoNum type="arabicPeriod"/>
+            </a:pPr>
+            <a:r>
+              <a:rPr lang="en-US" dirty="0"/>
+              <a:t>False!</a:t>
+            </a:r>
+          </a:p>
+          <a:p>
+            <a:pPr marL="228600" indent="-228600">
+              <a:buAutoNum type="arabicPeriod"/>
+            </a:pPr>
+            <a:r>
+              <a:rPr lang="en-US" dirty="0"/>
+              <a:t>Function, Formula, Function</a:t>
+            </a:r>
+          </a:p>
+          <a:p>
+            <a:pPr marL="228600" indent="-228600">
+              <a:buAutoNum type="arabicPeriod"/>
+            </a:pPr>
+            <a:r>
+              <a:rPr lang="en-US" dirty="0"/>
+              <a:t>Argument</a:t>
+            </a:r>
+          </a:p>
+        </p:txBody>
+      </p:sp>
+      <p:sp>
+        <p:nvSpPr>
+          <p:cNvPr id="4" name="Slide Number Placeholder 3">
+            <a:extLst>
+              <a:ext uri="{FF2B5EF4-FFF2-40B4-BE49-F238E27FC236}">
+                <a16:creationId xmlns:a16="http://schemas.microsoft.com/office/drawing/2014/main" id="{F2683C92-7067-3C07-DF64-C45CF1BBC349}"/>
+              </a:ext>
+            </a:extLst>
+          </p:cNvPr>
+          <p:cNvSpPr>
+            <a:spLocks noGrp="1"/>
+          </p:cNvSpPr>
+          <p:nvPr>
+            <p:ph type="sldNum" sz="quarter" idx="5"/>
+          </p:nvPr>
+        </p:nvSpPr>
+        <p:spPr/>
+        <p:txBody>
+          <a:bodyPr/>
+          <a:lstStyle/>
+          <a:p>
+            <a:fld id="{1300335D-9F13-4B80-ADC5-B0EA3E10FF6B}" type="slidenum">
+              <a:rPr lang="en-US" smtClean="0"/>
+              <a:t>9</a:t>
+            </a:fld>
+            <a:endParaRPr lang="en-US"/>
+          </a:p>
+        </p:txBody>
+      </p:sp>
+    </p:spTree>
+    <p:extLst>
+      <p:ext uri="{BB962C8B-B14F-4D97-AF65-F5344CB8AC3E}">
+        <p14:creationId xmlns:p14="http://schemas.microsoft.com/office/powerpoint/2010/main" val="2048544313"/>
+      </p:ext>
+    </p:extLst>
+  </p:cSld>
+  <p:clrMapOvr>
+    <a:masterClrMapping/>
+  </p:clrMapOvr>
+</p:notes>
+</file>
+
+<file path=ppt/notesSlides/notesSlide4.xml><?xml version="1.0" encoding="utf-8"?>
+<p:notes xmlns:a="http://schemas.openxmlformats.org/drawingml/2006/main" xmlns:r="http://schemas.openxmlformats.org/officeDocument/2006/relationships" xmlns:p="http://schemas.openxmlformats.org/presentationml/2006/main">
+  <p:cSld>
+    <p:spTree>
+      <p:nvGrpSpPr>
+        <p:cNvPr id="1" name="">
+          <a:extLst>
+            <a:ext uri="{FF2B5EF4-FFF2-40B4-BE49-F238E27FC236}">
+              <a16:creationId xmlns:a16="http://schemas.microsoft.com/office/drawing/2014/main" id="{B6E3F2FE-DC3D-7A1A-4ACD-14EA94BE1886}"/>
+            </a:ext>
+          </a:extLst>
+        </p:cNvPr>
+        <p:cNvGrpSpPr/>
+        <p:nvPr/>
+      </p:nvGrpSpPr>
+      <p:grpSpPr>
+        <a:xfrm>
+          <a:off x="0" y="0"/>
+          <a:ext cx="0" cy="0"/>
+          <a:chOff x="0" y="0"/>
+          <a:chExt cx="0" cy="0"/>
+        </a:xfrm>
+      </p:grpSpPr>
+      <p:sp>
+        <p:nvSpPr>
+          <p:cNvPr id="2" name="Slide Image Placeholder 1">
+            <a:extLst>
+              <a:ext uri="{FF2B5EF4-FFF2-40B4-BE49-F238E27FC236}">
+                <a16:creationId xmlns:a16="http://schemas.microsoft.com/office/drawing/2014/main" id="{E120B78E-1964-06AA-D0C2-ADA2C8DBD218}"/>
+              </a:ext>
+            </a:extLst>
+          </p:cNvPr>
+          <p:cNvSpPr>
+            <a:spLocks noGrp="1" noRot="1" noChangeAspect="1"/>
+          </p:cNvSpPr>
+          <p:nvPr>
+            <p:ph type="sldImg"/>
+          </p:nvPr>
+        </p:nvSpPr>
+        <p:spPr/>
+      </p:sp>
+      <p:sp>
+        <p:nvSpPr>
+          <p:cNvPr id="3" name="Notes Placeholder 2">
+            <a:extLst>
+              <a:ext uri="{FF2B5EF4-FFF2-40B4-BE49-F238E27FC236}">
+                <a16:creationId xmlns:a16="http://schemas.microsoft.com/office/drawing/2014/main" id="{8967BBC2-4126-39AC-7EAC-8183927C6235}"/>
+              </a:ext>
+            </a:extLst>
+          </p:cNvPr>
+          <p:cNvSpPr>
+            <a:spLocks noGrp="1"/>
+          </p:cNvSpPr>
+          <p:nvPr>
+            <p:ph type="body" idx="1"/>
+          </p:nvPr>
+        </p:nvSpPr>
+        <p:spPr/>
+        <p:txBody>
+          <a:bodyPr/>
+          <a:lstStyle/>
+          <a:p>
+            <a:pPr marL="228600" indent="-228600">
+              <a:buAutoNum type="arabicPeriod"/>
+            </a:pPr>
+            <a:r>
+              <a:rPr lang="en-US" dirty="0"/>
+              <a:t>False!</a:t>
+            </a:r>
+          </a:p>
+          <a:p>
+            <a:pPr marL="228600" indent="-228600">
+              <a:buAutoNum type="arabicPeriod"/>
+            </a:pPr>
+            <a:r>
+              <a:rPr lang="en-US" dirty="0"/>
+              <a:t>Function, Formula, Function</a:t>
+            </a:r>
+          </a:p>
+          <a:p>
+            <a:pPr marL="228600" indent="-228600">
+              <a:buAutoNum type="arabicPeriod"/>
+            </a:pPr>
+            <a:r>
+              <a:rPr lang="en-US" dirty="0"/>
+              <a:t>Argument</a:t>
+            </a:r>
+          </a:p>
+        </p:txBody>
+      </p:sp>
+      <p:sp>
+        <p:nvSpPr>
+          <p:cNvPr id="4" name="Slide Number Placeholder 3">
+            <a:extLst>
+              <a:ext uri="{FF2B5EF4-FFF2-40B4-BE49-F238E27FC236}">
+                <a16:creationId xmlns:a16="http://schemas.microsoft.com/office/drawing/2014/main" id="{F925E90F-7E93-3536-F365-576D074091C5}"/>
+              </a:ext>
+            </a:extLst>
+          </p:cNvPr>
+          <p:cNvSpPr>
+            <a:spLocks noGrp="1"/>
+          </p:cNvSpPr>
+          <p:nvPr>
+            <p:ph type="sldNum" sz="quarter" idx="5"/>
+          </p:nvPr>
+        </p:nvSpPr>
+        <p:spPr/>
+        <p:txBody>
+          <a:bodyPr/>
+          <a:lstStyle/>
+          <a:p>
+            <a:fld id="{1300335D-9F13-4B80-ADC5-B0EA3E10FF6B}" type="slidenum">
+              <a:rPr lang="en-US" smtClean="0"/>
+              <a:t>10</a:t>
+            </a:fld>
+            <a:endParaRPr lang="en-US"/>
+          </a:p>
+        </p:txBody>
+      </p:sp>
+    </p:spTree>
+    <p:extLst>
+      <p:ext uri="{BB962C8B-B14F-4D97-AF65-F5344CB8AC3E}">
+        <p14:creationId xmlns:p14="http://schemas.microsoft.com/office/powerpoint/2010/main" val="392883307"/>
       </p:ext>
     </p:extLst>
   </p:cSld>
@@ -3662,7 +4061,7 @@
                 </a:solidFill>
                 <a:latin typeface="Pragmatica" panose="020B0403040502020204" pitchFamily="34" charset="0"/>
               </a:rPr>
-              <a:t>Day 2: Power BI and Dataverse – The Foundation Layer</a:t>
+              <a:t>Day 4: Office Scripts and Power Automate – The Execution Layer</a:t>
             </a:r>
           </a:p>
         </p:txBody>
@@ -3725,7 +4124,7 @@
 </p:sld>
 </file>
 
-<file path=ppt/slides/slide2.xml><?xml version="1.0" encoding="utf-8"?>
+<file path=ppt/slides/slide10.xml><?xml version="1.0" encoding="utf-8"?>
 <p:sld xmlns:a="http://schemas.openxmlformats.org/drawingml/2006/main" xmlns:r="http://schemas.openxmlformats.org/officeDocument/2006/relationships" xmlns:p="http://schemas.openxmlformats.org/presentationml/2006/main">
   <p:cSld>
     <p:spTree>
@@ -3733,7 +4132,7 @@
         <p:cNvPr id="1" name="">
           <a:extLst>
             <a:ext uri="{FF2B5EF4-FFF2-40B4-BE49-F238E27FC236}">
-              <a16:creationId xmlns:a16="http://schemas.microsoft.com/office/drawing/2014/main" id="{B016697A-2DDC-AD06-0D5F-524946CCFA3B}"/>
+              <a16:creationId xmlns:a16="http://schemas.microsoft.com/office/drawing/2014/main" id="{2DCE2D92-E493-1DD9-72E6-ACC94BA7AFC9}"/>
             </a:ext>
           </a:extLst>
         </p:cNvPr>
@@ -3750,355 +4149,10 @@
       </p:grpSpPr>
       <p:sp>
         <p:nvSpPr>
-          <p:cNvPr id="11" name="TextBox 10">
+          <p:cNvPr id="4" name="Rectangle 3">
             <a:extLst>
               <a:ext uri="{FF2B5EF4-FFF2-40B4-BE49-F238E27FC236}">
-                <a16:creationId xmlns:a16="http://schemas.microsoft.com/office/drawing/2014/main" id="{0E25D70B-1F78-7AF8-4771-7B64B436CB0F}"/>
-              </a:ext>
-            </a:extLst>
-          </p:cNvPr>
-          <p:cNvSpPr txBox="1"/>
-          <p:nvPr/>
-        </p:nvSpPr>
-        <p:spPr>
-          <a:xfrm>
-            <a:off x="520861" y="170082"/>
-            <a:ext cx="14642939" cy="1477328"/>
-          </a:xfrm>
-          <a:prstGeom prst="rect">
-            <a:avLst/>
-          </a:prstGeom>
-          <a:noFill/>
-        </p:spPr>
-        <p:txBody>
-          <a:bodyPr wrap="square" rtlCol="0">
-            <a:spAutoFit/>
-          </a:bodyPr>
-          <a:lstStyle/>
-          <a:p>
-            <a:r>
-              <a:rPr lang="en-US" sz="9000" dirty="0">
-                <a:latin typeface="Aliens &amp; cows" panose="00000500000000000000" pitchFamily="2" charset="0"/>
-              </a:rPr>
-              <a:t>Class logistics</a:t>
-            </a:r>
-          </a:p>
-        </p:txBody>
-      </p:sp>
-      <p:sp>
-        <p:nvSpPr>
-          <p:cNvPr id="3" name="TextBox 2">
-            <a:extLst>
-              <a:ext uri="{FF2B5EF4-FFF2-40B4-BE49-F238E27FC236}">
-                <a16:creationId xmlns:a16="http://schemas.microsoft.com/office/drawing/2014/main" id="{8AD5976A-E96C-DF78-2D1D-42CD64D3E69F}"/>
-              </a:ext>
-            </a:extLst>
-          </p:cNvPr>
-          <p:cNvSpPr txBox="1"/>
-          <p:nvPr/>
-        </p:nvSpPr>
-        <p:spPr>
-          <a:xfrm>
-            <a:off x="520861" y="3191948"/>
-            <a:ext cx="14393120" cy="5078313"/>
-          </a:xfrm>
-          <a:prstGeom prst="rect">
-            <a:avLst/>
-          </a:prstGeom>
-          <a:noFill/>
-        </p:spPr>
-        <p:txBody>
-          <a:bodyPr wrap="square" rtlCol="0">
-            <a:spAutoFit/>
-          </a:bodyPr>
-          <a:lstStyle/>
-          <a:p>
-            <a:pPr marL="685800" indent="-685800">
-              <a:buClr>
-                <a:srgbClr val="CF3338"/>
-              </a:buClr>
-              <a:buFont typeface="Arial" panose="020B0604020202020204" pitchFamily="34" charset="0"/>
-              <a:buChar char="•"/>
-            </a:pPr>
-            <a:r>
-              <a:rPr lang="en-US" sz="5400" dirty="0">
-                <a:solidFill>
-                  <a:srgbClr val="707070"/>
-                </a:solidFill>
-                <a:latin typeface="Pragmatica" panose="020B0403040502020204" pitchFamily="34" charset="0"/>
-              </a:rPr>
-              <a:t>All recordings, files used and communication will be on Teams channel</a:t>
-            </a:r>
-          </a:p>
-          <a:p>
-            <a:pPr marL="1143000" lvl="1" indent="-685800">
-              <a:buClr>
-                <a:srgbClr val="CF3338"/>
-              </a:buClr>
-              <a:buFont typeface="Arial" panose="020B0604020202020204" pitchFamily="34" charset="0"/>
-              <a:buChar char="•"/>
-            </a:pPr>
-            <a:r>
-              <a:rPr lang="en-US" sz="5400" dirty="0">
-                <a:solidFill>
-                  <a:srgbClr val="707070"/>
-                </a:solidFill>
-                <a:latin typeface="Pragmatica" panose="020B0403040502020204" pitchFamily="34" charset="0"/>
-              </a:rPr>
-              <a:t>Be sure to use your email used to sign up for the course!</a:t>
-            </a:r>
-          </a:p>
-          <a:p>
-            <a:pPr marL="1143000" lvl="1" indent="-685800">
-              <a:buClr>
-                <a:srgbClr val="CF3338"/>
-              </a:buClr>
-              <a:buFont typeface="Arial" panose="020B0604020202020204" pitchFamily="34" charset="0"/>
-              <a:buChar char="•"/>
-            </a:pPr>
-            <a:r>
-              <a:rPr lang="en-US" sz="5400" dirty="0">
-                <a:solidFill>
-                  <a:srgbClr val="707070"/>
-                </a:solidFill>
-                <a:latin typeface="Pragmatica" panose="020B0403040502020204" pitchFamily="34" charset="0"/>
-              </a:rPr>
-              <a:t>Email me with any questions: </a:t>
-            </a:r>
-            <a:r>
-              <a:rPr lang="en-US" sz="5400" b="1" dirty="0">
-                <a:solidFill>
-                  <a:srgbClr val="707070"/>
-                </a:solidFill>
-                <a:latin typeface="Pragmatica" panose="020B0403040502020204" pitchFamily="34" charset="0"/>
-              </a:rPr>
-              <a:t>george@stringfestanalytics.com </a:t>
-            </a:r>
-          </a:p>
-        </p:txBody>
-      </p:sp>
-      <p:pic>
-        <p:nvPicPr>
-          <p:cNvPr id="15" name="Picture 14" descr="A close up of a sign&#10;&#10;Description automatically generated">
-            <a:extLst>
-              <a:ext uri="{FF2B5EF4-FFF2-40B4-BE49-F238E27FC236}">
-                <a16:creationId xmlns:a16="http://schemas.microsoft.com/office/drawing/2014/main" id="{56BC9DC3-5856-1F48-F0BE-E6FB589534FC}"/>
-              </a:ext>
-            </a:extLst>
-          </p:cNvPr>
-          <p:cNvPicPr>
-            <a:picLocks noChangeAspect="1"/>
-          </p:cNvPicPr>
-          <p:nvPr/>
-        </p:nvPicPr>
-        <p:blipFill>
-          <a:blip r:embed="rId2">
-            <a:extLst>
-              <a:ext uri="{28A0092B-C50C-407E-A947-70E740481C1C}">
-                <a14:useLocalDpi xmlns:a14="http://schemas.microsoft.com/office/drawing/2010/main" val="0"/>
-              </a:ext>
-            </a:extLst>
-          </a:blip>
-          <a:stretch>
-            <a:fillRect/>
-          </a:stretch>
-        </p:blipFill>
-        <p:spPr>
-          <a:xfrm>
-            <a:off x="16341036" y="8058429"/>
-            <a:ext cx="1942857" cy="2228571"/>
-          </a:xfrm>
-          <a:prstGeom prst="rect">
-            <a:avLst/>
-          </a:prstGeom>
-        </p:spPr>
-      </p:pic>
-    </p:spTree>
-    <p:extLst>
-      <p:ext uri="{BB962C8B-B14F-4D97-AF65-F5344CB8AC3E}">
-        <p14:creationId xmlns:p14="http://schemas.microsoft.com/office/powerpoint/2010/main" val="3740785016"/>
-      </p:ext>
-    </p:extLst>
-  </p:cSld>
-  <p:clrMapOvr>
-    <a:masterClrMapping/>
-  </p:clrMapOvr>
-</p:sld>
-</file>
-
-<file path=ppt/slides/slide3.xml><?xml version="1.0" encoding="utf-8"?>
-<p:sld xmlns:a="http://schemas.openxmlformats.org/drawingml/2006/main" xmlns:r="http://schemas.openxmlformats.org/officeDocument/2006/relationships" xmlns:p="http://schemas.openxmlformats.org/presentationml/2006/main">
-  <p:cSld>
-    <p:spTree>
-      <p:nvGrpSpPr>
-        <p:cNvPr id="1" name="">
-          <a:extLst>
-            <a:ext uri="{FF2B5EF4-FFF2-40B4-BE49-F238E27FC236}">
-              <a16:creationId xmlns:a16="http://schemas.microsoft.com/office/drawing/2014/main" id="{B3E6ACC5-4B11-2B34-2998-BB1C4FC9CC6C}"/>
-            </a:ext>
-          </a:extLst>
-        </p:cNvPr>
-        <p:cNvGrpSpPr/>
-        <p:nvPr/>
-      </p:nvGrpSpPr>
-      <p:grpSpPr>
-        <a:xfrm>
-          <a:off x="0" y="0"/>
-          <a:ext cx="0" cy="0"/>
-          <a:chOff x="0" y="0"/>
-          <a:chExt cx="0" cy="0"/>
-        </a:xfrm>
-      </p:grpSpPr>
-      <p:sp>
-        <p:nvSpPr>
-          <p:cNvPr id="11" name="TextBox 10">
-            <a:extLst>
-              <a:ext uri="{FF2B5EF4-FFF2-40B4-BE49-F238E27FC236}">
-                <a16:creationId xmlns:a16="http://schemas.microsoft.com/office/drawing/2014/main" id="{EDA2185A-0457-8E44-DEEB-D9AF5A6DD844}"/>
-              </a:ext>
-            </a:extLst>
-          </p:cNvPr>
-          <p:cNvSpPr txBox="1"/>
-          <p:nvPr/>
-        </p:nvSpPr>
-        <p:spPr>
-          <a:xfrm>
-            <a:off x="520861" y="170082"/>
-            <a:ext cx="6794339" cy="3785652"/>
-          </a:xfrm>
-          <a:prstGeom prst="rect">
-            <a:avLst/>
-          </a:prstGeom>
-          <a:noFill/>
-        </p:spPr>
-        <p:txBody>
-          <a:bodyPr wrap="square" rtlCol="0">
-            <a:spAutoFit/>
-          </a:bodyPr>
-          <a:lstStyle/>
-          <a:p>
-            <a:r>
-              <a:rPr lang="en-US" sz="8000" dirty="0">
-                <a:latin typeface="Aliens &amp; cows" panose="00000500000000000000" pitchFamily="2" charset="0"/>
-              </a:rPr>
-              <a:t>Welcome to the modern Excel AI stack</a:t>
-            </a:r>
-          </a:p>
-        </p:txBody>
-      </p:sp>
-      <p:pic>
-        <p:nvPicPr>
-          <p:cNvPr id="15" name="Picture 14" descr="A close up of a sign&#10;&#10;Description automatically generated">
-            <a:extLst>
-              <a:ext uri="{FF2B5EF4-FFF2-40B4-BE49-F238E27FC236}">
-                <a16:creationId xmlns:a16="http://schemas.microsoft.com/office/drawing/2014/main" id="{B40CB128-54BB-AAD9-5F61-2143EA93C39E}"/>
-              </a:ext>
-            </a:extLst>
-          </p:cNvPr>
-          <p:cNvPicPr>
-            <a:picLocks noChangeAspect="1"/>
-          </p:cNvPicPr>
-          <p:nvPr/>
-        </p:nvPicPr>
-        <p:blipFill>
-          <a:blip r:embed="rId2">
-            <a:extLst>
-              <a:ext uri="{28A0092B-C50C-407E-A947-70E740481C1C}">
-                <a14:useLocalDpi xmlns:a14="http://schemas.microsoft.com/office/drawing/2010/main" val="0"/>
-              </a:ext>
-            </a:extLst>
-          </a:blip>
-          <a:stretch>
-            <a:fillRect/>
-          </a:stretch>
-        </p:blipFill>
-        <p:spPr>
-          <a:xfrm>
-            <a:off x="16341036" y="8058429"/>
-            <a:ext cx="1942857" cy="2228571"/>
-          </a:xfrm>
-          <a:prstGeom prst="rect">
-            <a:avLst/>
-          </a:prstGeom>
-        </p:spPr>
-      </p:pic>
-      <p:sp>
-        <p:nvSpPr>
-          <p:cNvPr id="4" name="TextBox 3">
-            <a:extLst>
-              <a:ext uri="{FF2B5EF4-FFF2-40B4-BE49-F238E27FC236}">
-                <a16:creationId xmlns:a16="http://schemas.microsoft.com/office/drawing/2014/main" id="{59AB6FFB-7FD0-7057-BC27-8C4B01CE34D2}"/>
-              </a:ext>
-            </a:extLst>
-          </p:cNvPr>
-          <p:cNvSpPr txBox="1"/>
-          <p:nvPr/>
-        </p:nvSpPr>
-        <p:spPr>
-          <a:xfrm>
-            <a:off x="228600" y="8267700"/>
-            <a:ext cx="6400800" cy="1569660"/>
-          </a:xfrm>
-          <a:prstGeom prst="rect">
-            <a:avLst/>
-          </a:prstGeom>
-          <a:noFill/>
-        </p:spPr>
-        <p:txBody>
-          <a:bodyPr wrap="square">
-            <a:spAutoFit/>
-          </a:bodyPr>
-          <a:lstStyle/>
-          <a:p>
-            <a:r>
-              <a:rPr lang="en-US" sz="3200" dirty="0">
-                <a:hlinkClick r:id="rId3"/>
-              </a:rPr>
-              <a:t>https://stringfestanalytics.com/how-to-understand-the-modern-excel-ai-stack/</a:t>
-            </a:r>
-            <a:r>
-              <a:rPr lang="en-US" sz="3200" dirty="0"/>
-              <a:t> </a:t>
-            </a:r>
-          </a:p>
-        </p:txBody>
-      </p:sp>
-      <p:pic>
-        <p:nvPicPr>
-          <p:cNvPr id="5" name="Picture 4">
-            <a:extLst>
-              <a:ext uri="{FF2B5EF4-FFF2-40B4-BE49-F238E27FC236}">
-                <a16:creationId xmlns:a16="http://schemas.microsoft.com/office/drawing/2014/main" id="{B9D87183-BF8B-3C89-D59E-109566F38D46}"/>
-              </a:ext>
-            </a:extLst>
-          </p:cNvPr>
-          <p:cNvPicPr>
-            <a:picLocks noChangeAspect="1"/>
-          </p:cNvPicPr>
-          <p:nvPr/>
-        </p:nvPicPr>
-        <p:blipFill>
-          <a:blip r:embed="rId4"/>
-          <a:stretch>
-            <a:fillRect/>
-          </a:stretch>
-        </p:blipFill>
-        <p:spPr>
-          <a:xfrm>
-            <a:off x="8001000" y="0"/>
-            <a:ext cx="10287000" cy="10287000"/>
-          </a:xfrm>
-          <a:prstGeom prst="rect">
-            <a:avLst/>
-          </a:prstGeom>
-        </p:spPr>
-      </p:pic>
-      <p:sp>
-        <p:nvSpPr>
-          <p:cNvPr id="2" name="Rectangle 1">
-            <a:extLst>
-              <a:ext uri="{FF2B5EF4-FFF2-40B4-BE49-F238E27FC236}">
-                <a16:creationId xmlns:a16="http://schemas.microsoft.com/office/drawing/2014/main" id="{2A65A1F1-433D-842C-ED33-95F0AF974DBB}"/>
+                <a16:creationId xmlns:a16="http://schemas.microsoft.com/office/drawing/2014/main" id="{E06F4AE9-80A1-26DB-FCA0-2CF02A251A93}"/>
               </a:ext>
             </a:extLst>
           </p:cNvPr>
@@ -4107,312 +4161,8 @@
         </p:nvSpPr>
         <p:spPr>
           <a:xfrm>
-            <a:off x="8763000" y="6286500"/>
-            <a:ext cx="8991600" cy="1524000"/>
-          </a:xfrm>
-          <a:prstGeom prst="rect">
-            <a:avLst/>
-          </a:prstGeom>
-          <a:noFill/>
-          <a:ln w="76200">
-            <a:solidFill>
-              <a:srgbClr val="CF3338"/>
-            </a:solidFill>
-          </a:ln>
-        </p:spPr>
-        <p:style>
-          <a:lnRef idx="2">
-            <a:schemeClr val="accent1">
-              <a:shade val="15000"/>
-            </a:schemeClr>
-          </a:lnRef>
-          <a:fillRef idx="1">
-            <a:schemeClr val="accent1"/>
-          </a:fillRef>
-          <a:effectRef idx="0">
-            <a:schemeClr val="accent1"/>
-          </a:effectRef>
-          <a:fontRef idx="minor">
-            <a:schemeClr val="lt1"/>
-          </a:fontRef>
-        </p:style>
-        <p:txBody>
-          <a:bodyPr rtlCol="0" anchor="ctr"/>
-          <a:lstStyle/>
-          <a:p>
-            <a:pPr algn="ctr"/>
-            <a:endParaRPr lang="en-US"/>
-          </a:p>
-        </p:txBody>
-      </p:sp>
-    </p:spTree>
-    <p:extLst>
-      <p:ext uri="{BB962C8B-B14F-4D97-AF65-F5344CB8AC3E}">
-        <p14:creationId xmlns:p14="http://schemas.microsoft.com/office/powerpoint/2010/main" val="2791422705"/>
-      </p:ext>
-    </p:extLst>
-  </p:cSld>
-  <p:clrMapOvr>
-    <a:masterClrMapping/>
-  </p:clrMapOvr>
-</p:sld>
-</file>
-
-<file path=ppt/slides/slide4.xml><?xml version="1.0" encoding="utf-8"?>
-<p:sld xmlns:a="http://schemas.openxmlformats.org/drawingml/2006/main" xmlns:r="http://schemas.openxmlformats.org/officeDocument/2006/relationships" xmlns:p="http://schemas.openxmlformats.org/presentationml/2006/main">
-  <p:cSld>
-    <p:spTree>
-      <p:nvGrpSpPr>
-        <p:cNvPr id="1" name="">
-          <a:extLst>
-            <a:ext uri="{FF2B5EF4-FFF2-40B4-BE49-F238E27FC236}">
-              <a16:creationId xmlns:a16="http://schemas.microsoft.com/office/drawing/2014/main" id="{58E778E5-4EE9-9207-6FC7-3D28CF2383AD}"/>
-            </a:ext>
-          </a:extLst>
-        </p:cNvPr>
-        <p:cNvGrpSpPr/>
-        <p:nvPr/>
-      </p:nvGrpSpPr>
-      <p:grpSpPr>
-        <a:xfrm>
-          <a:off x="0" y="0"/>
-          <a:ext cx="0" cy="0"/>
-          <a:chOff x="0" y="0"/>
-          <a:chExt cx="0" cy="0"/>
-        </a:xfrm>
-      </p:grpSpPr>
-      <p:sp>
-        <p:nvSpPr>
-          <p:cNvPr id="11" name="TextBox 10">
-            <a:extLst>
-              <a:ext uri="{FF2B5EF4-FFF2-40B4-BE49-F238E27FC236}">
-                <a16:creationId xmlns:a16="http://schemas.microsoft.com/office/drawing/2014/main" id="{781603C7-76CD-A76B-F955-68F3329D8967}"/>
-              </a:ext>
-            </a:extLst>
-          </p:cNvPr>
-          <p:cNvSpPr txBox="1"/>
-          <p:nvPr/>
-        </p:nvSpPr>
-        <p:spPr>
-          <a:xfrm>
-            <a:off x="520861" y="170082"/>
-            <a:ext cx="14642939" cy="1477328"/>
-          </a:xfrm>
-          <a:prstGeom prst="rect">
-            <a:avLst/>
-          </a:prstGeom>
-          <a:noFill/>
-        </p:spPr>
-        <p:txBody>
-          <a:bodyPr wrap="square" rtlCol="0">
-            <a:spAutoFit/>
-          </a:bodyPr>
-          <a:lstStyle/>
-          <a:p>
-            <a:r>
-              <a:rPr lang="en-US" sz="9000" dirty="0">
-                <a:latin typeface="Aliens &amp; cows" panose="00000500000000000000" pitchFamily="2" charset="0"/>
-              </a:rPr>
-              <a:t>So what for AI?</a:t>
-            </a:r>
-          </a:p>
-        </p:txBody>
-      </p:sp>
-      <p:sp>
-        <p:nvSpPr>
-          <p:cNvPr id="3" name="TextBox 2">
-            <a:extLst>
-              <a:ext uri="{FF2B5EF4-FFF2-40B4-BE49-F238E27FC236}">
-                <a16:creationId xmlns:a16="http://schemas.microsoft.com/office/drawing/2014/main" id="{5F84214C-EACA-355D-FAEB-44DBEAE3040B}"/>
-              </a:ext>
-            </a:extLst>
-          </p:cNvPr>
-          <p:cNvSpPr txBox="1"/>
-          <p:nvPr/>
-        </p:nvSpPr>
-        <p:spPr>
-          <a:xfrm>
-            <a:off x="520861" y="2095500"/>
-            <a:ext cx="14393120" cy="7571303"/>
-          </a:xfrm>
-          <a:prstGeom prst="rect">
-            <a:avLst/>
-          </a:prstGeom>
-          <a:noFill/>
-        </p:spPr>
-        <p:txBody>
-          <a:bodyPr wrap="square" rtlCol="0">
-            <a:spAutoFit/>
-          </a:bodyPr>
-          <a:lstStyle/>
-          <a:p>
-            <a:pPr marL="685800" indent="-685800">
-              <a:buClr>
-                <a:srgbClr val="CF3338"/>
-              </a:buClr>
-              <a:buFont typeface="Arial" panose="020B0604020202020204" pitchFamily="34" charset="0"/>
-              <a:buChar char="•"/>
-            </a:pPr>
-            <a:r>
-              <a:rPr lang="en-US" sz="5400" dirty="0">
-                <a:solidFill>
-                  <a:srgbClr val="707070"/>
-                </a:solidFill>
-                <a:latin typeface="Pragmatica" panose="020B0403040502020204" pitchFamily="34" charset="0"/>
-              </a:rPr>
-              <a:t>AI depends on clean, governed, trusted data</a:t>
-            </a:r>
-          </a:p>
-          <a:p>
-            <a:pPr marL="685800" indent="-685800">
-              <a:buClr>
-                <a:srgbClr val="CF3338"/>
-              </a:buClr>
-              <a:buFont typeface="Arial" panose="020B0604020202020204" pitchFamily="34" charset="0"/>
-              <a:buChar char="•"/>
-            </a:pPr>
-            <a:r>
-              <a:rPr lang="en-US" sz="5400" dirty="0">
-                <a:solidFill>
-                  <a:srgbClr val="707070"/>
-                </a:solidFill>
-                <a:latin typeface="Pragmatica" panose="020B0403040502020204" pitchFamily="34" charset="0"/>
-              </a:rPr>
-              <a:t>Cloud connected Excel gives Copilot real context and structure</a:t>
-            </a:r>
-          </a:p>
-          <a:p>
-            <a:pPr marL="685800" indent="-685800">
-              <a:buClr>
-                <a:srgbClr val="CF3338"/>
-              </a:buClr>
-              <a:buFont typeface="Arial" panose="020B0604020202020204" pitchFamily="34" charset="0"/>
-              <a:buChar char="•"/>
-            </a:pPr>
-            <a:r>
-              <a:rPr lang="en-US" sz="5400" dirty="0">
-                <a:solidFill>
-                  <a:srgbClr val="707070"/>
-                </a:solidFill>
-                <a:latin typeface="Pragmatica" panose="020B0403040502020204" pitchFamily="34" charset="0"/>
-              </a:rPr>
-              <a:t>Semantic models teach AI the meaning of your data</a:t>
-            </a:r>
-          </a:p>
-          <a:p>
-            <a:pPr marL="685800" indent="-685800">
-              <a:buClr>
-                <a:srgbClr val="CF3338"/>
-              </a:buClr>
-              <a:buFont typeface="Arial" panose="020B0604020202020204" pitchFamily="34" charset="0"/>
-              <a:buChar char="•"/>
-            </a:pPr>
-            <a:r>
-              <a:rPr lang="en-US" sz="5400" dirty="0">
-                <a:solidFill>
-                  <a:srgbClr val="707070"/>
-                </a:solidFill>
-                <a:latin typeface="Pragmatica" panose="020B0403040502020204" pitchFamily="34" charset="0"/>
-              </a:rPr>
-              <a:t>Dataverse provides consistent tables and relationships AI can use</a:t>
-            </a:r>
-          </a:p>
-          <a:p>
-            <a:pPr marL="685800" indent="-685800">
-              <a:buClr>
-                <a:srgbClr val="CF3338"/>
-              </a:buClr>
-              <a:buFont typeface="Arial" panose="020B0604020202020204" pitchFamily="34" charset="0"/>
-              <a:buChar char="•"/>
-            </a:pPr>
-            <a:r>
-              <a:rPr lang="en-US" sz="5400" dirty="0">
-                <a:solidFill>
-                  <a:srgbClr val="707070"/>
-                </a:solidFill>
-                <a:latin typeface="Pragmatica" panose="020B0403040502020204" pitchFamily="34" charset="0"/>
-              </a:rPr>
-              <a:t>Better data foundations mean better prompts, better answers, fewer errors</a:t>
-            </a:r>
-          </a:p>
-        </p:txBody>
-      </p:sp>
-      <p:pic>
-        <p:nvPicPr>
-          <p:cNvPr id="15" name="Picture 14" descr="A close up of a sign&#10;&#10;Description automatically generated">
-            <a:extLst>
-              <a:ext uri="{FF2B5EF4-FFF2-40B4-BE49-F238E27FC236}">
-                <a16:creationId xmlns:a16="http://schemas.microsoft.com/office/drawing/2014/main" id="{6959BD9D-5738-BA78-737D-3115164D42C1}"/>
-              </a:ext>
-            </a:extLst>
-          </p:cNvPr>
-          <p:cNvPicPr>
-            <a:picLocks noChangeAspect="1"/>
-          </p:cNvPicPr>
-          <p:nvPr/>
-        </p:nvPicPr>
-        <p:blipFill>
-          <a:blip r:embed="rId2">
-            <a:extLst>
-              <a:ext uri="{28A0092B-C50C-407E-A947-70E740481C1C}">
-                <a14:useLocalDpi xmlns:a14="http://schemas.microsoft.com/office/drawing/2010/main" val="0"/>
-              </a:ext>
-            </a:extLst>
-          </a:blip>
-          <a:stretch>
-            <a:fillRect/>
-          </a:stretch>
-        </p:blipFill>
-        <p:spPr>
-          <a:xfrm>
-            <a:off x="16341036" y="8058429"/>
-            <a:ext cx="1942857" cy="2228571"/>
-          </a:xfrm>
-          <a:prstGeom prst="rect">
-            <a:avLst/>
-          </a:prstGeom>
-        </p:spPr>
-      </p:pic>
-    </p:spTree>
-    <p:extLst>
-      <p:ext uri="{BB962C8B-B14F-4D97-AF65-F5344CB8AC3E}">
-        <p14:creationId xmlns:p14="http://schemas.microsoft.com/office/powerpoint/2010/main" val="769688013"/>
-      </p:ext>
-    </p:extLst>
-  </p:cSld>
-  <p:clrMapOvr>
-    <a:masterClrMapping/>
-  </p:clrMapOvr>
-</p:sld>
-</file>
-
-<file path=ppt/slides/slide5.xml><?xml version="1.0" encoding="utf-8"?>
-<p:sld xmlns:a="http://schemas.openxmlformats.org/drawingml/2006/main" xmlns:r="http://schemas.openxmlformats.org/officeDocument/2006/relationships" xmlns:p="http://schemas.openxmlformats.org/presentationml/2006/main">
-  <p:cSld>
-    <p:spTree>
-      <p:nvGrpSpPr>
-        <p:cNvPr id="1" name=""/>
-        <p:cNvGrpSpPr/>
-        <p:nvPr/>
-      </p:nvGrpSpPr>
-      <p:grpSpPr>
-        <a:xfrm>
-          <a:off x="0" y="0"/>
-          <a:ext cx="0" cy="0"/>
-          <a:chOff x="0" y="0"/>
-          <a:chExt cx="0" cy="0"/>
-        </a:xfrm>
-      </p:grpSpPr>
-      <p:sp>
-        <p:nvSpPr>
-          <p:cNvPr id="4" name="Rectangle 3"/>
-          <p:cNvSpPr/>
-          <p:nvPr/>
-        </p:nvSpPr>
-        <p:spPr>
-          <a:xfrm>
-            <a:off x="9861630" y="0"/>
-            <a:ext cx="8426370" cy="10287000"/>
+            <a:off x="12954000" y="0"/>
+            <a:ext cx="5334000" cy="10287000"/>
           </a:xfrm>
           <a:prstGeom prst="rect">
             <a:avLst/>
@@ -4451,7 +4201,13 @@
       </p:sp>
       <p:pic>
         <p:nvPicPr>
-          <p:cNvPr id="2" name="Picture 1"/>
+          <p:cNvPr id="2" name="Picture 1">
+            <a:extLst>
+              <a:ext uri="{FF2B5EF4-FFF2-40B4-BE49-F238E27FC236}">
+                <a16:creationId xmlns:a16="http://schemas.microsoft.com/office/drawing/2014/main" id="{DD359C3C-F6DC-89F1-C2E6-400CCA8A1637}"/>
+              </a:ext>
+            </a:extLst>
+          </p:cNvPr>
           <p:cNvPicPr>
             <a:picLocks noChangeAspect="1"/>
           </p:cNvPicPr>
@@ -4480,14 +4236,20 @@
       </p:pic>
       <p:sp>
         <p:nvSpPr>
-          <p:cNvPr id="3" name="TextBox 2"/>
+          <p:cNvPr id="3" name="TextBox 2">
+            <a:extLst>
+              <a:ext uri="{FF2B5EF4-FFF2-40B4-BE49-F238E27FC236}">
+                <a16:creationId xmlns:a16="http://schemas.microsoft.com/office/drawing/2014/main" id="{D5B0DBF2-77D4-A760-CF57-E60E6CB7A501}"/>
+              </a:ext>
+            </a:extLst>
+          </p:cNvPr>
           <p:cNvSpPr txBox="1"/>
           <p:nvPr/>
         </p:nvSpPr>
         <p:spPr>
           <a:xfrm>
             <a:off x="260430" y="329879"/>
-            <a:ext cx="9416969" cy="8986434"/>
+            <a:ext cx="12464969" cy="5505482"/>
           </a:xfrm>
           <a:prstGeom prst="rect">
             <a:avLst/>
@@ -4507,16 +4269,8 @@
                 </a:solidFill>
                 <a:latin typeface="Pragmatica" panose="020B0403040502020204" pitchFamily="34" charset="0"/>
               </a:rPr>
-              <a:t>Demo: Clean in Excel, scale to the cloud</a:t>
-            </a:r>
-          </a:p>
-          <a:p>
-            <a:endParaRPr lang="en-US" sz="4200" dirty="0">
-              <a:solidFill>
-                <a:srgbClr val="CF3338"/>
-              </a:solidFill>
-              <a:latin typeface="Pragmatica" panose="020B0403040502020204" pitchFamily="34" charset="0"/>
-            </a:endParaRPr>
+              <a:t>Exercises</a:t>
+            </a:r>
           </a:p>
           <a:p>
             <a:pPr marL="714375" indent="-571500">
@@ -4541,7 +4295,17 @@
                 <a:latin typeface="Pragmatica" panose="020B0403040502020204"/>
                 <a:sym typeface="Consolas"/>
               </a:rPr>
-              <a:t>Use Power Query in Excel to clean and shape the Superstore dataset</a:t>
+              <a:t>Folder: </a:t>
+            </a:r>
+            <a:r>
+              <a:rPr lang="en-US" sz="3600" dirty="0">
+                <a:solidFill>
+                  <a:srgbClr val="C00000"/>
+                </a:solidFill>
+                <a:latin typeface="Consolas" panose="020B0609020204030204" pitchFamily="49" charset="0"/>
+                <a:sym typeface="Consolas"/>
+              </a:rPr>
+              <a:t>pa-challenge</a:t>
             </a:r>
           </a:p>
           <a:p>
@@ -4567,11 +4331,31 @@
                 <a:latin typeface="Pragmatica" panose="020B0403040502020204"/>
                 <a:sym typeface="Consolas"/>
               </a:rPr>
-              <a:t>Publish the same transformation logic to a Dataflow</a:t>
-            </a:r>
-          </a:p>
-          <a:p>
-            <a:pPr marL="714375" indent="-571500">
+              <a:t>Task: Create a log in </a:t>
+            </a:r>
+            <a:r>
+              <a:rPr lang="en-US" sz="3600" dirty="0">
+                <a:solidFill>
+                  <a:srgbClr val="C00000"/>
+                </a:solidFill>
+                <a:latin typeface="Consolas" panose="020B0609020204030204" pitchFamily="49" charset="0"/>
+                <a:sym typeface="Consolas"/>
+              </a:rPr>
+              <a:t>file-log.xlsx</a:t>
+            </a:r>
+            <a:r>
+              <a:rPr lang="en-US" sz="3600" dirty="0">
+                <a:solidFill>
+                  <a:srgbClr val="C00000"/>
+                </a:solidFill>
+                <a:latin typeface="Pragmatica" panose="020B0403040502020204"/>
+                <a:sym typeface="Consolas"/>
+              </a:rPr>
+              <a:t> every time a workbook is uploaded to incoming-files folder</a:t>
+            </a:r>
+          </a:p>
+          <a:p>
+            <a:pPr marL="1171575" lvl="1" indent="-571500">
               <a:lnSpc>
                 <a:spcPct val="115000"/>
               </a:lnSpc>
@@ -4593,11 +4377,11 @@
                 <a:latin typeface="Pragmatica" panose="020B0403040502020204"/>
                 <a:sym typeface="Consolas"/>
               </a:rPr>
-              <a:t>Apply that logic to enterprise Dataverse tables</a:t>
-            </a:r>
-          </a:p>
-          <a:p>
-            <a:pPr marL="714375" indent="-571500">
+              <a:t>Trigger: When a file is created (properties only)</a:t>
+            </a:r>
+          </a:p>
+          <a:p>
+            <a:pPr marL="1171575" lvl="1" indent="-571500">
               <a:lnSpc>
                 <a:spcPct val="115000"/>
               </a:lnSpc>
@@ -4619,11 +4403,11 @@
                 <a:latin typeface="Pragmatica" panose="020B0403040502020204"/>
                 <a:sym typeface="Consolas"/>
               </a:rPr>
-              <a:t>Show how one transformation can serve every workflow across the Power Platform</a:t>
-            </a:r>
-          </a:p>
-          <a:p>
-            <a:pPr marL="142875">
+              <a:t>Use conditional logic for file type</a:t>
+            </a:r>
+          </a:p>
+          <a:p>
+            <a:pPr marL="1171575" lvl="1" indent="-571500">
               <a:lnSpc>
                 <a:spcPct val="115000"/>
               </a:lnSpc>
@@ -4634,6 +4418,8 @@
                 <a:srgbClr val="C00000"/>
               </a:buClr>
               <a:buSzPts val="2100"/>
+              <a:buFont typeface="Arial" panose="020B0604020202020204" pitchFamily="34" charset="0"/>
+              <a:buChar char="•"/>
             </a:pPr>
             <a:r>
               <a:rPr lang="en-US" sz="3600" dirty="0">
@@ -4643,25 +4429,42 @@
                 <a:latin typeface="Pragmatica" panose="020B0403040502020204"/>
                 <a:sym typeface="Consolas"/>
               </a:rPr>
-              <a:t>Workbook: </a:t>
-            </a:r>
-            <a:r>
-              <a:rPr lang="en-US" sz="3600" dirty="0">
+              <a:t>Consider using Power </a:t>
+            </a:r>
+            <a:r>
+              <a:rPr lang="en-US" sz="3600" dirty="0" err="1">
                 <a:solidFill>
                   <a:srgbClr val="C00000"/>
                 </a:solidFill>
-                <a:latin typeface="Consolas" panose="020B0609020204030204" pitchFamily="49" charset="0"/>
+                <a:latin typeface="Pragmatica" panose="020B0403040502020204"/>
                 <a:sym typeface="Consolas"/>
               </a:rPr>
-              <a:t>wholesale-customers.xlsx</a:t>
-            </a:r>
+              <a:t>Fx</a:t>
+            </a:r>
+            <a:r>
+              <a:rPr lang="en-US" sz="3600" dirty="0">
+                <a:solidFill>
+                  <a:srgbClr val="C00000"/>
+                </a:solidFill>
+                <a:latin typeface="Pragmatica" panose="020B0403040502020204"/>
+                <a:sym typeface="Consolas"/>
+              </a:rPr>
+              <a:t> to format upload date</a:t>
+            </a:r>
+            <a:endParaRPr lang="en-US" sz="3600" dirty="0">
+              <a:solidFill>
+                <a:srgbClr val="C00000"/>
+              </a:solidFill>
+              <a:latin typeface="Consolas" panose="020B0609020204030204" pitchFamily="49" charset="0"/>
+              <a:sym typeface="Consolas"/>
+            </a:endParaRPr>
           </a:p>
         </p:txBody>
       </p:sp>
     </p:spTree>
     <p:extLst>
       <p:ext uri="{BB962C8B-B14F-4D97-AF65-F5344CB8AC3E}">
-        <p14:creationId xmlns:p14="http://schemas.microsoft.com/office/powerpoint/2010/main" val="3871531779"/>
+        <p14:creationId xmlns:p14="http://schemas.microsoft.com/office/powerpoint/2010/main" val="3469289285"/>
       </p:ext>
     </p:extLst>
   </p:cSld>
@@ -4671,406 +4474,7 @@
 </p:sld>
 </file>
 
-<file path=ppt/slides/slide6.xml><?xml version="1.0" encoding="utf-8"?>
-<p:sld xmlns:a="http://schemas.openxmlformats.org/drawingml/2006/main" xmlns:r="http://schemas.openxmlformats.org/officeDocument/2006/relationships" xmlns:p="http://schemas.openxmlformats.org/presentationml/2006/main">
-  <p:cSld>
-    <p:spTree>
-      <p:nvGrpSpPr>
-        <p:cNvPr id="1" name="">
-          <a:extLst>
-            <a:ext uri="{FF2B5EF4-FFF2-40B4-BE49-F238E27FC236}">
-              <a16:creationId xmlns:a16="http://schemas.microsoft.com/office/drawing/2014/main" id="{D687E3AC-4FA3-83DA-F79F-26551AD8550C}"/>
-            </a:ext>
-          </a:extLst>
-        </p:cNvPr>
-        <p:cNvGrpSpPr/>
-        <p:nvPr/>
-      </p:nvGrpSpPr>
-      <p:grpSpPr>
-        <a:xfrm>
-          <a:off x="0" y="0"/>
-          <a:ext cx="0" cy="0"/>
-          <a:chOff x="0" y="0"/>
-          <a:chExt cx="0" cy="0"/>
-        </a:xfrm>
-      </p:grpSpPr>
-      <p:sp>
-        <p:nvSpPr>
-          <p:cNvPr id="11" name="TextBox 10">
-            <a:extLst>
-              <a:ext uri="{FF2B5EF4-FFF2-40B4-BE49-F238E27FC236}">
-                <a16:creationId xmlns:a16="http://schemas.microsoft.com/office/drawing/2014/main" id="{FFF83F61-9347-B3FC-96FC-70DF3E10AC66}"/>
-              </a:ext>
-            </a:extLst>
-          </p:cNvPr>
-          <p:cNvSpPr txBox="1"/>
-          <p:nvPr/>
-        </p:nvSpPr>
-        <p:spPr>
-          <a:xfrm>
-            <a:off x="520861" y="170082"/>
-            <a:ext cx="14642939" cy="1477328"/>
-          </a:xfrm>
-          <a:prstGeom prst="rect">
-            <a:avLst/>
-          </a:prstGeom>
-          <a:noFill/>
-        </p:spPr>
-        <p:txBody>
-          <a:bodyPr wrap="square" rtlCol="0">
-            <a:spAutoFit/>
-          </a:bodyPr>
-          <a:lstStyle/>
-          <a:p>
-            <a:r>
-              <a:rPr lang="en-US" sz="9000" dirty="0">
-                <a:latin typeface="Aliens &amp; cows" panose="00000500000000000000" pitchFamily="2" charset="0"/>
-              </a:rPr>
-              <a:t>So what for AI?</a:t>
-            </a:r>
-          </a:p>
-        </p:txBody>
-      </p:sp>
-      <p:sp>
-        <p:nvSpPr>
-          <p:cNvPr id="3" name="TextBox 2">
-            <a:extLst>
-              <a:ext uri="{FF2B5EF4-FFF2-40B4-BE49-F238E27FC236}">
-                <a16:creationId xmlns:a16="http://schemas.microsoft.com/office/drawing/2014/main" id="{7A23AEB3-4E11-C3D4-E894-27B00448C33C}"/>
-              </a:ext>
-            </a:extLst>
-          </p:cNvPr>
-          <p:cNvSpPr txBox="1"/>
-          <p:nvPr/>
-        </p:nvSpPr>
-        <p:spPr>
-          <a:xfrm>
-            <a:off x="520861" y="2095500"/>
-            <a:ext cx="14393120" cy="5078313"/>
-          </a:xfrm>
-          <a:prstGeom prst="rect">
-            <a:avLst/>
-          </a:prstGeom>
-          <a:noFill/>
-        </p:spPr>
-        <p:txBody>
-          <a:bodyPr wrap="square" rtlCol="0">
-            <a:spAutoFit/>
-          </a:bodyPr>
-          <a:lstStyle/>
-          <a:p>
-            <a:pPr marL="685800" indent="-685800">
-              <a:buClr>
-                <a:srgbClr val="CF3338"/>
-              </a:buClr>
-              <a:buFont typeface="Arial" panose="020B0604020202020204" pitchFamily="34" charset="0"/>
-              <a:buChar char="•"/>
-            </a:pPr>
-            <a:r>
-              <a:rPr lang="en-US" sz="5400" dirty="0">
-                <a:solidFill>
-                  <a:srgbClr val="707070"/>
-                </a:solidFill>
-                <a:latin typeface="Pragmatica" panose="020B0403040502020204" pitchFamily="34" charset="0"/>
-              </a:rPr>
-              <a:t>AI needs consistent, well defined tables, not one off cleanup</a:t>
-            </a:r>
-          </a:p>
-          <a:p>
-            <a:pPr marL="685800" indent="-685800">
-              <a:buClr>
-                <a:srgbClr val="CF3338"/>
-              </a:buClr>
-              <a:buFont typeface="Arial" panose="020B0604020202020204" pitchFamily="34" charset="0"/>
-              <a:buChar char="•"/>
-            </a:pPr>
-            <a:r>
-              <a:rPr lang="en-US" sz="5400" dirty="0">
-                <a:solidFill>
-                  <a:srgbClr val="707070"/>
-                </a:solidFill>
-                <a:latin typeface="Pragmatica" panose="020B0403040502020204" pitchFamily="34" charset="0"/>
-              </a:rPr>
-              <a:t>Dataflows give Copilot Studio reliable inputs for reasoning and actions</a:t>
-            </a:r>
-          </a:p>
-          <a:p>
-            <a:pPr marL="685800" indent="-685800">
-              <a:buClr>
-                <a:srgbClr val="CF3338"/>
-              </a:buClr>
-              <a:buFont typeface="Arial" panose="020B0604020202020204" pitchFamily="34" charset="0"/>
-              <a:buChar char="•"/>
-            </a:pPr>
-            <a:r>
-              <a:rPr lang="en-US" sz="5400" dirty="0">
-                <a:solidFill>
-                  <a:srgbClr val="707070"/>
-                </a:solidFill>
-                <a:latin typeface="Pragmatica" panose="020B0403040502020204" pitchFamily="34" charset="0"/>
-              </a:rPr>
-              <a:t>You cannot build strong copilots without strong data foundations</a:t>
-            </a:r>
-          </a:p>
-        </p:txBody>
-      </p:sp>
-      <p:pic>
-        <p:nvPicPr>
-          <p:cNvPr id="15" name="Picture 14" descr="A close up of a sign&#10;&#10;Description automatically generated">
-            <a:extLst>
-              <a:ext uri="{FF2B5EF4-FFF2-40B4-BE49-F238E27FC236}">
-                <a16:creationId xmlns:a16="http://schemas.microsoft.com/office/drawing/2014/main" id="{96DC29E9-117A-CF3F-ECBD-08964AD5B8F2}"/>
-              </a:ext>
-            </a:extLst>
-          </p:cNvPr>
-          <p:cNvPicPr>
-            <a:picLocks noChangeAspect="1"/>
-          </p:cNvPicPr>
-          <p:nvPr/>
-        </p:nvPicPr>
-        <p:blipFill>
-          <a:blip r:embed="rId2">
-            <a:extLst>
-              <a:ext uri="{28A0092B-C50C-407E-A947-70E740481C1C}">
-                <a14:useLocalDpi xmlns:a14="http://schemas.microsoft.com/office/drawing/2010/main" val="0"/>
-              </a:ext>
-            </a:extLst>
-          </a:blip>
-          <a:stretch>
-            <a:fillRect/>
-          </a:stretch>
-        </p:blipFill>
-        <p:spPr>
-          <a:xfrm>
-            <a:off x="16341036" y="8058429"/>
-            <a:ext cx="1942857" cy="2228571"/>
-          </a:xfrm>
-          <a:prstGeom prst="rect">
-            <a:avLst/>
-          </a:prstGeom>
-        </p:spPr>
-      </p:pic>
-    </p:spTree>
-    <p:extLst>
-      <p:ext uri="{BB962C8B-B14F-4D97-AF65-F5344CB8AC3E}">
-        <p14:creationId xmlns:p14="http://schemas.microsoft.com/office/powerpoint/2010/main" val="43337917"/>
-      </p:ext>
-    </p:extLst>
-  </p:cSld>
-  <p:clrMapOvr>
-    <a:masterClrMapping/>
-  </p:clrMapOvr>
-</p:sld>
-</file>
-
-<file path=ppt/slides/slide7.xml><?xml version="1.0" encoding="utf-8"?>
-<p:sld xmlns:a="http://schemas.openxmlformats.org/drawingml/2006/main" xmlns:r="http://schemas.openxmlformats.org/officeDocument/2006/relationships" xmlns:p="http://schemas.openxmlformats.org/presentationml/2006/main">
-  <p:cSld>
-    <p:spTree>
-      <p:nvGrpSpPr>
-        <p:cNvPr id="1" name="">
-          <a:extLst>
-            <a:ext uri="{FF2B5EF4-FFF2-40B4-BE49-F238E27FC236}">
-              <a16:creationId xmlns:a16="http://schemas.microsoft.com/office/drawing/2014/main" id="{E7B78ECD-3650-0D5D-E084-2ADF90776325}"/>
-            </a:ext>
-          </a:extLst>
-        </p:cNvPr>
-        <p:cNvGrpSpPr/>
-        <p:nvPr/>
-      </p:nvGrpSpPr>
-      <p:grpSpPr>
-        <a:xfrm>
-          <a:off x="0" y="0"/>
-          <a:ext cx="0" cy="0"/>
-          <a:chOff x="0" y="0"/>
-          <a:chExt cx="0" cy="0"/>
-        </a:xfrm>
-      </p:grpSpPr>
-      <p:sp>
-        <p:nvSpPr>
-          <p:cNvPr id="11" name="TextBox 10">
-            <a:extLst>
-              <a:ext uri="{FF2B5EF4-FFF2-40B4-BE49-F238E27FC236}">
-                <a16:creationId xmlns:a16="http://schemas.microsoft.com/office/drawing/2014/main" id="{2BF29A83-0331-0E10-824A-4833E4760B19}"/>
-              </a:ext>
-            </a:extLst>
-          </p:cNvPr>
-          <p:cNvSpPr txBox="1"/>
-          <p:nvPr/>
-        </p:nvSpPr>
-        <p:spPr>
-          <a:xfrm>
-            <a:off x="520861" y="170082"/>
-            <a:ext cx="16700339" cy="1107996"/>
-          </a:xfrm>
-          <a:prstGeom prst="rect">
-            <a:avLst/>
-          </a:prstGeom>
-          <a:noFill/>
-        </p:spPr>
-        <p:txBody>
-          <a:bodyPr wrap="square" rtlCol="0">
-            <a:spAutoFit/>
-          </a:bodyPr>
-          <a:lstStyle/>
-          <a:p>
-            <a:r>
-              <a:rPr lang="en-US" sz="6600" dirty="0">
-                <a:latin typeface="Aliens &amp; cows" panose="00000500000000000000" pitchFamily="2" charset="0"/>
-              </a:rPr>
-              <a:t>Day 3 preview: The intelligence layer with Excel</a:t>
-            </a:r>
-          </a:p>
-        </p:txBody>
-      </p:sp>
-      <p:sp>
-        <p:nvSpPr>
-          <p:cNvPr id="3" name="TextBox 2">
-            <a:extLst>
-              <a:ext uri="{FF2B5EF4-FFF2-40B4-BE49-F238E27FC236}">
-                <a16:creationId xmlns:a16="http://schemas.microsoft.com/office/drawing/2014/main" id="{1F8BFEA8-EC1E-D186-8530-6533D3345701}"/>
-              </a:ext>
-            </a:extLst>
-          </p:cNvPr>
-          <p:cNvSpPr txBox="1"/>
-          <p:nvPr/>
-        </p:nvSpPr>
-        <p:spPr>
-          <a:xfrm>
-            <a:off x="520861" y="2095500"/>
-            <a:ext cx="14393120" cy="5909310"/>
-          </a:xfrm>
-          <a:prstGeom prst="rect">
-            <a:avLst/>
-          </a:prstGeom>
-          <a:noFill/>
-        </p:spPr>
-        <p:txBody>
-          <a:bodyPr wrap="square" rtlCol="0">
-            <a:spAutoFit/>
-          </a:bodyPr>
-          <a:lstStyle/>
-          <a:p>
-            <a:pPr marL="685800" indent="-685800">
-              <a:buClr>
-                <a:srgbClr val="CF3338"/>
-              </a:buClr>
-              <a:buFont typeface="Arial" panose="020B0604020202020204" pitchFamily="34" charset="0"/>
-              <a:buChar char="•"/>
-            </a:pPr>
-            <a:r>
-              <a:rPr lang="en-US" sz="5400" dirty="0">
-                <a:solidFill>
-                  <a:srgbClr val="707070"/>
-                </a:solidFill>
-                <a:latin typeface="Pragmatica" panose="020B0403040502020204" pitchFamily="34" charset="0"/>
-              </a:rPr>
-              <a:t>Use Copilot inside Excel to create formulas, charts, and insights</a:t>
-            </a:r>
-          </a:p>
-          <a:p>
-            <a:pPr marL="685800" indent="-685800">
-              <a:buClr>
-                <a:srgbClr val="CF3338"/>
-              </a:buClr>
-              <a:buFont typeface="Arial" panose="020B0604020202020204" pitchFamily="34" charset="0"/>
-              <a:buChar char="•"/>
-            </a:pPr>
-            <a:r>
-              <a:rPr lang="en-US" sz="5400" dirty="0">
-                <a:solidFill>
-                  <a:srgbClr val="707070"/>
-                </a:solidFill>
-                <a:latin typeface="Pragmatica" panose="020B0403040502020204" pitchFamily="34" charset="0"/>
-              </a:rPr>
-              <a:t>Run Python for analytics, modeling, and forecasting</a:t>
-            </a:r>
-          </a:p>
-          <a:p>
-            <a:pPr marL="685800" indent="-685800">
-              <a:buClr>
-                <a:srgbClr val="CF3338"/>
-              </a:buClr>
-              <a:buFont typeface="Arial" panose="020B0604020202020204" pitchFamily="34" charset="0"/>
-              <a:buChar char="•"/>
-            </a:pPr>
-            <a:r>
-              <a:rPr lang="en-US" sz="5400" dirty="0">
-                <a:solidFill>
-                  <a:srgbClr val="707070"/>
-                </a:solidFill>
-                <a:latin typeface="Pragmatica" panose="020B0403040502020204" pitchFamily="34" charset="0"/>
-              </a:rPr>
-              <a:t>See how Agent Mode handles multi step analytical tasks</a:t>
-            </a:r>
-          </a:p>
-          <a:p>
-            <a:pPr marL="685800" indent="-685800">
-              <a:buClr>
-                <a:srgbClr val="CF3338"/>
-              </a:buClr>
-              <a:buFont typeface="Arial" panose="020B0604020202020204" pitchFamily="34" charset="0"/>
-              <a:buChar char="•"/>
-            </a:pPr>
-            <a:endParaRPr lang="en-US" sz="5400" dirty="0">
-              <a:solidFill>
-                <a:srgbClr val="707070"/>
-              </a:solidFill>
-              <a:latin typeface="Pragmatica" panose="020B0403040502020204" pitchFamily="34" charset="0"/>
-            </a:endParaRPr>
-          </a:p>
-        </p:txBody>
-      </p:sp>
-      <p:pic>
-        <p:nvPicPr>
-          <p:cNvPr id="15" name="Picture 14" descr="A close up of a sign&#10;&#10;Description automatically generated">
-            <a:extLst>
-              <a:ext uri="{FF2B5EF4-FFF2-40B4-BE49-F238E27FC236}">
-                <a16:creationId xmlns:a16="http://schemas.microsoft.com/office/drawing/2014/main" id="{49376407-AE9F-CCBA-4232-9DA21ADE632E}"/>
-              </a:ext>
-            </a:extLst>
-          </p:cNvPr>
-          <p:cNvPicPr>
-            <a:picLocks noChangeAspect="1"/>
-          </p:cNvPicPr>
-          <p:nvPr/>
-        </p:nvPicPr>
-        <p:blipFill>
-          <a:blip r:embed="rId2">
-            <a:extLst>
-              <a:ext uri="{28A0092B-C50C-407E-A947-70E740481C1C}">
-                <a14:useLocalDpi xmlns:a14="http://schemas.microsoft.com/office/drawing/2010/main" val="0"/>
-              </a:ext>
-            </a:extLst>
-          </a:blip>
-          <a:stretch>
-            <a:fillRect/>
-          </a:stretch>
-        </p:blipFill>
-        <p:spPr>
-          <a:xfrm>
-            <a:off x="16341036" y="8058429"/>
-            <a:ext cx="1942857" cy="2228571"/>
-          </a:xfrm>
-          <a:prstGeom prst="rect">
-            <a:avLst/>
-          </a:prstGeom>
-        </p:spPr>
-      </p:pic>
-    </p:spTree>
-    <p:extLst>
-      <p:ext uri="{BB962C8B-B14F-4D97-AF65-F5344CB8AC3E}">
-        <p14:creationId xmlns:p14="http://schemas.microsoft.com/office/powerpoint/2010/main" val="2946292221"/>
-      </p:ext>
-    </p:extLst>
-  </p:cSld>
-  <p:clrMapOvr>
-    <a:masterClrMapping/>
-  </p:clrMapOvr>
-</p:sld>
-</file>
-
-<file path=ppt/slides/slide8.xml><?xml version="1.0" encoding="utf-8"?>
+<file path=ppt/slides/slide11.xml><?xml version="1.0" encoding="utf-8"?>
 <p:sld xmlns:a="http://schemas.openxmlformats.org/drawingml/2006/main" xmlns:r="http://schemas.openxmlformats.org/officeDocument/2006/relationships" xmlns:p="http://schemas.openxmlformats.org/presentationml/2006/main">
   <p:cSld>
     <p:spTree>
@@ -5228,7 +4632,7 @@
 </p:sld>
 </file>
 
-<file path=ppt/slides/slide9.xml><?xml version="1.0" encoding="utf-8"?>
+<file path=ppt/slides/slide12.xml><?xml version="1.0" encoding="utf-8"?>
 <p:sld xmlns:a="http://schemas.openxmlformats.org/drawingml/2006/main" xmlns:r="http://schemas.openxmlformats.org/officeDocument/2006/relationships" xmlns:p="http://schemas.openxmlformats.org/presentationml/2006/main">
   <p:cSld>
     <p:spTree>
@@ -5411,6 +4815,1973 @@
     <p:extLst>
       <p:ext uri="{BB962C8B-B14F-4D97-AF65-F5344CB8AC3E}">
         <p14:creationId xmlns:p14="http://schemas.microsoft.com/office/powerpoint/2010/main" val="709344641"/>
+      </p:ext>
+    </p:extLst>
+  </p:cSld>
+  <p:clrMapOvr>
+    <a:masterClrMapping/>
+  </p:clrMapOvr>
+</p:sld>
+</file>
+
+<file path=ppt/slides/slide2.xml><?xml version="1.0" encoding="utf-8"?>
+<p:sld xmlns:a="http://schemas.openxmlformats.org/drawingml/2006/main" xmlns:r="http://schemas.openxmlformats.org/officeDocument/2006/relationships" xmlns:p="http://schemas.openxmlformats.org/presentationml/2006/main">
+  <p:cSld>
+    <p:spTree>
+      <p:nvGrpSpPr>
+        <p:cNvPr id="1" name="">
+          <a:extLst>
+            <a:ext uri="{FF2B5EF4-FFF2-40B4-BE49-F238E27FC236}">
+              <a16:creationId xmlns:a16="http://schemas.microsoft.com/office/drawing/2014/main" id="{B016697A-2DDC-AD06-0D5F-524946CCFA3B}"/>
+            </a:ext>
+          </a:extLst>
+        </p:cNvPr>
+        <p:cNvGrpSpPr/>
+        <p:nvPr/>
+      </p:nvGrpSpPr>
+      <p:grpSpPr>
+        <a:xfrm>
+          <a:off x="0" y="0"/>
+          <a:ext cx="0" cy="0"/>
+          <a:chOff x="0" y="0"/>
+          <a:chExt cx="0" cy="0"/>
+        </a:xfrm>
+      </p:grpSpPr>
+      <p:sp>
+        <p:nvSpPr>
+          <p:cNvPr id="11" name="TextBox 10">
+            <a:extLst>
+              <a:ext uri="{FF2B5EF4-FFF2-40B4-BE49-F238E27FC236}">
+                <a16:creationId xmlns:a16="http://schemas.microsoft.com/office/drawing/2014/main" id="{0E25D70B-1F78-7AF8-4771-7B64B436CB0F}"/>
+              </a:ext>
+            </a:extLst>
+          </p:cNvPr>
+          <p:cNvSpPr txBox="1"/>
+          <p:nvPr/>
+        </p:nvSpPr>
+        <p:spPr>
+          <a:xfrm>
+            <a:off x="520861" y="170082"/>
+            <a:ext cx="14642939" cy="1477328"/>
+          </a:xfrm>
+          <a:prstGeom prst="rect">
+            <a:avLst/>
+          </a:prstGeom>
+          <a:noFill/>
+        </p:spPr>
+        <p:txBody>
+          <a:bodyPr wrap="square" rtlCol="0">
+            <a:spAutoFit/>
+          </a:bodyPr>
+          <a:lstStyle/>
+          <a:p>
+            <a:r>
+              <a:rPr lang="en-US" sz="9000" dirty="0">
+                <a:latin typeface="Aliens &amp; cows" panose="00000500000000000000" pitchFamily="2" charset="0"/>
+              </a:rPr>
+              <a:t>Class logistics</a:t>
+            </a:r>
+          </a:p>
+        </p:txBody>
+      </p:sp>
+      <p:sp>
+        <p:nvSpPr>
+          <p:cNvPr id="3" name="TextBox 2">
+            <a:extLst>
+              <a:ext uri="{FF2B5EF4-FFF2-40B4-BE49-F238E27FC236}">
+                <a16:creationId xmlns:a16="http://schemas.microsoft.com/office/drawing/2014/main" id="{8AD5976A-E96C-DF78-2D1D-42CD64D3E69F}"/>
+              </a:ext>
+            </a:extLst>
+          </p:cNvPr>
+          <p:cNvSpPr txBox="1"/>
+          <p:nvPr/>
+        </p:nvSpPr>
+        <p:spPr>
+          <a:xfrm>
+            <a:off x="520861" y="3191948"/>
+            <a:ext cx="14393120" cy="5078313"/>
+          </a:xfrm>
+          <a:prstGeom prst="rect">
+            <a:avLst/>
+          </a:prstGeom>
+          <a:noFill/>
+        </p:spPr>
+        <p:txBody>
+          <a:bodyPr wrap="square" rtlCol="0">
+            <a:spAutoFit/>
+          </a:bodyPr>
+          <a:lstStyle/>
+          <a:p>
+            <a:pPr marL="685800" indent="-685800">
+              <a:buClr>
+                <a:srgbClr val="CF3338"/>
+              </a:buClr>
+              <a:buFont typeface="Arial" panose="020B0604020202020204" pitchFamily="34" charset="0"/>
+              <a:buChar char="•"/>
+            </a:pPr>
+            <a:r>
+              <a:rPr lang="en-US" sz="5400" dirty="0">
+                <a:solidFill>
+                  <a:srgbClr val="707070"/>
+                </a:solidFill>
+                <a:latin typeface="Pragmatica" panose="020B0403040502020204" pitchFamily="34" charset="0"/>
+              </a:rPr>
+              <a:t>All recordings, files used and communication will be on Teams channel</a:t>
+            </a:r>
+          </a:p>
+          <a:p>
+            <a:pPr marL="1143000" lvl="1" indent="-685800">
+              <a:buClr>
+                <a:srgbClr val="CF3338"/>
+              </a:buClr>
+              <a:buFont typeface="Arial" panose="020B0604020202020204" pitchFamily="34" charset="0"/>
+              <a:buChar char="•"/>
+            </a:pPr>
+            <a:r>
+              <a:rPr lang="en-US" sz="5400" dirty="0">
+                <a:solidFill>
+                  <a:srgbClr val="707070"/>
+                </a:solidFill>
+                <a:latin typeface="Pragmatica" panose="020B0403040502020204" pitchFamily="34" charset="0"/>
+              </a:rPr>
+              <a:t>Be sure to use your email used to sign up for the course!</a:t>
+            </a:r>
+          </a:p>
+          <a:p>
+            <a:pPr marL="1143000" lvl="1" indent="-685800">
+              <a:buClr>
+                <a:srgbClr val="CF3338"/>
+              </a:buClr>
+              <a:buFont typeface="Arial" panose="020B0604020202020204" pitchFamily="34" charset="0"/>
+              <a:buChar char="•"/>
+            </a:pPr>
+            <a:r>
+              <a:rPr lang="en-US" sz="5400" dirty="0">
+                <a:solidFill>
+                  <a:srgbClr val="707070"/>
+                </a:solidFill>
+                <a:latin typeface="Pragmatica" panose="020B0403040502020204" pitchFamily="34" charset="0"/>
+              </a:rPr>
+              <a:t>Email me with any questions: </a:t>
+            </a:r>
+            <a:r>
+              <a:rPr lang="en-US" sz="5400" b="1" dirty="0">
+                <a:solidFill>
+                  <a:srgbClr val="707070"/>
+                </a:solidFill>
+                <a:latin typeface="Pragmatica" panose="020B0403040502020204" pitchFamily="34" charset="0"/>
+              </a:rPr>
+              <a:t>george@stringfestanalytics.com </a:t>
+            </a:r>
+          </a:p>
+        </p:txBody>
+      </p:sp>
+      <p:pic>
+        <p:nvPicPr>
+          <p:cNvPr id="15" name="Picture 14" descr="A close up of a sign&#10;&#10;Description automatically generated">
+            <a:extLst>
+              <a:ext uri="{FF2B5EF4-FFF2-40B4-BE49-F238E27FC236}">
+                <a16:creationId xmlns:a16="http://schemas.microsoft.com/office/drawing/2014/main" id="{56BC9DC3-5856-1F48-F0BE-E6FB589534FC}"/>
+              </a:ext>
+            </a:extLst>
+          </p:cNvPr>
+          <p:cNvPicPr>
+            <a:picLocks noChangeAspect="1"/>
+          </p:cNvPicPr>
+          <p:nvPr/>
+        </p:nvPicPr>
+        <p:blipFill>
+          <a:blip r:embed="rId2">
+            <a:extLst>
+              <a:ext uri="{28A0092B-C50C-407E-A947-70E740481C1C}">
+                <a14:useLocalDpi xmlns:a14="http://schemas.microsoft.com/office/drawing/2010/main" val="0"/>
+              </a:ext>
+            </a:extLst>
+          </a:blip>
+          <a:stretch>
+            <a:fillRect/>
+          </a:stretch>
+        </p:blipFill>
+        <p:spPr>
+          <a:xfrm>
+            <a:off x="16341036" y="8058429"/>
+            <a:ext cx="1942857" cy="2228571"/>
+          </a:xfrm>
+          <a:prstGeom prst="rect">
+            <a:avLst/>
+          </a:prstGeom>
+        </p:spPr>
+      </p:pic>
+    </p:spTree>
+    <p:extLst>
+      <p:ext uri="{BB962C8B-B14F-4D97-AF65-F5344CB8AC3E}">
+        <p14:creationId xmlns:p14="http://schemas.microsoft.com/office/powerpoint/2010/main" val="3740785016"/>
+      </p:ext>
+    </p:extLst>
+  </p:cSld>
+  <p:clrMapOvr>
+    <a:masterClrMapping/>
+  </p:clrMapOvr>
+</p:sld>
+</file>
+
+<file path=ppt/slides/slide3.xml><?xml version="1.0" encoding="utf-8"?>
+<p:sld xmlns:a="http://schemas.openxmlformats.org/drawingml/2006/main" xmlns:r="http://schemas.openxmlformats.org/officeDocument/2006/relationships" xmlns:p="http://schemas.openxmlformats.org/presentationml/2006/main">
+  <p:cSld>
+    <p:spTree>
+      <p:nvGrpSpPr>
+        <p:cNvPr id="1" name="">
+          <a:extLst>
+            <a:ext uri="{FF2B5EF4-FFF2-40B4-BE49-F238E27FC236}">
+              <a16:creationId xmlns:a16="http://schemas.microsoft.com/office/drawing/2014/main" id="{58E778E5-4EE9-9207-6FC7-3D28CF2383AD}"/>
+            </a:ext>
+          </a:extLst>
+        </p:cNvPr>
+        <p:cNvGrpSpPr/>
+        <p:nvPr/>
+      </p:nvGrpSpPr>
+      <p:grpSpPr>
+        <a:xfrm>
+          <a:off x="0" y="0"/>
+          <a:ext cx="0" cy="0"/>
+          <a:chOff x="0" y="0"/>
+          <a:chExt cx="0" cy="0"/>
+        </a:xfrm>
+      </p:grpSpPr>
+      <p:sp>
+        <p:nvSpPr>
+          <p:cNvPr id="11" name="TextBox 10">
+            <a:extLst>
+              <a:ext uri="{FF2B5EF4-FFF2-40B4-BE49-F238E27FC236}">
+                <a16:creationId xmlns:a16="http://schemas.microsoft.com/office/drawing/2014/main" id="{781603C7-76CD-A76B-F955-68F3329D8967}"/>
+              </a:ext>
+            </a:extLst>
+          </p:cNvPr>
+          <p:cNvSpPr txBox="1"/>
+          <p:nvPr/>
+        </p:nvSpPr>
+        <p:spPr>
+          <a:xfrm>
+            <a:off x="520861" y="170082"/>
+            <a:ext cx="14642939" cy="1477328"/>
+          </a:xfrm>
+          <a:prstGeom prst="rect">
+            <a:avLst/>
+          </a:prstGeom>
+          <a:noFill/>
+        </p:spPr>
+        <p:txBody>
+          <a:bodyPr wrap="square" rtlCol="0">
+            <a:spAutoFit/>
+          </a:bodyPr>
+          <a:lstStyle/>
+          <a:p>
+            <a:r>
+              <a:rPr lang="en-US" sz="9000" dirty="0">
+                <a:latin typeface="Aliens &amp; cows" panose="00000500000000000000" pitchFamily="2" charset="0"/>
+              </a:rPr>
+              <a:t>Recap of Day 3</a:t>
+            </a:r>
+          </a:p>
+        </p:txBody>
+      </p:sp>
+      <p:sp>
+        <p:nvSpPr>
+          <p:cNvPr id="3" name="TextBox 2">
+            <a:extLst>
+              <a:ext uri="{FF2B5EF4-FFF2-40B4-BE49-F238E27FC236}">
+                <a16:creationId xmlns:a16="http://schemas.microsoft.com/office/drawing/2014/main" id="{5F84214C-EACA-355D-FAEB-44DBEAE3040B}"/>
+              </a:ext>
+            </a:extLst>
+          </p:cNvPr>
+          <p:cNvSpPr txBox="1"/>
+          <p:nvPr/>
+        </p:nvSpPr>
+        <p:spPr>
+          <a:xfrm>
+            <a:off x="520861" y="2095500"/>
+            <a:ext cx="14393120" cy="5078313"/>
+          </a:xfrm>
+          <a:prstGeom prst="rect">
+            <a:avLst/>
+          </a:prstGeom>
+          <a:noFill/>
+        </p:spPr>
+        <p:txBody>
+          <a:bodyPr wrap="square" rtlCol="0">
+            <a:spAutoFit/>
+          </a:bodyPr>
+          <a:lstStyle/>
+          <a:p>
+            <a:pPr marL="685800" indent="-685800">
+              <a:buClr>
+                <a:srgbClr val="CF3338"/>
+              </a:buClr>
+              <a:buFont typeface="Arial" panose="020B0604020202020204" pitchFamily="34" charset="0"/>
+              <a:buChar char="•"/>
+            </a:pPr>
+            <a:r>
+              <a:rPr lang="en-US" sz="5400" dirty="0">
+                <a:solidFill>
+                  <a:srgbClr val="707070"/>
+                </a:solidFill>
+                <a:latin typeface="Pragmatica" panose="020B0403040502020204" pitchFamily="34" charset="0"/>
+              </a:rPr>
+              <a:t>Copilot for formulas, charts, and insights</a:t>
+            </a:r>
+          </a:p>
+          <a:p>
+            <a:pPr marL="685800" indent="-685800">
+              <a:buClr>
+                <a:srgbClr val="CF3338"/>
+              </a:buClr>
+              <a:buFont typeface="Arial" panose="020B0604020202020204" pitchFamily="34" charset="0"/>
+              <a:buChar char="•"/>
+            </a:pPr>
+            <a:r>
+              <a:rPr lang="en-US" sz="5400" dirty="0">
+                <a:solidFill>
+                  <a:srgbClr val="707070"/>
+                </a:solidFill>
+                <a:latin typeface="Pragmatica" panose="020B0403040502020204" pitchFamily="34" charset="0"/>
+              </a:rPr>
+              <a:t>Python for analysis and forecasting</a:t>
+            </a:r>
+          </a:p>
+          <a:p>
+            <a:pPr marL="685800" indent="-685800">
+              <a:buClr>
+                <a:srgbClr val="CF3338"/>
+              </a:buClr>
+              <a:buFont typeface="Arial" panose="020B0604020202020204" pitchFamily="34" charset="0"/>
+              <a:buChar char="•"/>
+            </a:pPr>
+            <a:r>
+              <a:rPr lang="en-US" sz="5400" dirty="0">
+                <a:solidFill>
+                  <a:srgbClr val="707070"/>
+                </a:solidFill>
+                <a:latin typeface="Pragmatica" panose="020B0403040502020204" pitchFamily="34" charset="0"/>
+              </a:rPr>
+              <a:t>Agent Mode for multi step tasks</a:t>
+            </a:r>
+          </a:p>
+          <a:p>
+            <a:pPr marL="685800" indent="-685800">
+              <a:buClr>
+                <a:srgbClr val="CF3338"/>
+              </a:buClr>
+              <a:buFont typeface="Arial" panose="020B0604020202020204" pitchFamily="34" charset="0"/>
+              <a:buChar char="•"/>
+            </a:pPr>
+            <a:r>
+              <a:rPr lang="en-US" sz="5400" dirty="0">
+                <a:solidFill>
+                  <a:srgbClr val="707070"/>
+                </a:solidFill>
+                <a:latin typeface="Pragmatica" panose="020B0403040502020204" pitchFamily="34" charset="0"/>
+              </a:rPr>
+              <a:t>Excel is now an intelligent workspace</a:t>
+            </a:r>
+          </a:p>
+          <a:p>
+            <a:pPr marL="685800" indent="-685800">
+              <a:buClr>
+                <a:srgbClr val="CF3338"/>
+              </a:buClr>
+              <a:buFont typeface="Arial" panose="020B0604020202020204" pitchFamily="34" charset="0"/>
+              <a:buChar char="•"/>
+            </a:pPr>
+            <a:r>
+              <a:rPr lang="en-US" sz="5400" dirty="0">
+                <a:solidFill>
+                  <a:srgbClr val="707070"/>
+                </a:solidFill>
+                <a:latin typeface="Pragmatica" panose="020B0403040502020204" pitchFamily="34" charset="0"/>
+              </a:rPr>
+              <a:t>But so what: how do you get data in, get results out, and connect it all?</a:t>
+            </a:r>
+          </a:p>
+        </p:txBody>
+      </p:sp>
+      <p:pic>
+        <p:nvPicPr>
+          <p:cNvPr id="15" name="Picture 14" descr="A close up of a sign&#10;&#10;Description automatically generated">
+            <a:extLst>
+              <a:ext uri="{FF2B5EF4-FFF2-40B4-BE49-F238E27FC236}">
+                <a16:creationId xmlns:a16="http://schemas.microsoft.com/office/drawing/2014/main" id="{6959BD9D-5738-BA78-737D-3115164D42C1}"/>
+              </a:ext>
+            </a:extLst>
+          </p:cNvPr>
+          <p:cNvPicPr>
+            <a:picLocks noChangeAspect="1"/>
+          </p:cNvPicPr>
+          <p:nvPr/>
+        </p:nvPicPr>
+        <p:blipFill>
+          <a:blip r:embed="rId2">
+            <a:extLst>
+              <a:ext uri="{28A0092B-C50C-407E-A947-70E740481C1C}">
+                <a14:useLocalDpi xmlns:a14="http://schemas.microsoft.com/office/drawing/2010/main" val="0"/>
+              </a:ext>
+            </a:extLst>
+          </a:blip>
+          <a:stretch>
+            <a:fillRect/>
+          </a:stretch>
+        </p:blipFill>
+        <p:spPr>
+          <a:xfrm>
+            <a:off x="16341036" y="8058429"/>
+            <a:ext cx="1942857" cy="2228571"/>
+          </a:xfrm>
+          <a:prstGeom prst="rect">
+            <a:avLst/>
+          </a:prstGeom>
+        </p:spPr>
+      </p:pic>
+    </p:spTree>
+    <p:extLst>
+      <p:ext uri="{BB962C8B-B14F-4D97-AF65-F5344CB8AC3E}">
+        <p14:creationId xmlns:p14="http://schemas.microsoft.com/office/powerpoint/2010/main" val="769688013"/>
+      </p:ext>
+    </p:extLst>
+  </p:cSld>
+  <p:clrMapOvr>
+    <a:masterClrMapping/>
+  </p:clrMapOvr>
+</p:sld>
+</file>
+
+<file path=ppt/slides/slide4.xml><?xml version="1.0" encoding="utf-8"?>
+<p:sld xmlns:a="http://schemas.openxmlformats.org/drawingml/2006/main" xmlns:r="http://schemas.openxmlformats.org/officeDocument/2006/relationships" xmlns:p="http://schemas.openxmlformats.org/presentationml/2006/main">
+  <p:cSld>
+    <p:spTree>
+      <p:nvGrpSpPr>
+        <p:cNvPr id="1" name="">
+          <a:extLst>
+            <a:ext uri="{FF2B5EF4-FFF2-40B4-BE49-F238E27FC236}">
+              <a16:creationId xmlns:a16="http://schemas.microsoft.com/office/drawing/2014/main" id="{B3E6ACC5-4B11-2B34-2998-BB1C4FC9CC6C}"/>
+            </a:ext>
+          </a:extLst>
+        </p:cNvPr>
+        <p:cNvGrpSpPr/>
+        <p:nvPr/>
+      </p:nvGrpSpPr>
+      <p:grpSpPr>
+        <a:xfrm>
+          <a:off x="0" y="0"/>
+          <a:ext cx="0" cy="0"/>
+          <a:chOff x="0" y="0"/>
+          <a:chExt cx="0" cy="0"/>
+        </a:xfrm>
+      </p:grpSpPr>
+      <p:sp>
+        <p:nvSpPr>
+          <p:cNvPr id="11" name="TextBox 10">
+            <a:extLst>
+              <a:ext uri="{FF2B5EF4-FFF2-40B4-BE49-F238E27FC236}">
+                <a16:creationId xmlns:a16="http://schemas.microsoft.com/office/drawing/2014/main" id="{EDA2185A-0457-8E44-DEEB-D9AF5A6DD844}"/>
+              </a:ext>
+            </a:extLst>
+          </p:cNvPr>
+          <p:cNvSpPr txBox="1"/>
+          <p:nvPr/>
+        </p:nvSpPr>
+        <p:spPr>
+          <a:xfrm>
+            <a:off x="520861" y="170082"/>
+            <a:ext cx="6794339" cy="3785652"/>
+          </a:xfrm>
+          <a:prstGeom prst="rect">
+            <a:avLst/>
+          </a:prstGeom>
+          <a:noFill/>
+        </p:spPr>
+        <p:txBody>
+          <a:bodyPr wrap="square" rtlCol="0">
+            <a:spAutoFit/>
+          </a:bodyPr>
+          <a:lstStyle/>
+          <a:p>
+            <a:r>
+              <a:rPr lang="en-US" sz="8000" dirty="0">
+                <a:latin typeface="Aliens &amp; cows" panose="00000500000000000000" pitchFamily="2" charset="0"/>
+              </a:rPr>
+              <a:t>Welcome to the modern Excel AI stack</a:t>
+            </a:r>
+          </a:p>
+        </p:txBody>
+      </p:sp>
+      <p:pic>
+        <p:nvPicPr>
+          <p:cNvPr id="15" name="Picture 14" descr="A close up of a sign&#10;&#10;Description automatically generated">
+            <a:extLst>
+              <a:ext uri="{FF2B5EF4-FFF2-40B4-BE49-F238E27FC236}">
+                <a16:creationId xmlns:a16="http://schemas.microsoft.com/office/drawing/2014/main" id="{B40CB128-54BB-AAD9-5F61-2143EA93C39E}"/>
+              </a:ext>
+            </a:extLst>
+          </p:cNvPr>
+          <p:cNvPicPr>
+            <a:picLocks noChangeAspect="1"/>
+          </p:cNvPicPr>
+          <p:nvPr/>
+        </p:nvPicPr>
+        <p:blipFill>
+          <a:blip r:embed="rId2">
+            <a:extLst>
+              <a:ext uri="{28A0092B-C50C-407E-A947-70E740481C1C}">
+                <a14:useLocalDpi xmlns:a14="http://schemas.microsoft.com/office/drawing/2010/main" val="0"/>
+              </a:ext>
+            </a:extLst>
+          </a:blip>
+          <a:stretch>
+            <a:fillRect/>
+          </a:stretch>
+        </p:blipFill>
+        <p:spPr>
+          <a:xfrm>
+            <a:off x="16341036" y="8058429"/>
+            <a:ext cx="1942857" cy="2228571"/>
+          </a:xfrm>
+          <a:prstGeom prst="rect">
+            <a:avLst/>
+          </a:prstGeom>
+        </p:spPr>
+      </p:pic>
+      <p:sp>
+        <p:nvSpPr>
+          <p:cNvPr id="4" name="TextBox 3">
+            <a:extLst>
+              <a:ext uri="{FF2B5EF4-FFF2-40B4-BE49-F238E27FC236}">
+                <a16:creationId xmlns:a16="http://schemas.microsoft.com/office/drawing/2014/main" id="{59AB6FFB-7FD0-7057-BC27-8C4B01CE34D2}"/>
+              </a:ext>
+            </a:extLst>
+          </p:cNvPr>
+          <p:cNvSpPr txBox="1"/>
+          <p:nvPr/>
+        </p:nvSpPr>
+        <p:spPr>
+          <a:xfrm>
+            <a:off x="228600" y="8267700"/>
+            <a:ext cx="6400800" cy="1569660"/>
+          </a:xfrm>
+          <a:prstGeom prst="rect">
+            <a:avLst/>
+          </a:prstGeom>
+          <a:noFill/>
+        </p:spPr>
+        <p:txBody>
+          <a:bodyPr wrap="square">
+            <a:spAutoFit/>
+          </a:bodyPr>
+          <a:lstStyle/>
+          <a:p>
+            <a:r>
+              <a:rPr lang="en-US" sz="3200" dirty="0">
+                <a:hlinkClick r:id="rId3"/>
+              </a:rPr>
+              <a:t>https://stringfestanalytics.com/how-to-understand-the-modern-excel-ai-stack/</a:t>
+            </a:r>
+            <a:r>
+              <a:rPr lang="en-US" sz="3200" dirty="0"/>
+              <a:t> </a:t>
+            </a:r>
+          </a:p>
+        </p:txBody>
+      </p:sp>
+      <p:pic>
+        <p:nvPicPr>
+          <p:cNvPr id="5" name="Picture 4">
+            <a:extLst>
+              <a:ext uri="{FF2B5EF4-FFF2-40B4-BE49-F238E27FC236}">
+                <a16:creationId xmlns:a16="http://schemas.microsoft.com/office/drawing/2014/main" id="{B9D87183-BF8B-3C89-D59E-109566F38D46}"/>
+              </a:ext>
+            </a:extLst>
+          </p:cNvPr>
+          <p:cNvPicPr>
+            <a:picLocks noChangeAspect="1"/>
+          </p:cNvPicPr>
+          <p:nvPr/>
+        </p:nvPicPr>
+        <p:blipFill>
+          <a:blip r:embed="rId4"/>
+          <a:stretch>
+            <a:fillRect/>
+          </a:stretch>
+        </p:blipFill>
+        <p:spPr>
+          <a:xfrm>
+            <a:off x="8001000" y="0"/>
+            <a:ext cx="10287000" cy="10287000"/>
+          </a:xfrm>
+          <a:prstGeom prst="rect">
+            <a:avLst/>
+          </a:prstGeom>
+        </p:spPr>
+      </p:pic>
+      <p:sp>
+        <p:nvSpPr>
+          <p:cNvPr id="2" name="Rectangle 1">
+            <a:extLst>
+              <a:ext uri="{FF2B5EF4-FFF2-40B4-BE49-F238E27FC236}">
+                <a16:creationId xmlns:a16="http://schemas.microsoft.com/office/drawing/2014/main" id="{2A65A1F1-433D-842C-ED33-95F0AF974DBB}"/>
+              </a:ext>
+            </a:extLst>
+          </p:cNvPr>
+          <p:cNvSpPr/>
+          <p:nvPr/>
+        </p:nvSpPr>
+        <p:spPr>
+          <a:xfrm>
+            <a:off x="8839200" y="3467100"/>
+            <a:ext cx="8610600" cy="1524000"/>
+          </a:xfrm>
+          <a:prstGeom prst="rect">
+            <a:avLst/>
+          </a:prstGeom>
+          <a:noFill/>
+          <a:ln w="76200">
+            <a:solidFill>
+              <a:srgbClr val="CF3338"/>
+            </a:solidFill>
+          </a:ln>
+        </p:spPr>
+        <p:style>
+          <a:lnRef idx="2">
+            <a:schemeClr val="accent1">
+              <a:shade val="15000"/>
+            </a:schemeClr>
+          </a:lnRef>
+          <a:fillRef idx="1">
+            <a:schemeClr val="accent1"/>
+          </a:fillRef>
+          <a:effectRef idx="0">
+            <a:schemeClr val="accent1"/>
+          </a:effectRef>
+          <a:fontRef idx="minor">
+            <a:schemeClr val="lt1"/>
+          </a:fontRef>
+        </p:style>
+        <p:txBody>
+          <a:bodyPr rtlCol="0" anchor="ctr"/>
+          <a:lstStyle/>
+          <a:p>
+            <a:pPr algn="ctr"/>
+            <a:endParaRPr lang="en-US"/>
+          </a:p>
+        </p:txBody>
+      </p:sp>
+    </p:spTree>
+    <p:extLst>
+      <p:ext uri="{BB962C8B-B14F-4D97-AF65-F5344CB8AC3E}">
+        <p14:creationId xmlns:p14="http://schemas.microsoft.com/office/powerpoint/2010/main" val="2791422705"/>
+      </p:ext>
+    </p:extLst>
+  </p:cSld>
+  <p:clrMapOvr>
+    <a:masterClrMapping/>
+  </p:clrMapOvr>
+</p:sld>
+</file>
+
+<file path=ppt/slides/slide5.xml><?xml version="1.0" encoding="utf-8"?>
+<p:sld xmlns:a="http://schemas.openxmlformats.org/drawingml/2006/main" xmlns:r="http://schemas.openxmlformats.org/officeDocument/2006/relationships" xmlns:p="http://schemas.openxmlformats.org/presentationml/2006/main">
+  <p:cSld>
+    <p:spTree>
+      <p:nvGrpSpPr>
+        <p:cNvPr id="1" name=""/>
+        <p:cNvGrpSpPr/>
+        <p:nvPr/>
+      </p:nvGrpSpPr>
+      <p:grpSpPr>
+        <a:xfrm>
+          <a:off x="0" y="0"/>
+          <a:ext cx="0" cy="0"/>
+          <a:chOff x="0" y="0"/>
+          <a:chExt cx="0" cy="0"/>
+        </a:xfrm>
+      </p:grpSpPr>
+      <p:sp>
+        <p:nvSpPr>
+          <p:cNvPr id="4" name="Rectangle 3"/>
+          <p:cNvSpPr/>
+          <p:nvPr/>
+        </p:nvSpPr>
+        <p:spPr>
+          <a:xfrm>
+            <a:off x="9861630" y="0"/>
+            <a:ext cx="8426370" cy="10287000"/>
+          </a:xfrm>
+          <a:prstGeom prst="rect">
+            <a:avLst/>
+          </a:prstGeom>
+          <a:solidFill>
+            <a:srgbClr val="CF3338"/>
+          </a:solidFill>
+          <a:ln>
+            <a:noFill/>
+          </a:ln>
+        </p:spPr>
+        <p:style>
+          <a:lnRef idx="2">
+            <a:schemeClr val="accent1">
+              <a:shade val="50000"/>
+            </a:schemeClr>
+          </a:lnRef>
+          <a:fillRef idx="1">
+            <a:schemeClr val="accent1"/>
+          </a:fillRef>
+          <a:effectRef idx="0">
+            <a:schemeClr val="accent1"/>
+          </a:effectRef>
+          <a:fontRef idx="minor">
+            <a:schemeClr val="lt1"/>
+          </a:fontRef>
+        </p:style>
+        <p:txBody>
+          <a:bodyPr rtlCol="0" anchor="ctr"/>
+          <a:lstStyle/>
+          <a:p>
+            <a:pPr algn="ctr"/>
+            <a:endParaRPr lang="en-US" sz="2700"/>
+          </a:p>
+        </p:txBody>
+      </p:sp>
+      <p:pic>
+        <p:nvPicPr>
+          <p:cNvPr id="2" name="Picture 1"/>
+          <p:cNvPicPr>
+            <a:picLocks noChangeAspect="1"/>
+          </p:cNvPicPr>
+          <p:nvPr/>
+        </p:nvPicPr>
+        <p:blipFill rotWithShape="1">
+          <a:blip r:embed="rId3">
+            <a:extLst>
+              <a:ext uri="{28A0092B-C50C-407E-A947-70E740481C1C}">
+                <a14:useLocalDpi xmlns:a14="http://schemas.microsoft.com/office/drawing/2010/main" val="0"/>
+              </a:ext>
+            </a:extLst>
+          </a:blip>
+          <a:srcRect l="69227" t="33418" r="20112" b="50548"/>
+          <a:stretch/>
+        </p:blipFill>
+        <p:spPr>
+          <a:xfrm>
+            <a:off x="15579524" y="7544693"/>
+            <a:ext cx="2708477" cy="2987579"/>
+          </a:xfrm>
+          <a:prstGeom prst="rect">
+            <a:avLst/>
+          </a:prstGeom>
+        </p:spPr>
+      </p:pic>
+      <p:sp>
+        <p:nvSpPr>
+          <p:cNvPr id="3" name="TextBox 2"/>
+          <p:cNvSpPr txBox="1"/>
+          <p:nvPr/>
+        </p:nvSpPr>
+        <p:spPr>
+          <a:xfrm>
+            <a:off x="260430" y="329879"/>
+            <a:ext cx="9416969" cy="8986434"/>
+          </a:xfrm>
+          <a:prstGeom prst="rect">
+            <a:avLst/>
+          </a:prstGeom>
+          <a:noFill/>
+        </p:spPr>
+        <p:txBody>
+          <a:bodyPr wrap="square" rtlCol="0">
+            <a:spAutoFit/>
+          </a:bodyPr>
+          <a:lstStyle/>
+          <a:p>
+            <a:r>
+              <a:rPr lang="en-US" sz="6000" b="1" dirty="0">
+                <a:solidFill>
+                  <a:srgbClr val="CF3338"/>
+                </a:solidFill>
+                <a:latin typeface="Pragmatica" panose="020B0403040502020204" pitchFamily="34" charset="0"/>
+              </a:rPr>
+              <a:t>Demo: Clean in Excel, scale to the cloud</a:t>
+            </a:r>
+          </a:p>
+          <a:p>
+            <a:endParaRPr lang="en-US" sz="4200" dirty="0">
+              <a:solidFill>
+                <a:srgbClr val="CF3338"/>
+              </a:solidFill>
+              <a:latin typeface="Pragmatica" panose="020B0403040502020204" pitchFamily="34" charset="0"/>
+            </a:endParaRPr>
+          </a:p>
+          <a:p>
+            <a:pPr marL="714375" indent="-571500">
+              <a:lnSpc>
+                <a:spcPct val="115000"/>
+              </a:lnSpc>
+              <a:spcBef>
+                <a:spcPts val="1125"/>
+              </a:spcBef>
+              <a:buClr>
+                <a:srgbClr val="C00000"/>
+              </a:buClr>
+              <a:buSzPts val="2100"/>
+              <a:buFont typeface="Arial" panose="020B0604020202020204" pitchFamily="34" charset="0"/>
+              <a:buChar char="•"/>
+            </a:pPr>
+            <a:r>
+              <a:rPr lang="en-US" sz="3600" dirty="0">
+                <a:solidFill>
+                  <a:srgbClr val="C00000"/>
+                </a:solidFill>
+                <a:latin typeface="Pragmatica" panose="020B0403040502020204"/>
+                <a:sym typeface="Consolas"/>
+              </a:rPr>
+              <a:t>Use Power Query in Excel to clean and shape the Superstore dataset</a:t>
+            </a:r>
+          </a:p>
+          <a:p>
+            <a:pPr marL="714375" indent="-571500">
+              <a:lnSpc>
+                <a:spcPct val="115000"/>
+              </a:lnSpc>
+              <a:spcBef>
+                <a:spcPts val="1125"/>
+              </a:spcBef>
+              <a:buClr>
+                <a:srgbClr val="C00000"/>
+              </a:buClr>
+              <a:buSzPts val="2100"/>
+              <a:buFont typeface="Arial" panose="020B0604020202020204" pitchFamily="34" charset="0"/>
+              <a:buChar char="•"/>
+            </a:pPr>
+            <a:r>
+              <a:rPr lang="en-US" sz="3600" dirty="0">
+                <a:solidFill>
+                  <a:srgbClr val="C00000"/>
+                </a:solidFill>
+                <a:latin typeface="Pragmatica" panose="020B0403040502020204"/>
+                <a:sym typeface="Consolas"/>
+              </a:rPr>
+              <a:t>Publish the same transformation logic to a Dataflow</a:t>
+            </a:r>
+          </a:p>
+          <a:p>
+            <a:pPr marL="714375" indent="-571500">
+              <a:lnSpc>
+                <a:spcPct val="115000"/>
+              </a:lnSpc>
+              <a:spcBef>
+                <a:spcPts val="1125"/>
+              </a:spcBef>
+              <a:buClr>
+                <a:srgbClr val="C00000"/>
+              </a:buClr>
+              <a:buSzPts val="2100"/>
+              <a:buFont typeface="Arial" panose="020B0604020202020204" pitchFamily="34" charset="0"/>
+              <a:buChar char="•"/>
+            </a:pPr>
+            <a:r>
+              <a:rPr lang="en-US" sz="3600" dirty="0">
+                <a:solidFill>
+                  <a:srgbClr val="C00000"/>
+                </a:solidFill>
+                <a:latin typeface="Pragmatica" panose="020B0403040502020204"/>
+                <a:sym typeface="Consolas"/>
+              </a:rPr>
+              <a:t>Apply that logic to enterprise Dataverse tables</a:t>
+            </a:r>
+          </a:p>
+          <a:p>
+            <a:pPr marL="714375" indent="-571500">
+              <a:lnSpc>
+                <a:spcPct val="115000"/>
+              </a:lnSpc>
+              <a:spcBef>
+                <a:spcPts val="1125"/>
+              </a:spcBef>
+              <a:buClr>
+                <a:srgbClr val="C00000"/>
+              </a:buClr>
+              <a:buSzPts val="2100"/>
+              <a:buFont typeface="Arial" panose="020B0604020202020204" pitchFamily="34" charset="0"/>
+              <a:buChar char="•"/>
+            </a:pPr>
+            <a:r>
+              <a:rPr lang="en-US" sz="3600" dirty="0">
+                <a:solidFill>
+                  <a:srgbClr val="C00000"/>
+                </a:solidFill>
+                <a:latin typeface="Pragmatica" panose="020B0403040502020204"/>
+                <a:sym typeface="Consolas"/>
+              </a:rPr>
+              <a:t>Show how one transformation can serve every workflow across the Power Platform</a:t>
+            </a:r>
+          </a:p>
+          <a:p>
+            <a:pPr marL="142875">
+              <a:lnSpc>
+                <a:spcPct val="115000"/>
+              </a:lnSpc>
+              <a:spcBef>
+                <a:spcPts val="1125"/>
+              </a:spcBef>
+              <a:buClr>
+                <a:srgbClr val="C00000"/>
+              </a:buClr>
+              <a:buSzPts val="2100"/>
+            </a:pPr>
+            <a:r>
+              <a:rPr lang="en-US" sz="3600" dirty="0">
+                <a:solidFill>
+                  <a:srgbClr val="C00000"/>
+                </a:solidFill>
+                <a:latin typeface="Pragmatica" panose="020B0403040502020204"/>
+                <a:sym typeface="Consolas"/>
+              </a:rPr>
+              <a:t>Workbook: </a:t>
+            </a:r>
+            <a:r>
+              <a:rPr lang="en-US" sz="3600" dirty="0">
+                <a:solidFill>
+                  <a:srgbClr val="C00000"/>
+                </a:solidFill>
+                <a:latin typeface="Consolas" panose="020B0609020204030204" pitchFamily="49" charset="0"/>
+                <a:sym typeface="Consolas"/>
+              </a:rPr>
+              <a:t>wholesale-customers.xlsx</a:t>
+            </a:r>
+          </a:p>
+        </p:txBody>
+      </p:sp>
+    </p:spTree>
+    <p:extLst>
+      <p:ext uri="{BB962C8B-B14F-4D97-AF65-F5344CB8AC3E}">
+        <p14:creationId xmlns:p14="http://schemas.microsoft.com/office/powerpoint/2010/main" val="3871531779"/>
+      </p:ext>
+    </p:extLst>
+  </p:cSld>
+  <p:clrMapOvr>
+    <a:masterClrMapping/>
+  </p:clrMapOvr>
+</p:sld>
+</file>
+
+<file path=ppt/slides/slide6.xml><?xml version="1.0" encoding="utf-8"?>
+<p:sld xmlns:a="http://schemas.openxmlformats.org/drawingml/2006/main" xmlns:r="http://schemas.openxmlformats.org/officeDocument/2006/relationships" xmlns:p="http://schemas.openxmlformats.org/presentationml/2006/main">
+  <p:cSld>
+    <p:spTree>
+      <p:nvGrpSpPr>
+        <p:cNvPr id="1" name="">
+          <a:extLst>
+            <a:ext uri="{FF2B5EF4-FFF2-40B4-BE49-F238E27FC236}">
+              <a16:creationId xmlns:a16="http://schemas.microsoft.com/office/drawing/2014/main" id="{D687E3AC-4FA3-83DA-F79F-26551AD8550C}"/>
+            </a:ext>
+          </a:extLst>
+        </p:cNvPr>
+        <p:cNvGrpSpPr/>
+        <p:nvPr/>
+      </p:nvGrpSpPr>
+      <p:grpSpPr>
+        <a:xfrm>
+          <a:off x="0" y="0"/>
+          <a:ext cx="0" cy="0"/>
+          <a:chOff x="0" y="0"/>
+          <a:chExt cx="0" cy="0"/>
+        </a:xfrm>
+      </p:grpSpPr>
+      <p:sp>
+        <p:nvSpPr>
+          <p:cNvPr id="11" name="TextBox 10">
+            <a:extLst>
+              <a:ext uri="{FF2B5EF4-FFF2-40B4-BE49-F238E27FC236}">
+                <a16:creationId xmlns:a16="http://schemas.microsoft.com/office/drawing/2014/main" id="{FFF83F61-9347-B3FC-96FC-70DF3E10AC66}"/>
+              </a:ext>
+            </a:extLst>
+          </p:cNvPr>
+          <p:cNvSpPr txBox="1"/>
+          <p:nvPr/>
+        </p:nvSpPr>
+        <p:spPr>
+          <a:xfrm>
+            <a:off x="520861" y="170082"/>
+            <a:ext cx="14642939" cy="1477328"/>
+          </a:xfrm>
+          <a:prstGeom prst="rect">
+            <a:avLst/>
+          </a:prstGeom>
+          <a:noFill/>
+        </p:spPr>
+        <p:txBody>
+          <a:bodyPr wrap="square" rtlCol="0">
+            <a:spAutoFit/>
+          </a:bodyPr>
+          <a:lstStyle/>
+          <a:p>
+            <a:r>
+              <a:rPr lang="en-US" sz="9000" dirty="0">
+                <a:latin typeface="Aliens &amp; cows" panose="00000500000000000000" pitchFamily="2" charset="0"/>
+              </a:rPr>
+              <a:t>So what for AI?</a:t>
+            </a:r>
+          </a:p>
+        </p:txBody>
+      </p:sp>
+      <p:sp>
+        <p:nvSpPr>
+          <p:cNvPr id="3" name="TextBox 2">
+            <a:extLst>
+              <a:ext uri="{FF2B5EF4-FFF2-40B4-BE49-F238E27FC236}">
+                <a16:creationId xmlns:a16="http://schemas.microsoft.com/office/drawing/2014/main" id="{7A23AEB3-4E11-C3D4-E894-27B00448C33C}"/>
+              </a:ext>
+            </a:extLst>
+          </p:cNvPr>
+          <p:cNvSpPr txBox="1"/>
+          <p:nvPr/>
+        </p:nvSpPr>
+        <p:spPr>
+          <a:xfrm>
+            <a:off x="520861" y="2095500"/>
+            <a:ext cx="14393120" cy="5078313"/>
+          </a:xfrm>
+          <a:prstGeom prst="rect">
+            <a:avLst/>
+          </a:prstGeom>
+          <a:noFill/>
+        </p:spPr>
+        <p:txBody>
+          <a:bodyPr wrap="square" rtlCol="0">
+            <a:spAutoFit/>
+          </a:bodyPr>
+          <a:lstStyle/>
+          <a:p>
+            <a:pPr marL="685800" indent="-685800">
+              <a:buClr>
+                <a:srgbClr val="CF3338"/>
+              </a:buClr>
+              <a:buFont typeface="Arial" panose="020B0604020202020204" pitchFamily="34" charset="0"/>
+              <a:buChar char="•"/>
+            </a:pPr>
+            <a:r>
+              <a:rPr lang="en-US" sz="5400" dirty="0">
+                <a:solidFill>
+                  <a:srgbClr val="707070"/>
+                </a:solidFill>
+                <a:latin typeface="Pragmatica" panose="020B0403040502020204" pitchFamily="34" charset="0"/>
+              </a:rPr>
+              <a:t>AI needs consistent, well defined tables, not one off cleanup</a:t>
+            </a:r>
+          </a:p>
+          <a:p>
+            <a:pPr marL="685800" indent="-685800">
+              <a:buClr>
+                <a:srgbClr val="CF3338"/>
+              </a:buClr>
+              <a:buFont typeface="Arial" panose="020B0604020202020204" pitchFamily="34" charset="0"/>
+              <a:buChar char="•"/>
+            </a:pPr>
+            <a:r>
+              <a:rPr lang="en-US" sz="5400" dirty="0">
+                <a:solidFill>
+                  <a:srgbClr val="707070"/>
+                </a:solidFill>
+                <a:latin typeface="Pragmatica" panose="020B0403040502020204" pitchFamily="34" charset="0"/>
+              </a:rPr>
+              <a:t>Dataflows give Copilot Studio reliable inputs for reasoning and actions</a:t>
+            </a:r>
+          </a:p>
+          <a:p>
+            <a:pPr marL="685800" indent="-685800">
+              <a:buClr>
+                <a:srgbClr val="CF3338"/>
+              </a:buClr>
+              <a:buFont typeface="Arial" panose="020B0604020202020204" pitchFamily="34" charset="0"/>
+              <a:buChar char="•"/>
+            </a:pPr>
+            <a:r>
+              <a:rPr lang="en-US" sz="5400" dirty="0">
+                <a:solidFill>
+                  <a:srgbClr val="707070"/>
+                </a:solidFill>
+                <a:latin typeface="Pragmatica" panose="020B0403040502020204" pitchFamily="34" charset="0"/>
+              </a:rPr>
+              <a:t>You cannot build strong copilots without strong data foundations</a:t>
+            </a:r>
+          </a:p>
+        </p:txBody>
+      </p:sp>
+      <p:pic>
+        <p:nvPicPr>
+          <p:cNvPr id="15" name="Picture 14" descr="A close up of a sign&#10;&#10;Description automatically generated">
+            <a:extLst>
+              <a:ext uri="{FF2B5EF4-FFF2-40B4-BE49-F238E27FC236}">
+                <a16:creationId xmlns:a16="http://schemas.microsoft.com/office/drawing/2014/main" id="{96DC29E9-117A-CF3F-ECBD-08964AD5B8F2}"/>
+              </a:ext>
+            </a:extLst>
+          </p:cNvPr>
+          <p:cNvPicPr>
+            <a:picLocks noChangeAspect="1"/>
+          </p:cNvPicPr>
+          <p:nvPr/>
+        </p:nvPicPr>
+        <p:blipFill>
+          <a:blip r:embed="rId2">
+            <a:extLst>
+              <a:ext uri="{28A0092B-C50C-407E-A947-70E740481C1C}">
+                <a14:useLocalDpi xmlns:a14="http://schemas.microsoft.com/office/drawing/2010/main" val="0"/>
+              </a:ext>
+            </a:extLst>
+          </a:blip>
+          <a:stretch>
+            <a:fillRect/>
+          </a:stretch>
+        </p:blipFill>
+        <p:spPr>
+          <a:xfrm>
+            <a:off x="16341036" y="8058429"/>
+            <a:ext cx="1942857" cy="2228571"/>
+          </a:xfrm>
+          <a:prstGeom prst="rect">
+            <a:avLst/>
+          </a:prstGeom>
+        </p:spPr>
+      </p:pic>
+    </p:spTree>
+    <p:extLst>
+      <p:ext uri="{BB962C8B-B14F-4D97-AF65-F5344CB8AC3E}">
+        <p14:creationId xmlns:p14="http://schemas.microsoft.com/office/powerpoint/2010/main" val="43337917"/>
+      </p:ext>
+    </p:extLst>
+  </p:cSld>
+  <p:clrMapOvr>
+    <a:masterClrMapping/>
+  </p:clrMapOvr>
+</p:sld>
+</file>
+
+<file path=ppt/slides/slide7.xml><?xml version="1.0" encoding="utf-8"?>
+<p:sld xmlns:a="http://schemas.openxmlformats.org/drawingml/2006/main" xmlns:r="http://schemas.openxmlformats.org/officeDocument/2006/relationships" xmlns:p="http://schemas.openxmlformats.org/presentationml/2006/main">
+  <p:cSld>
+    <p:spTree>
+      <p:nvGrpSpPr>
+        <p:cNvPr id="1" name="">
+          <a:extLst>
+            <a:ext uri="{FF2B5EF4-FFF2-40B4-BE49-F238E27FC236}">
+              <a16:creationId xmlns:a16="http://schemas.microsoft.com/office/drawing/2014/main" id="{E7B78ECD-3650-0D5D-E084-2ADF90776325}"/>
+            </a:ext>
+          </a:extLst>
+        </p:cNvPr>
+        <p:cNvGrpSpPr/>
+        <p:nvPr/>
+      </p:nvGrpSpPr>
+      <p:grpSpPr>
+        <a:xfrm>
+          <a:off x="0" y="0"/>
+          <a:ext cx="0" cy="0"/>
+          <a:chOff x="0" y="0"/>
+          <a:chExt cx="0" cy="0"/>
+        </a:xfrm>
+      </p:grpSpPr>
+      <p:sp>
+        <p:nvSpPr>
+          <p:cNvPr id="11" name="TextBox 10">
+            <a:extLst>
+              <a:ext uri="{FF2B5EF4-FFF2-40B4-BE49-F238E27FC236}">
+                <a16:creationId xmlns:a16="http://schemas.microsoft.com/office/drawing/2014/main" id="{2BF29A83-0331-0E10-824A-4833E4760B19}"/>
+              </a:ext>
+            </a:extLst>
+          </p:cNvPr>
+          <p:cNvSpPr txBox="1"/>
+          <p:nvPr/>
+        </p:nvSpPr>
+        <p:spPr>
+          <a:xfrm>
+            <a:off x="520861" y="170082"/>
+            <a:ext cx="16700339" cy="1107996"/>
+          </a:xfrm>
+          <a:prstGeom prst="rect">
+            <a:avLst/>
+          </a:prstGeom>
+          <a:noFill/>
+        </p:spPr>
+        <p:txBody>
+          <a:bodyPr wrap="square" rtlCol="0">
+            <a:spAutoFit/>
+          </a:bodyPr>
+          <a:lstStyle/>
+          <a:p>
+            <a:r>
+              <a:rPr lang="en-US" sz="6600" dirty="0">
+                <a:latin typeface="Aliens &amp; cows" panose="00000500000000000000" pitchFamily="2" charset="0"/>
+              </a:rPr>
+              <a:t>Day 3 preview: The intelligence layer with Excel</a:t>
+            </a:r>
+          </a:p>
+        </p:txBody>
+      </p:sp>
+      <p:sp>
+        <p:nvSpPr>
+          <p:cNvPr id="3" name="TextBox 2">
+            <a:extLst>
+              <a:ext uri="{FF2B5EF4-FFF2-40B4-BE49-F238E27FC236}">
+                <a16:creationId xmlns:a16="http://schemas.microsoft.com/office/drawing/2014/main" id="{1F8BFEA8-EC1E-D186-8530-6533D3345701}"/>
+              </a:ext>
+            </a:extLst>
+          </p:cNvPr>
+          <p:cNvSpPr txBox="1"/>
+          <p:nvPr/>
+        </p:nvSpPr>
+        <p:spPr>
+          <a:xfrm>
+            <a:off x="520861" y="2095500"/>
+            <a:ext cx="14393120" cy="5909310"/>
+          </a:xfrm>
+          <a:prstGeom prst="rect">
+            <a:avLst/>
+          </a:prstGeom>
+          <a:noFill/>
+        </p:spPr>
+        <p:txBody>
+          <a:bodyPr wrap="square" rtlCol="0">
+            <a:spAutoFit/>
+          </a:bodyPr>
+          <a:lstStyle/>
+          <a:p>
+            <a:pPr marL="685800" indent="-685800">
+              <a:buClr>
+                <a:srgbClr val="CF3338"/>
+              </a:buClr>
+              <a:buFont typeface="Arial" panose="020B0604020202020204" pitchFamily="34" charset="0"/>
+              <a:buChar char="•"/>
+            </a:pPr>
+            <a:r>
+              <a:rPr lang="en-US" sz="5400" dirty="0">
+                <a:solidFill>
+                  <a:srgbClr val="707070"/>
+                </a:solidFill>
+                <a:latin typeface="Pragmatica" panose="020B0403040502020204" pitchFamily="34" charset="0"/>
+              </a:rPr>
+              <a:t>Use Copilot inside Excel to create formulas, charts, and insights</a:t>
+            </a:r>
+          </a:p>
+          <a:p>
+            <a:pPr marL="685800" indent="-685800">
+              <a:buClr>
+                <a:srgbClr val="CF3338"/>
+              </a:buClr>
+              <a:buFont typeface="Arial" panose="020B0604020202020204" pitchFamily="34" charset="0"/>
+              <a:buChar char="•"/>
+            </a:pPr>
+            <a:r>
+              <a:rPr lang="en-US" sz="5400" dirty="0">
+                <a:solidFill>
+                  <a:srgbClr val="707070"/>
+                </a:solidFill>
+                <a:latin typeface="Pragmatica" panose="020B0403040502020204" pitchFamily="34" charset="0"/>
+              </a:rPr>
+              <a:t>Run Python for analytics, modeling, and forecasting</a:t>
+            </a:r>
+          </a:p>
+          <a:p>
+            <a:pPr marL="685800" indent="-685800">
+              <a:buClr>
+                <a:srgbClr val="CF3338"/>
+              </a:buClr>
+              <a:buFont typeface="Arial" panose="020B0604020202020204" pitchFamily="34" charset="0"/>
+              <a:buChar char="•"/>
+            </a:pPr>
+            <a:r>
+              <a:rPr lang="en-US" sz="5400" dirty="0">
+                <a:solidFill>
+                  <a:srgbClr val="707070"/>
+                </a:solidFill>
+                <a:latin typeface="Pragmatica" panose="020B0403040502020204" pitchFamily="34" charset="0"/>
+              </a:rPr>
+              <a:t>See how Agent Mode handles multi step analytical tasks</a:t>
+            </a:r>
+          </a:p>
+          <a:p>
+            <a:pPr marL="685800" indent="-685800">
+              <a:buClr>
+                <a:srgbClr val="CF3338"/>
+              </a:buClr>
+              <a:buFont typeface="Arial" panose="020B0604020202020204" pitchFamily="34" charset="0"/>
+              <a:buChar char="•"/>
+            </a:pPr>
+            <a:endParaRPr lang="en-US" sz="5400" dirty="0">
+              <a:solidFill>
+                <a:srgbClr val="707070"/>
+              </a:solidFill>
+              <a:latin typeface="Pragmatica" panose="020B0403040502020204" pitchFamily="34" charset="0"/>
+            </a:endParaRPr>
+          </a:p>
+        </p:txBody>
+      </p:sp>
+      <p:pic>
+        <p:nvPicPr>
+          <p:cNvPr id="15" name="Picture 14" descr="A close up of a sign&#10;&#10;Description automatically generated">
+            <a:extLst>
+              <a:ext uri="{FF2B5EF4-FFF2-40B4-BE49-F238E27FC236}">
+                <a16:creationId xmlns:a16="http://schemas.microsoft.com/office/drawing/2014/main" id="{49376407-AE9F-CCBA-4232-9DA21ADE632E}"/>
+              </a:ext>
+            </a:extLst>
+          </p:cNvPr>
+          <p:cNvPicPr>
+            <a:picLocks noChangeAspect="1"/>
+          </p:cNvPicPr>
+          <p:nvPr/>
+        </p:nvPicPr>
+        <p:blipFill>
+          <a:blip r:embed="rId2">
+            <a:extLst>
+              <a:ext uri="{28A0092B-C50C-407E-A947-70E740481C1C}">
+                <a14:useLocalDpi xmlns:a14="http://schemas.microsoft.com/office/drawing/2010/main" val="0"/>
+              </a:ext>
+            </a:extLst>
+          </a:blip>
+          <a:stretch>
+            <a:fillRect/>
+          </a:stretch>
+        </p:blipFill>
+        <p:spPr>
+          <a:xfrm>
+            <a:off x="16341036" y="8058429"/>
+            <a:ext cx="1942857" cy="2228571"/>
+          </a:xfrm>
+          <a:prstGeom prst="rect">
+            <a:avLst/>
+          </a:prstGeom>
+        </p:spPr>
+      </p:pic>
+    </p:spTree>
+    <p:extLst>
+      <p:ext uri="{BB962C8B-B14F-4D97-AF65-F5344CB8AC3E}">
+        <p14:creationId xmlns:p14="http://schemas.microsoft.com/office/powerpoint/2010/main" val="2946292221"/>
+      </p:ext>
+    </p:extLst>
+  </p:cSld>
+  <p:clrMapOvr>
+    <a:masterClrMapping/>
+  </p:clrMapOvr>
+</p:sld>
+</file>
+
+<file path=ppt/slides/slide8.xml><?xml version="1.0" encoding="utf-8"?>
+<p:sld xmlns:a="http://schemas.openxmlformats.org/drawingml/2006/main" xmlns:r="http://schemas.openxmlformats.org/officeDocument/2006/relationships" xmlns:p="http://schemas.openxmlformats.org/presentationml/2006/main">
+  <p:cSld>
+    <p:spTree>
+      <p:nvGrpSpPr>
+        <p:cNvPr id="1" name="">
+          <a:extLst>
+            <a:ext uri="{FF2B5EF4-FFF2-40B4-BE49-F238E27FC236}">
+              <a16:creationId xmlns:a16="http://schemas.microsoft.com/office/drawing/2014/main" id="{B245543C-FC2F-706C-0319-AF2E02C1797B}"/>
+            </a:ext>
+          </a:extLst>
+        </p:cNvPr>
+        <p:cNvGrpSpPr/>
+        <p:nvPr/>
+      </p:nvGrpSpPr>
+      <p:grpSpPr>
+        <a:xfrm>
+          <a:off x="0" y="0"/>
+          <a:ext cx="0" cy="0"/>
+          <a:chOff x="0" y="0"/>
+          <a:chExt cx="0" cy="0"/>
+        </a:xfrm>
+      </p:grpSpPr>
+      <p:sp>
+        <p:nvSpPr>
+          <p:cNvPr id="4" name="Rectangle 3">
+            <a:extLst>
+              <a:ext uri="{FF2B5EF4-FFF2-40B4-BE49-F238E27FC236}">
+                <a16:creationId xmlns:a16="http://schemas.microsoft.com/office/drawing/2014/main" id="{490E9BB0-DF62-7CD8-AD9E-9B07D47A3EA3}"/>
+              </a:ext>
+            </a:extLst>
+          </p:cNvPr>
+          <p:cNvSpPr/>
+          <p:nvPr/>
+        </p:nvSpPr>
+        <p:spPr>
+          <a:xfrm>
+            <a:off x="9861630" y="0"/>
+            <a:ext cx="8426370" cy="10287000"/>
+          </a:xfrm>
+          <a:prstGeom prst="rect">
+            <a:avLst/>
+          </a:prstGeom>
+          <a:solidFill>
+            <a:srgbClr val="CF3338"/>
+          </a:solidFill>
+          <a:ln>
+            <a:noFill/>
+          </a:ln>
+        </p:spPr>
+        <p:style>
+          <a:lnRef idx="2">
+            <a:schemeClr val="accent1">
+              <a:shade val="50000"/>
+            </a:schemeClr>
+          </a:lnRef>
+          <a:fillRef idx="1">
+            <a:schemeClr val="accent1"/>
+          </a:fillRef>
+          <a:effectRef idx="0">
+            <a:schemeClr val="accent1"/>
+          </a:effectRef>
+          <a:fontRef idx="minor">
+            <a:schemeClr val="lt1"/>
+          </a:fontRef>
+        </p:style>
+        <p:txBody>
+          <a:bodyPr rtlCol="0" anchor="ctr"/>
+          <a:lstStyle/>
+          <a:p>
+            <a:pPr algn="ctr"/>
+            <a:endParaRPr lang="en-US" sz="2700"/>
+          </a:p>
+        </p:txBody>
+      </p:sp>
+      <p:pic>
+        <p:nvPicPr>
+          <p:cNvPr id="2" name="Picture 1">
+            <a:extLst>
+              <a:ext uri="{FF2B5EF4-FFF2-40B4-BE49-F238E27FC236}">
+                <a16:creationId xmlns:a16="http://schemas.microsoft.com/office/drawing/2014/main" id="{75EAA4D7-8279-B257-6D3E-F96D3198579A}"/>
+              </a:ext>
+            </a:extLst>
+          </p:cNvPr>
+          <p:cNvPicPr>
+            <a:picLocks noChangeAspect="1"/>
+          </p:cNvPicPr>
+          <p:nvPr/>
+        </p:nvPicPr>
+        <p:blipFill rotWithShape="1">
+          <a:blip r:embed="rId3">
+            <a:extLst>
+              <a:ext uri="{28A0092B-C50C-407E-A947-70E740481C1C}">
+                <a14:useLocalDpi xmlns:a14="http://schemas.microsoft.com/office/drawing/2010/main" val="0"/>
+              </a:ext>
+            </a:extLst>
+          </a:blip>
+          <a:srcRect l="69227" t="33418" r="20112" b="50548"/>
+          <a:stretch/>
+        </p:blipFill>
+        <p:spPr>
+          <a:xfrm>
+            <a:off x="15579524" y="7544693"/>
+            <a:ext cx="2708477" cy="2987579"/>
+          </a:xfrm>
+          <a:prstGeom prst="rect">
+            <a:avLst/>
+          </a:prstGeom>
+        </p:spPr>
+      </p:pic>
+      <p:sp>
+        <p:nvSpPr>
+          <p:cNvPr id="3" name="TextBox 2">
+            <a:extLst>
+              <a:ext uri="{FF2B5EF4-FFF2-40B4-BE49-F238E27FC236}">
+                <a16:creationId xmlns:a16="http://schemas.microsoft.com/office/drawing/2014/main" id="{74B1D248-3DA4-EF63-972E-3DC8117D97E9}"/>
+              </a:ext>
+            </a:extLst>
+          </p:cNvPr>
+          <p:cNvSpPr txBox="1"/>
+          <p:nvPr/>
+        </p:nvSpPr>
+        <p:spPr>
+          <a:xfrm>
+            <a:off x="260431" y="329879"/>
+            <a:ext cx="8906720" cy="7668831"/>
+          </a:xfrm>
+          <a:prstGeom prst="rect">
+            <a:avLst/>
+          </a:prstGeom>
+          <a:noFill/>
+        </p:spPr>
+        <p:txBody>
+          <a:bodyPr wrap="square" rtlCol="0">
+            <a:spAutoFit/>
+          </a:bodyPr>
+          <a:lstStyle/>
+          <a:p>
+            <a:r>
+              <a:rPr lang="en-US" sz="6000" b="1" dirty="0">
+                <a:solidFill>
+                  <a:srgbClr val="CF3338"/>
+                </a:solidFill>
+                <a:latin typeface="Pragmatica" panose="020B0403040502020204" pitchFamily="34" charset="0"/>
+              </a:rPr>
+              <a:t>Office Scripts + Power Automate, part 1</a:t>
+            </a:r>
+          </a:p>
+          <a:p>
+            <a:pPr marL="142875">
+              <a:lnSpc>
+                <a:spcPct val="115000"/>
+              </a:lnSpc>
+              <a:spcBef>
+                <a:spcPts val="1125"/>
+              </a:spcBef>
+              <a:buClr>
+                <a:srgbClr val="C00000"/>
+              </a:buClr>
+              <a:buSzPts val="2100"/>
+            </a:pPr>
+            <a:endParaRPr lang="en-US" sz="4200" dirty="0">
+              <a:solidFill>
+                <a:srgbClr val="CF3338"/>
+              </a:solidFill>
+              <a:latin typeface="Pragmatica" panose="020B0403040502020204" pitchFamily="34" charset="0"/>
+              <a:sym typeface="Consolas"/>
+            </a:endParaRPr>
+          </a:p>
+          <a:p>
+            <a:pPr marL="714375" indent="-571500">
+              <a:lnSpc>
+                <a:spcPct val="115000"/>
+              </a:lnSpc>
+              <a:spcBef>
+                <a:spcPts val="1125"/>
+              </a:spcBef>
+              <a:buClr>
+                <a:srgbClr val="C00000"/>
+              </a:buClr>
+              <a:buSzPts val="2100"/>
+              <a:buFont typeface="Arial" panose="020B0604020202020204" pitchFamily="34" charset="0"/>
+              <a:buChar char="•"/>
+            </a:pPr>
+            <a:r>
+              <a:rPr lang="en-US" sz="3600" dirty="0">
+                <a:solidFill>
+                  <a:srgbClr val="C00000"/>
+                </a:solidFill>
+                <a:latin typeface="Pragmatica" panose="020B0403040502020204"/>
+                <a:sym typeface="Consolas"/>
+              </a:rPr>
+              <a:t>Run a TOC updater script on schedule</a:t>
+            </a:r>
+          </a:p>
+          <a:p>
+            <a:pPr marL="714375" indent="-571500">
+              <a:lnSpc>
+                <a:spcPct val="115000"/>
+              </a:lnSpc>
+              <a:spcBef>
+                <a:spcPts val="1125"/>
+              </a:spcBef>
+              <a:buClr>
+                <a:srgbClr val="C00000"/>
+              </a:buClr>
+              <a:buSzPts val="2100"/>
+              <a:buFont typeface="Arial" panose="020B0604020202020204" pitchFamily="34" charset="0"/>
+              <a:buChar char="•"/>
+            </a:pPr>
+            <a:r>
+              <a:rPr lang="en-US" sz="3600" dirty="0">
+                <a:solidFill>
+                  <a:srgbClr val="C00000"/>
+                </a:solidFill>
+                <a:latin typeface="Pragmatica" panose="020B0403040502020204"/>
+                <a:sym typeface="Consolas"/>
+              </a:rPr>
+              <a:t>Files: </a:t>
+            </a:r>
+            <a:r>
+              <a:rPr lang="en-US" sz="3600" dirty="0">
+                <a:solidFill>
+                  <a:srgbClr val="C00000"/>
+                </a:solidFill>
+                <a:latin typeface="Consolas" panose="020B0609020204030204" pitchFamily="49" charset="0"/>
+                <a:sym typeface="Consolas"/>
+              </a:rPr>
+              <a:t>power-automate-office-scripts.xlsx</a:t>
+            </a:r>
+            <a:r>
+              <a:rPr lang="en-US" sz="3600" dirty="0">
+                <a:solidFill>
+                  <a:srgbClr val="C00000"/>
+                </a:solidFill>
+                <a:latin typeface="Pragmatica" panose="020B0403040502020204"/>
+                <a:sym typeface="Consolas"/>
+              </a:rPr>
+              <a:t>, </a:t>
+            </a:r>
+            <a:r>
+              <a:rPr lang="en-US" sz="3600" dirty="0">
+                <a:solidFill>
+                  <a:srgbClr val="C00000"/>
+                </a:solidFill>
+                <a:latin typeface="Consolas" panose="020B0609020204030204" pitchFamily="49" charset="0"/>
+                <a:sym typeface="Consolas"/>
+              </a:rPr>
+              <a:t>add-toc.txt</a:t>
+            </a:r>
+          </a:p>
+          <a:p>
+            <a:pPr marL="714375" indent="-571500">
+              <a:lnSpc>
+                <a:spcPct val="115000"/>
+              </a:lnSpc>
+              <a:spcBef>
+                <a:spcPts val="1125"/>
+              </a:spcBef>
+              <a:buClr>
+                <a:srgbClr val="C00000"/>
+              </a:buClr>
+              <a:buSzPts val="2100"/>
+              <a:buFont typeface="Arial" panose="020B0604020202020204" pitchFamily="34" charset="0"/>
+              <a:buChar char="•"/>
+            </a:pPr>
+            <a:r>
+              <a:rPr lang="en-US" sz="3600" dirty="0">
+                <a:solidFill>
+                  <a:srgbClr val="C00000"/>
+                </a:solidFill>
+                <a:latin typeface="Pragmatica" panose="020B0403040502020204"/>
+                <a:sym typeface="Consolas"/>
+              </a:rPr>
+              <a:t>Resource: </a:t>
+            </a:r>
+            <a:r>
+              <a:rPr lang="en-US" sz="3600" dirty="0">
+                <a:solidFill>
+                  <a:srgbClr val="CF3338"/>
+                </a:solidFill>
+                <a:latin typeface="Pragmatica" panose="020B0403040502020204"/>
+                <a:sym typeface="Consolas"/>
+              </a:rPr>
+              <a:t>https://stringfestanalytics.com/how-to-get-started-with-power-automate-for-excel/</a:t>
+            </a:r>
+            <a:endParaRPr lang="en-US" sz="6000" dirty="0">
+              <a:solidFill>
+                <a:srgbClr val="CF3338"/>
+              </a:solidFill>
+              <a:latin typeface="Pragmatica" panose="020B0403040502020204" pitchFamily="34" charset="0"/>
+            </a:endParaRPr>
+          </a:p>
+        </p:txBody>
+      </p:sp>
+    </p:spTree>
+    <p:extLst>
+      <p:ext uri="{BB962C8B-B14F-4D97-AF65-F5344CB8AC3E}">
+        <p14:creationId xmlns:p14="http://schemas.microsoft.com/office/powerpoint/2010/main" val="2210277007"/>
+      </p:ext>
+    </p:extLst>
+  </p:cSld>
+  <p:clrMapOvr>
+    <a:masterClrMapping/>
+  </p:clrMapOvr>
+</p:sld>
+</file>
+
+<file path=ppt/slides/slide9.xml><?xml version="1.0" encoding="utf-8"?>
+<p:sld xmlns:a="http://schemas.openxmlformats.org/drawingml/2006/main" xmlns:r="http://schemas.openxmlformats.org/officeDocument/2006/relationships" xmlns:p="http://schemas.openxmlformats.org/presentationml/2006/main">
+  <p:cSld>
+    <p:spTree>
+      <p:nvGrpSpPr>
+        <p:cNvPr id="1" name="">
+          <a:extLst>
+            <a:ext uri="{FF2B5EF4-FFF2-40B4-BE49-F238E27FC236}">
+              <a16:creationId xmlns:a16="http://schemas.microsoft.com/office/drawing/2014/main" id="{764F59BA-0C2F-2749-8CB4-7E6DE8743692}"/>
+            </a:ext>
+          </a:extLst>
+        </p:cNvPr>
+        <p:cNvGrpSpPr/>
+        <p:nvPr/>
+      </p:nvGrpSpPr>
+      <p:grpSpPr>
+        <a:xfrm>
+          <a:off x="0" y="0"/>
+          <a:ext cx="0" cy="0"/>
+          <a:chOff x="0" y="0"/>
+          <a:chExt cx="0" cy="0"/>
+        </a:xfrm>
+      </p:grpSpPr>
+      <p:sp>
+        <p:nvSpPr>
+          <p:cNvPr id="4" name="Rectangle 3">
+            <a:extLst>
+              <a:ext uri="{FF2B5EF4-FFF2-40B4-BE49-F238E27FC236}">
+                <a16:creationId xmlns:a16="http://schemas.microsoft.com/office/drawing/2014/main" id="{B454C4F1-8816-5B7C-5A36-487DF1D2DC2B}"/>
+              </a:ext>
+            </a:extLst>
+          </p:cNvPr>
+          <p:cNvSpPr/>
+          <p:nvPr/>
+        </p:nvSpPr>
+        <p:spPr>
+          <a:xfrm>
+            <a:off x="9861630" y="0"/>
+            <a:ext cx="8426370" cy="10287000"/>
+          </a:xfrm>
+          <a:prstGeom prst="rect">
+            <a:avLst/>
+          </a:prstGeom>
+          <a:solidFill>
+            <a:srgbClr val="CF3338"/>
+          </a:solidFill>
+          <a:ln>
+            <a:noFill/>
+          </a:ln>
+        </p:spPr>
+        <p:style>
+          <a:lnRef idx="2">
+            <a:schemeClr val="accent1">
+              <a:shade val="50000"/>
+            </a:schemeClr>
+          </a:lnRef>
+          <a:fillRef idx="1">
+            <a:schemeClr val="accent1"/>
+          </a:fillRef>
+          <a:effectRef idx="0">
+            <a:schemeClr val="accent1"/>
+          </a:effectRef>
+          <a:fontRef idx="minor">
+            <a:schemeClr val="lt1"/>
+          </a:fontRef>
+        </p:style>
+        <p:txBody>
+          <a:bodyPr rtlCol="0" anchor="ctr"/>
+          <a:lstStyle/>
+          <a:p>
+            <a:pPr algn="ctr"/>
+            <a:endParaRPr lang="en-US" sz="2700"/>
+          </a:p>
+        </p:txBody>
+      </p:sp>
+      <p:pic>
+        <p:nvPicPr>
+          <p:cNvPr id="2" name="Picture 1">
+            <a:extLst>
+              <a:ext uri="{FF2B5EF4-FFF2-40B4-BE49-F238E27FC236}">
+                <a16:creationId xmlns:a16="http://schemas.microsoft.com/office/drawing/2014/main" id="{8FD33BFB-92A5-B8BE-BE2A-90100EC88BE0}"/>
+              </a:ext>
+            </a:extLst>
+          </p:cNvPr>
+          <p:cNvPicPr>
+            <a:picLocks noChangeAspect="1"/>
+          </p:cNvPicPr>
+          <p:nvPr/>
+        </p:nvPicPr>
+        <p:blipFill rotWithShape="1">
+          <a:blip r:embed="rId3">
+            <a:extLst>
+              <a:ext uri="{28A0092B-C50C-407E-A947-70E740481C1C}">
+                <a14:useLocalDpi xmlns:a14="http://schemas.microsoft.com/office/drawing/2010/main" val="0"/>
+              </a:ext>
+            </a:extLst>
+          </a:blip>
+          <a:srcRect l="69227" t="33418" r="20112" b="50548"/>
+          <a:stretch/>
+        </p:blipFill>
+        <p:spPr>
+          <a:xfrm>
+            <a:off x="15579524" y="7544693"/>
+            <a:ext cx="2708477" cy="2987579"/>
+          </a:xfrm>
+          <a:prstGeom prst="rect">
+            <a:avLst/>
+          </a:prstGeom>
+        </p:spPr>
+      </p:pic>
+      <p:sp>
+        <p:nvSpPr>
+          <p:cNvPr id="3" name="TextBox 2">
+            <a:extLst>
+              <a:ext uri="{FF2B5EF4-FFF2-40B4-BE49-F238E27FC236}">
+                <a16:creationId xmlns:a16="http://schemas.microsoft.com/office/drawing/2014/main" id="{DB60F8A7-E120-24F7-0163-56AAE5565745}"/>
+              </a:ext>
+            </a:extLst>
+          </p:cNvPr>
+          <p:cNvSpPr txBox="1"/>
+          <p:nvPr/>
+        </p:nvSpPr>
+        <p:spPr>
+          <a:xfrm>
+            <a:off x="260431" y="329879"/>
+            <a:ext cx="8906720" cy="9084090"/>
+          </a:xfrm>
+          <a:prstGeom prst="rect">
+            <a:avLst/>
+          </a:prstGeom>
+          <a:noFill/>
+        </p:spPr>
+        <p:txBody>
+          <a:bodyPr wrap="square" rtlCol="0">
+            <a:spAutoFit/>
+          </a:bodyPr>
+          <a:lstStyle/>
+          <a:p>
+            <a:r>
+              <a:rPr lang="en-US" sz="6000" b="1" dirty="0">
+                <a:solidFill>
+                  <a:srgbClr val="CF3338"/>
+                </a:solidFill>
+                <a:latin typeface="Pragmatica" panose="020B0403040502020204" pitchFamily="34" charset="0"/>
+              </a:rPr>
+              <a:t>Office Scripts + Power Automate, part 2</a:t>
+            </a:r>
+          </a:p>
+          <a:p>
+            <a:pPr marL="142875">
+              <a:lnSpc>
+                <a:spcPct val="115000"/>
+              </a:lnSpc>
+              <a:spcBef>
+                <a:spcPts val="1125"/>
+              </a:spcBef>
+              <a:buClr>
+                <a:srgbClr val="C00000"/>
+              </a:buClr>
+              <a:buSzPts val="2100"/>
+            </a:pPr>
+            <a:endParaRPr lang="en-US" sz="4200" dirty="0">
+              <a:solidFill>
+                <a:srgbClr val="CF3338"/>
+              </a:solidFill>
+              <a:latin typeface="Pragmatica" panose="020B0403040502020204" pitchFamily="34" charset="0"/>
+              <a:sym typeface="Consolas"/>
+            </a:endParaRPr>
+          </a:p>
+          <a:p>
+            <a:pPr marL="714375" indent="-571500">
+              <a:lnSpc>
+                <a:spcPct val="115000"/>
+              </a:lnSpc>
+              <a:spcBef>
+                <a:spcPts val="1125"/>
+              </a:spcBef>
+              <a:buClr>
+                <a:srgbClr val="C00000"/>
+              </a:buClr>
+              <a:buSzPts val="2100"/>
+              <a:buFont typeface="Arial" panose="020B0604020202020204" pitchFamily="34" charset="0"/>
+              <a:buChar char="•"/>
+            </a:pPr>
+            <a:r>
+              <a:rPr lang="en-US" sz="3600" dirty="0">
+                <a:solidFill>
+                  <a:srgbClr val="C00000"/>
+                </a:solidFill>
+                <a:latin typeface="Pragmatica" panose="020B0403040502020204"/>
+                <a:sym typeface="Consolas"/>
+              </a:rPr>
+              <a:t>How can we apply the same script to multiple workbooks? </a:t>
+            </a:r>
+          </a:p>
+          <a:p>
+            <a:pPr marL="714375" indent="-571500">
+              <a:lnSpc>
+                <a:spcPct val="115000"/>
+              </a:lnSpc>
+              <a:spcBef>
+                <a:spcPts val="1125"/>
+              </a:spcBef>
+              <a:buClr>
+                <a:srgbClr val="C00000"/>
+              </a:buClr>
+              <a:buSzPts val="2100"/>
+              <a:buFont typeface="Arial" panose="020B0604020202020204" pitchFamily="34" charset="0"/>
+              <a:buChar char="•"/>
+            </a:pPr>
+            <a:r>
+              <a:rPr lang="en-US" sz="3600" dirty="0">
+                <a:solidFill>
+                  <a:srgbClr val="C00000"/>
+                </a:solidFill>
+                <a:latin typeface="Pragmatica" panose="020B0403040502020204"/>
+                <a:sym typeface="Consolas"/>
+              </a:rPr>
+              <a:t>Use conditional logic to validate filetype</a:t>
+            </a:r>
+          </a:p>
+          <a:p>
+            <a:pPr marL="714375" indent="-571500">
+              <a:lnSpc>
+                <a:spcPct val="115000"/>
+              </a:lnSpc>
+              <a:spcBef>
+                <a:spcPts val="1125"/>
+              </a:spcBef>
+              <a:buClr>
+                <a:srgbClr val="C00000"/>
+              </a:buClr>
+              <a:buSzPts val="2100"/>
+              <a:buFont typeface="Arial" panose="020B0604020202020204" pitchFamily="34" charset="0"/>
+              <a:buChar char="•"/>
+            </a:pPr>
+            <a:r>
+              <a:rPr lang="en-US" sz="3600" dirty="0">
+                <a:solidFill>
+                  <a:srgbClr val="C00000"/>
+                </a:solidFill>
+                <a:latin typeface="Pragmatica" panose="020B0403040502020204"/>
+                <a:sym typeface="Consolas"/>
+              </a:rPr>
+              <a:t>Folder: </a:t>
+            </a:r>
+            <a:r>
+              <a:rPr lang="en-US" sz="3600" dirty="0">
+                <a:solidFill>
+                  <a:srgbClr val="C00000"/>
+                </a:solidFill>
+                <a:latin typeface="Consolas" panose="020B0609020204030204" pitchFamily="49" charset="0"/>
+                <a:sym typeface="Consolas"/>
+              </a:rPr>
+              <a:t>multiple-workbooks</a:t>
+            </a:r>
+          </a:p>
+          <a:p>
+            <a:pPr marL="714375" indent="-571500">
+              <a:lnSpc>
+                <a:spcPct val="115000"/>
+              </a:lnSpc>
+              <a:spcBef>
+                <a:spcPts val="1125"/>
+              </a:spcBef>
+              <a:buClr>
+                <a:srgbClr val="C00000"/>
+              </a:buClr>
+              <a:buSzPts val="2100"/>
+              <a:buFont typeface="Arial" panose="020B0604020202020204" pitchFamily="34" charset="0"/>
+              <a:buChar char="•"/>
+            </a:pPr>
+            <a:r>
+              <a:rPr lang="en-US" sz="3600" dirty="0">
+                <a:solidFill>
+                  <a:srgbClr val="C00000"/>
+                </a:solidFill>
+                <a:latin typeface="Pragmatica" panose="020B0403040502020204"/>
+                <a:sym typeface="Consolas"/>
+              </a:rPr>
+              <a:t>Resource: </a:t>
+            </a:r>
+            <a:r>
+              <a:rPr lang="en-US" sz="3600" dirty="0">
+                <a:solidFill>
+                  <a:srgbClr val="CF3338"/>
+                </a:solidFill>
+                <a:latin typeface="Pragmatica" panose="020B0403040502020204"/>
+                <a:sym typeface="Consolas"/>
+              </a:rPr>
+              <a:t>https://stringfestanalytics.com/how-to-run-an-office-script-on-all-excel-workbooks-in-a-folder-with-power-automate/</a:t>
+            </a:r>
+            <a:endParaRPr lang="en-US" sz="6000" dirty="0">
+              <a:solidFill>
+                <a:srgbClr val="CF3338"/>
+              </a:solidFill>
+              <a:latin typeface="Pragmatica" panose="020B0403040502020204" pitchFamily="34" charset="0"/>
+            </a:endParaRPr>
+          </a:p>
+        </p:txBody>
+      </p:sp>
+    </p:spTree>
+    <p:extLst>
+      <p:ext uri="{BB962C8B-B14F-4D97-AF65-F5344CB8AC3E}">
+        <p14:creationId xmlns:p14="http://schemas.microsoft.com/office/powerpoint/2010/main" val="1406664540"/>
       </p:ext>
     </p:extLst>
   </p:cSld>

--- a/day-4-office-scripts-power-automate/day-4-office-scripts-power-automate.pptx
+++ b/day-4-office-scripts-power-automate/day-4-office-scripts-power-automate.pptx
@@ -5,31 +5,29 @@
     <p:sldMasterId id="2147483648" r:id="rId1"/>
   </p:sldMasterIdLst>
   <p:notesMasterIdLst>
-    <p:notesMasterId r:id="rId14"/>
+    <p:notesMasterId r:id="rId12"/>
   </p:notesMasterIdLst>
   <p:sldIdLst>
     <p:sldId id="256" r:id="rId2"/>
     <p:sldId id="455" r:id="rId3"/>
     <p:sldId id="474" r:id="rId4"/>
     <p:sldId id="471" r:id="rId5"/>
-    <p:sldId id="407" r:id="rId6"/>
-    <p:sldId id="472" r:id="rId7"/>
-    <p:sldId id="473" r:id="rId8"/>
-    <p:sldId id="451" r:id="rId9"/>
-    <p:sldId id="452" r:id="rId10"/>
-    <p:sldId id="445" r:id="rId11"/>
-    <p:sldId id="415" r:id="rId12"/>
-    <p:sldId id="470" r:id="rId13"/>
+    <p:sldId id="475" r:id="rId6"/>
+    <p:sldId id="476" r:id="rId7"/>
+    <p:sldId id="472" r:id="rId8"/>
+    <p:sldId id="473" r:id="rId9"/>
+    <p:sldId id="415" r:id="rId10"/>
+    <p:sldId id="470" r:id="rId11"/>
   </p:sldIdLst>
   <p:sldSz cx="18288000" cy="10287000"/>
   <p:notesSz cx="6858000" cy="9144000"/>
   <p:embeddedFontLst>
     <p:embeddedFont>
       <p:font typeface="Consolas" panose="020B0609020204030204" pitchFamily="49" charset="0"/>
-      <p:regular r:id="rId15"/>
-      <p:bold r:id="rId16"/>
-      <p:italic r:id="rId17"/>
-      <p:boldItalic r:id="rId18"/>
+      <p:regular r:id="rId13"/>
+      <p:bold r:id="rId14"/>
+      <p:italic r:id="rId15"/>
+      <p:boldItalic r:id="rId16"/>
     </p:embeddedFont>
   </p:embeddedFontLst>
   <p:defaultTextStyle>
@@ -255,7 +253,7 @@
           <a:p>
             <a:fld id="{17A98A70-FA8C-4354-959C-C70678AC9BCF}" type="datetimeFigureOut">
               <a:rPr lang="en-US" smtClean="0"/>
-              <a:t>11/19/2025</a:t>
+              <a:t>11/21/2025</a:t>
             </a:fld>
             <a:endParaRPr lang="en-US"/>
           </a:p>
@@ -527,114 +525,6 @@
   <p:cSld>
     <p:spTree>
       <p:nvGrpSpPr>
-        <p:cNvPr id="1" name=""/>
-        <p:cNvGrpSpPr/>
-        <p:nvPr/>
-      </p:nvGrpSpPr>
-      <p:grpSpPr>
-        <a:xfrm>
-          <a:off x="0" y="0"/>
-          <a:ext cx="0" cy="0"/>
-          <a:chOff x="0" y="0"/>
-          <a:chExt cx="0" cy="0"/>
-        </a:xfrm>
-      </p:grpSpPr>
-      <p:sp>
-        <p:nvSpPr>
-          <p:cNvPr id="2" name="Slide Image Placeholder 1"/>
-          <p:cNvSpPr>
-            <a:spLocks noGrp="1" noRot="1" noChangeAspect="1"/>
-          </p:cNvSpPr>
-          <p:nvPr>
-            <p:ph type="sldImg"/>
-          </p:nvPr>
-        </p:nvSpPr>
-        <p:spPr/>
-      </p:sp>
-      <p:sp>
-        <p:nvSpPr>
-          <p:cNvPr id="3" name="Notes Placeholder 2"/>
-          <p:cNvSpPr>
-            <a:spLocks noGrp="1"/>
-          </p:cNvSpPr>
-          <p:nvPr>
-            <p:ph type="body" idx="1"/>
-          </p:nvPr>
-        </p:nvSpPr>
-        <p:spPr/>
-        <p:txBody>
-          <a:bodyPr/>
-          <a:lstStyle/>
-          <a:p>
-            <a:pPr marL="228600" indent="-228600">
-              <a:buAutoNum type="arabicPeriod"/>
-            </a:pPr>
-            <a:r>
-              <a:rPr lang="en-US" dirty="0"/>
-              <a:t>False!</a:t>
-            </a:r>
-          </a:p>
-          <a:p>
-            <a:pPr marL="228600" indent="-228600">
-              <a:buAutoNum type="arabicPeriod"/>
-            </a:pPr>
-            <a:r>
-              <a:rPr lang="en-US" dirty="0"/>
-              <a:t>Function, Formula, Function</a:t>
-            </a:r>
-          </a:p>
-          <a:p>
-            <a:pPr marL="228600" indent="-228600">
-              <a:buAutoNum type="arabicPeriod"/>
-            </a:pPr>
-            <a:r>
-              <a:rPr lang="en-US" dirty="0"/>
-              <a:t>Argument</a:t>
-            </a:r>
-          </a:p>
-        </p:txBody>
-      </p:sp>
-      <p:sp>
-        <p:nvSpPr>
-          <p:cNvPr id="4" name="Slide Number Placeholder 3"/>
-          <p:cNvSpPr>
-            <a:spLocks noGrp="1"/>
-          </p:cNvSpPr>
-          <p:nvPr>
-            <p:ph type="sldNum" sz="quarter" idx="5"/>
-          </p:nvPr>
-        </p:nvSpPr>
-        <p:spPr/>
-        <p:txBody>
-          <a:bodyPr/>
-          <a:lstStyle/>
-          <a:p>
-            <a:fld id="{1300335D-9F13-4B80-ADC5-B0EA3E10FF6B}" type="slidenum">
-              <a:rPr lang="en-US" smtClean="0"/>
-              <a:t>5</a:t>
-            </a:fld>
-            <a:endParaRPr lang="en-US"/>
-          </a:p>
-        </p:txBody>
-      </p:sp>
-    </p:spTree>
-    <p:extLst>
-      <p:ext uri="{BB962C8B-B14F-4D97-AF65-F5344CB8AC3E}">
-        <p14:creationId xmlns:p14="http://schemas.microsoft.com/office/powerpoint/2010/main" val="624549242"/>
-      </p:ext>
-    </p:extLst>
-  </p:cSld>
-  <p:clrMapOvr>
-    <a:masterClrMapping/>
-  </p:clrMapOvr>
-</p:notes>
-</file>
-
-<file path=ppt/notesSlides/notesSlide2.xml><?xml version="1.0" encoding="utf-8"?>
-<p:notes xmlns:a="http://schemas.openxmlformats.org/drawingml/2006/main" xmlns:r="http://schemas.openxmlformats.org/officeDocument/2006/relationships" xmlns:p="http://schemas.openxmlformats.org/presentationml/2006/main">
-  <p:cSld>
-    <p:spTree>
-      <p:nvGrpSpPr>
         <p:cNvPr id="1" name="">
           <a:extLst>
             <a:ext uri="{FF2B5EF4-FFF2-40B4-BE49-F238E27FC236}">
@@ -743,7 +633,7 @@
           <a:p>
             <a:fld id="{1300335D-9F13-4B80-ADC5-B0EA3E10FF6B}" type="slidenum">
               <a:rPr lang="en-US" smtClean="0"/>
-              <a:t>8</a:t>
+              <a:t>5</a:t>
             </a:fld>
             <a:endParaRPr lang="en-US"/>
           </a:p>
@@ -762,7 +652,7 @@
 </p:notes>
 </file>
 
-<file path=ppt/notesSlides/notesSlide3.xml><?xml version="1.0" encoding="utf-8"?>
+<file path=ppt/notesSlides/notesSlide2.xml><?xml version="1.0" encoding="utf-8"?>
 <p:notes xmlns:a="http://schemas.openxmlformats.org/drawingml/2006/main" xmlns:r="http://schemas.openxmlformats.org/officeDocument/2006/relationships" xmlns:p="http://schemas.openxmlformats.org/presentationml/2006/main">
   <p:cSld>
     <p:spTree>
@@ -875,7 +765,7 @@
           <a:p>
             <a:fld id="{1300335D-9F13-4B80-ADC5-B0EA3E10FF6B}" type="slidenum">
               <a:rPr lang="en-US" smtClean="0"/>
-              <a:t>9</a:t>
+              <a:t>6</a:t>
             </a:fld>
             <a:endParaRPr lang="en-US"/>
           </a:p>
@@ -885,138 +775,6 @@
     <p:extLst>
       <p:ext uri="{BB962C8B-B14F-4D97-AF65-F5344CB8AC3E}">
         <p14:creationId xmlns:p14="http://schemas.microsoft.com/office/powerpoint/2010/main" val="2048544313"/>
-      </p:ext>
-    </p:extLst>
-  </p:cSld>
-  <p:clrMapOvr>
-    <a:masterClrMapping/>
-  </p:clrMapOvr>
-</p:notes>
-</file>
-
-<file path=ppt/notesSlides/notesSlide4.xml><?xml version="1.0" encoding="utf-8"?>
-<p:notes xmlns:a="http://schemas.openxmlformats.org/drawingml/2006/main" xmlns:r="http://schemas.openxmlformats.org/officeDocument/2006/relationships" xmlns:p="http://schemas.openxmlformats.org/presentationml/2006/main">
-  <p:cSld>
-    <p:spTree>
-      <p:nvGrpSpPr>
-        <p:cNvPr id="1" name="">
-          <a:extLst>
-            <a:ext uri="{FF2B5EF4-FFF2-40B4-BE49-F238E27FC236}">
-              <a16:creationId xmlns:a16="http://schemas.microsoft.com/office/drawing/2014/main" id="{B6E3F2FE-DC3D-7A1A-4ACD-14EA94BE1886}"/>
-            </a:ext>
-          </a:extLst>
-        </p:cNvPr>
-        <p:cNvGrpSpPr/>
-        <p:nvPr/>
-      </p:nvGrpSpPr>
-      <p:grpSpPr>
-        <a:xfrm>
-          <a:off x="0" y="0"/>
-          <a:ext cx="0" cy="0"/>
-          <a:chOff x="0" y="0"/>
-          <a:chExt cx="0" cy="0"/>
-        </a:xfrm>
-      </p:grpSpPr>
-      <p:sp>
-        <p:nvSpPr>
-          <p:cNvPr id="2" name="Slide Image Placeholder 1">
-            <a:extLst>
-              <a:ext uri="{FF2B5EF4-FFF2-40B4-BE49-F238E27FC236}">
-                <a16:creationId xmlns:a16="http://schemas.microsoft.com/office/drawing/2014/main" id="{E120B78E-1964-06AA-D0C2-ADA2C8DBD218}"/>
-              </a:ext>
-            </a:extLst>
-          </p:cNvPr>
-          <p:cNvSpPr>
-            <a:spLocks noGrp="1" noRot="1" noChangeAspect="1"/>
-          </p:cNvSpPr>
-          <p:nvPr>
-            <p:ph type="sldImg"/>
-          </p:nvPr>
-        </p:nvSpPr>
-        <p:spPr/>
-      </p:sp>
-      <p:sp>
-        <p:nvSpPr>
-          <p:cNvPr id="3" name="Notes Placeholder 2">
-            <a:extLst>
-              <a:ext uri="{FF2B5EF4-FFF2-40B4-BE49-F238E27FC236}">
-                <a16:creationId xmlns:a16="http://schemas.microsoft.com/office/drawing/2014/main" id="{8967BBC2-4126-39AC-7EAC-8183927C6235}"/>
-              </a:ext>
-            </a:extLst>
-          </p:cNvPr>
-          <p:cNvSpPr>
-            <a:spLocks noGrp="1"/>
-          </p:cNvSpPr>
-          <p:nvPr>
-            <p:ph type="body" idx="1"/>
-          </p:nvPr>
-        </p:nvSpPr>
-        <p:spPr/>
-        <p:txBody>
-          <a:bodyPr/>
-          <a:lstStyle/>
-          <a:p>
-            <a:pPr marL="228600" indent="-228600">
-              <a:buAutoNum type="arabicPeriod"/>
-            </a:pPr>
-            <a:r>
-              <a:rPr lang="en-US" dirty="0"/>
-              <a:t>False!</a:t>
-            </a:r>
-          </a:p>
-          <a:p>
-            <a:pPr marL="228600" indent="-228600">
-              <a:buAutoNum type="arabicPeriod"/>
-            </a:pPr>
-            <a:r>
-              <a:rPr lang="en-US" dirty="0"/>
-              <a:t>Function, Formula, Function</a:t>
-            </a:r>
-          </a:p>
-          <a:p>
-            <a:pPr marL="228600" indent="-228600">
-              <a:buAutoNum type="arabicPeriod"/>
-            </a:pPr>
-            <a:r>
-              <a:rPr lang="en-US" dirty="0"/>
-              <a:t>Argument</a:t>
-            </a:r>
-          </a:p>
-        </p:txBody>
-      </p:sp>
-      <p:sp>
-        <p:nvSpPr>
-          <p:cNvPr id="4" name="Slide Number Placeholder 3">
-            <a:extLst>
-              <a:ext uri="{FF2B5EF4-FFF2-40B4-BE49-F238E27FC236}">
-                <a16:creationId xmlns:a16="http://schemas.microsoft.com/office/drawing/2014/main" id="{F925E90F-7E93-3536-F365-576D074091C5}"/>
-              </a:ext>
-            </a:extLst>
-          </p:cNvPr>
-          <p:cNvSpPr>
-            <a:spLocks noGrp="1"/>
-          </p:cNvSpPr>
-          <p:nvPr>
-            <p:ph type="sldNum" sz="quarter" idx="5"/>
-          </p:nvPr>
-        </p:nvSpPr>
-        <p:spPr/>
-        <p:txBody>
-          <a:bodyPr/>
-          <a:lstStyle/>
-          <a:p>
-            <a:fld id="{1300335D-9F13-4B80-ADC5-B0EA3E10FF6B}" type="slidenum">
-              <a:rPr lang="en-US" smtClean="0"/>
-              <a:t>10</a:t>
-            </a:fld>
-            <a:endParaRPr lang="en-US"/>
-          </a:p>
-        </p:txBody>
-      </p:sp>
-    </p:spTree>
-    <p:extLst>
-      <p:ext uri="{BB962C8B-B14F-4D97-AF65-F5344CB8AC3E}">
-        <p14:creationId xmlns:p14="http://schemas.microsoft.com/office/powerpoint/2010/main" val="392883307"/>
       </p:ext>
     </p:extLst>
   </p:cSld>
@@ -1206,7 +964,7 @@
             <a:fld id="{1D8BD707-D9CF-40AE-B4C6-C98DA3205C09}" type="datetimeFigureOut">
               <a:rPr lang="en-US" smtClean="0"/>
               <a:pPr/>
-              <a:t>11/19/2025</a:t>
+              <a:t>11/21/2025</a:t>
             </a:fld>
             <a:endParaRPr lang="en-US"/>
           </a:p>
@@ -1371,7 +1129,7 @@
             <a:fld id="{1D8BD707-D9CF-40AE-B4C6-C98DA3205C09}" type="datetimeFigureOut">
               <a:rPr lang="en-US" smtClean="0"/>
               <a:pPr/>
-              <a:t>11/19/2025</a:t>
+              <a:t>11/21/2025</a:t>
             </a:fld>
             <a:endParaRPr lang="en-US"/>
           </a:p>
@@ -1546,7 +1304,7 @@
             <a:fld id="{1D8BD707-D9CF-40AE-B4C6-C98DA3205C09}" type="datetimeFigureOut">
               <a:rPr lang="en-US" smtClean="0"/>
               <a:pPr/>
-              <a:t>11/19/2025</a:t>
+              <a:t>11/21/2025</a:t>
             </a:fld>
             <a:endParaRPr lang="en-US"/>
           </a:p>
@@ -1711,7 +1469,7 @@
             <a:fld id="{1D8BD707-D9CF-40AE-B4C6-C98DA3205C09}" type="datetimeFigureOut">
               <a:rPr lang="en-US" smtClean="0"/>
               <a:pPr/>
-              <a:t>11/19/2025</a:t>
+              <a:t>11/21/2025</a:t>
             </a:fld>
             <a:endParaRPr lang="en-US"/>
           </a:p>
@@ -1953,7 +1711,7 @@
             <a:fld id="{1D8BD707-D9CF-40AE-B4C6-C98DA3205C09}" type="datetimeFigureOut">
               <a:rPr lang="en-US" smtClean="0"/>
               <a:pPr/>
-              <a:t>11/19/2025</a:t>
+              <a:t>11/21/2025</a:t>
             </a:fld>
             <a:endParaRPr lang="en-US"/>
           </a:p>
@@ -2235,7 +1993,7 @@
             <a:fld id="{1D8BD707-D9CF-40AE-B4C6-C98DA3205C09}" type="datetimeFigureOut">
               <a:rPr lang="en-US" smtClean="0"/>
               <a:pPr/>
-              <a:t>11/19/2025</a:t>
+              <a:t>11/21/2025</a:t>
             </a:fld>
             <a:endParaRPr lang="en-US"/>
           </a:p>
@@ -2651,7 +2409,7 @@
             <a:fld id="{1D8BD707-D9CF-40AE-B4C6-C98DA3205C09}" type="datetimeFigureOut">
               <a:rPr lang="en-US" smtClean="0"/>
               <a:pPr/>
-              <a:t>11/19/2025</a:t>
+              <a:t>11/21/2025</a:t>
             </a:fld>
             <a:endParaRPr lang="en-US"/>
           </a:p>
@@ -2765,7 +2523,7 @@
             <a:fld id="{1D8BD707-D9CF-40AE-B4C6-C98DA3205C09}" type="datetimeFigureOut">
               <a:rPr lang="en-US" smtClean="0"/>
               <a:pPr/>
-              <a:t>11/19/2025</a:t>
+              <a:t>11/21/2025</a:t>
             </a:fld>
             <a:endParaRPr lang="en-US"/>
           </a:p>
@@ -2857,7 +2615,7 @@
             <a:fld id="{1D8BD707-D9CF-40AE-B4C6-C98DA3205C09}" type="datetimeFigureOut">
               <a:rPr lang="en-US" smtClean="0"/>
               <a:pPr/>
-              <a:t>11/19/2025</a:t>
+              <a:t>11/21/2025</a:t>
             </a:fld>
             <a:endParaRPr lang="en-US"/>
           </a:p>
@@ -3129,7 +2887,7 @@
             <a:fld id="{1D8BD707-D9CF-40AE-B4C6-C98DA3205C09}" type="datetimeFigureOut">
               <a:rPr lang="en-US" smtClean="0"/>
               <a:pPr/>
-              <a:t>11/19/2025</a:t>
+              <a:t>11/21/2025</a:t>
             </a:fld>
             <a:endParaRPr lang="en-US"/>
           </a:p>
@@ -3378,7 +3136,7 @@
             <a:fld id="{1D8BD707-D9CF-40AE-B4C6-C98DA3205C09}" type="datetimeFigureOut">
               <a:rPr lang="en-US" smtClean="0"/>
               <a:pPr/>
-              <a:t>11/19/2025</a:t>
+              <a:t>11/21/2025</a:t>
             </a:fld>
             <a:endParaRPr lang="en-US"/>
           </a:p>
@@ -3591,7 +3349,7 @@
             <a:fld id="{1D8BD707-D9CF-40AE-B4C6-C98DA3205C09}" type="datetimeFigureOut">
               <a:rPr lang="en-US" smtClean="0"/>
               <a:pPr/>
-              <a:t>11/19/2025</a:t>
+              <a:t>11/21/2025</a:t>
             </a:fld>
             <a:endParaRPr lang="en-US"/>
           </a:p>
@@ -4132,514 +3890,6 @@
         <p:cNvPr id="1" name="">
           <a:extLst>
             <a:ext uri="{FF2B5EF4-FFF2-40B4-BE49-F238E27FC236}">
-              <a16:creationId xmlns:a16="http://schemas.microsoft.com/office/drawing/2014/main" id="{2DCE2D92-E493-1DD9-72E6-ACC94BA7AFC9}"/>
-            </a:ext>
-          </a:extLst>
-        </p:cNvPr>
-        <p:cNvGrpSpPr/>
-        <p:nvPr/>
-      </p:nvGrpSpPr>
-      <p:grpSpPr>
-        <a:xfrm>
-          <a:off x="0" y="0"/>
-          <a:ext cx="0" cy="0"/>
-          <a:chOff x="0" y="0"/>
-          <a:chExt cx="0" cy="0"/>
-        </a:xfrm>
-      </p:grpSpPr>
-      <p:sp>
-        <p:nvSpPr>
-          <p:cNvPr id="4" name="Rectangle 3">
-            <a:extLst>
-              <a:ext uri="{FF2B5EF4-FFF2-40B4-BE49-F238E27FC236}">
-                <a16:creationId xmlns:a16="http://schemas.microsoft.com/office/drawing/2014/main" id="{E06F4AE9-80A1-26DB-FCA0-2CF02A251A93}"/>
-              </a:ext>
-            </a:extLst>
-          </p:cNvPr>
-          <p:cNvSpPr/>
-          <p:nvPr/>
-        </p:nvSpPr>
-        <p:spPr>
-          <a:xfrm>
-            <a:off x="12954000" y="0"/>
-            <a:ext cx="5334000" cy="10287000"/>
-          </a:xfrm>
-          <a:prstGeom prst="rect">
-            <a:avLst/>
-          </a:prstGeom>
-          <a:solidFill>
-            <a:srgbClr val="CF3338"/>
-          </a:solidFill>
-          <a:ln>
-            <a:noFill/>
-          </a:ln>
-        </p:spPr>
-        <p:style>
-          <a:lnRef idx="2">
-            <a:schemeClr val="accent1">
-              <a:shade val="50000"/>
-            </a:schemeClr>
-          </a:lnRef>
-          <a:fillRef idx="1">
-            <a:schemeClr val="accent1"/>
-          </a:fillRef>
-          <a:effectRef idx="0">
-            <a:schemeClr val="accent1"/>
-          </a:effectRef>
-          <a:fontRef idx="minor">
-            <a:schemeClr val="lt1"/>
-          </a:fontRef>
-        </p:style>
-        <p:txBody>
-          <a:bodyPr rtlCol="0" anchor="ctr"/>
-          <a:lstStyle/>
-          <a:p>
-            <a:pPr algn="ctr"/>
-            <a:endParaRPr lang="en-US" sz="2700"/>
-          </a:p>
-        </p:txBody>
-      </p:sp>
-      <p:pic>
-        <p:nvPicPr>
-          <p:cNvPr id="2" name="Picture 1">
-            <a:extLst>
-              <a:ext uri="{FF2B5EF4-FFF2-40B4-BE49-F238E27FC236}">
-                <a16:creationId xmlns:a16="http://schemas.microsoft.com/office/drawing/2014/main" id="{DD359C3C-F6DC-89F1-C2E6-400CCA8A1637}"/>
-              </a:ext>
-            </a:extLst>
-          </p:cNvPr>
-          <p:cNvPicPr>
-            <a:picLocks noChangeAspect="1"/>
-          </p:cNvPicPr>
-          <p:nvPr/>
-        </p:nvPicPr>
-        <p:blipFill rotWithShape="1">
-          <a:blip r:embed="rId3">
-            <a:extLst>
-              <a:ext uri="{28A0092B-C50C-407E-A947-70E740481C1C}">
-                <a14:useLocalDpi xmlns:a14="http://schemas.microsoft.com/office/drawing/2010/main" val="0"/>
-              </a:ext>
-            </a:extLst>
-          </a:blip>
-          <a:srcRect l="69227" t="33418" r="20112" b="50548"/>
-          <a:stretch/>
-        </p:blipFill>
-        <p:spPr>
-          <a:xfrm>
-            <a:off x="15579524" y="7544693"/>
-            <a:ext cx="2708477" cy="2987579"/>
-          </a:xfrm>
-          <a:prstGeom prst="rect">
-            <a:avLst/>
-          </a:prstGeom>
-        </p:spPr>
-      </p:pic>
-      <p:sp>
-        <p:nvSpPr>
-          <p:cNvPr id="3" name="TextBox 2">
-            <a:extLst>
-              <a:ext uri="{FF2B5EF4-FFF2-40B4-BE49-F238E27FC236}">
-                <a16:creationId xmlns:a16="http://schemas.microsoft.com/office/drawing/2014/main" id="{D5B0DBF2-77D4-A760-CF57-E60E6CB7A501}"/>
-              </a:ext>
-            </a:extLst>
-          </p:cNvPr>
-          <p:cNvSpPr txBox="1"/>
-          <p:nvPr/>
-        </p:nvSpPr>
-        <p:spPr>
-          <a:xfrm>
-            <a:off x="260430" y="329879"/>
-            <a:ext cx="12464969" cy="5505482"/>
-          </a:xfrm>
-          <a:prstGeom prst="rect">
-            <a:avLst/>
-          </a:prstGeom>
-          <a:noFill/>
-        </p:spPr>
-        <p:txBody>
-          <a:bodyPr wrap="square" rtlCol="0">
-            <a:spAutoFit/>
-          </a:bodyPr>
-          <a:lstStyle/>
-          <a:p>
-            <a:r>
-              <a:rPr lang="en-US" sz="6000" b="1" dirty="0">
-                <a:solidFill>
-                  <a:srgbClr val="CF3338"/>
-                </a:solidFill>
-                <a:latin typeface="Pragmatica" panose="020B0403040502020204" pitchFamily="34" charset="0"/>
-              </a:rPr>
-              <a:t>Exercises</a:t>
-            </a:r>
-          </a:p>
-          <a:p>
-            <a:pPr marL="714375" indent="-571500">
-              <a:lnSpc>
-                <a:spcPct val="115000"/>
-              </a:lnSpc>
-              <a:spcBef>
-                <a:spcPts val="1125"/>
-              </a:spcBef>
-              <a:buClr>
-                <a:srgbClr val="C00000"/>
-              </a:buClr>
-              <a:buSzPts val="2100"/>
-              <a:buFont typeface="Arial" panose="020B0604020202020204" pitchFamily="34" charset="0"/>
-              <a:buChar char="•"/>
-            </a:pPr>
-            <a:r>
-              <a:rPr lang="en-US" sz="3600" dirty="0">
-                <a:solidFill>
-                  <a:srgbClr val="C00000"/>
-                </a:solidFill>
-                <a:latin typeface="Pragmatica" panose="020B0403040502020204"/>
-                <a:sym typeface="Consolas"/>
-              </a:rPr>
-              <a:t>Folder: </a:t>
-            </a:r>
-            <a:r>
-              <a:rPr lang="en-US" sz="3600" dirty="0">
-                <a:solidFill>
-                  <a:srgbClr val="C00000"/>
-                </a:solidFill>
-                <a:latin typeface="Consolas" panose="020B0609020204030204" pitchFamily="49" charset="0"/>
-                <a:sym typeface="Consolas"/>
-              </a:rPr>
-              <a:t>pa-challenge</a:t>
-            </a:r>
-          </a:p>
-          <a:p>
-            <a:pPr marL="714375" indent="-571500">
-              <a:lnSpc>
-                <a:spcPct val="115000"/>
-              </a:lnSpc>
-              <a:spcBef>
-                <a:spcPts val="1125"/>
-              </a:spcBef>
-              <a:buClr>
-                <a:srgbClr val="C00000"/>
-              </a:buClr>
-              <a:buSzPts val="2100"/>
-              <a:buFont typeface="Arial" panose="020B0604020202020204" pitchFamily="34" charset="0"/>
-              <a:buChar char="•"/>
-            </a:pPr>
-            <a:r>
-              <a:rPr lang="en-US" sz="3600" dirty="0">
-                <a:solidFill>
-                  <a:srgbClr val="C00000"/>
-                </a:solidFill>
-                <a:latin typeface="Pragmatica" panose="020B0403040502020204"/>
-                <a:sym typeface="Consolas"/>
-              </a:rPr>
-              <a:t>Task: Create a log in </a:t>
-            </a:r>
-            <a:r>
-              <a:rPr lang="en-US" sz="3600" dirty="0">
-                <a:solidFill>
-                  <a:srgbClr val="C00000"/>
-                </a:solidFill>
-                <a:latin typeface="Consolas" panose="020B0609020204030204" pitchFamily="49" charset="0"/>
-                <a:sym typeface="Consolas"/>
-              </a:rPr>
-              <a:t>file-log.xlsx</a:t>
-            </a:r>
-            <a:r>
-              <a:rPr lang="en-US" sz="3600" dirty="0">
-                <a:solidFill>
-                  <a:srgbClr val="C00000"/>
-                </a:solidFill>
-                <a:latin typeface="Pragmatica" panose="020B0403040502020204"/>
-                <a:sym typeface="Consolas"/>
-              </a:rPr>
-              <a:t> every time a workbook is uploaded to incoming-files folder</a:t>
-            </a:r>
-          </a:p>
-          <a:p>
-            <a:pPr marL="1171575" lvl="1" indent="-571500">
-              <a:lnSpc>
-                <a:spcPct val="115000"/>
-              </a:lnSpc>
-              <a:spcBef>
-                <a:spcPts val="1125"/>
-              </a:spcBef>
-              <a:buClr>
-                <a:srgbClr val="C00000"/>
-              </a:buClr>
-              <a:buSzPts val="2100"/>
-              <a:buFont typeface="Arial" panose="020B0604020202020204" pitchFamily="34" charset="0"/>
-              <a:buChar char="•"/>
-            </a:pPr>
-            <a:r>
-              <a:rPr lang="en-US" sz="3600" dirty="0">
-                <a:solidFill>
-                  <a:srgbClr val="C00000"/>
-                </a:solidFill>
-                <a:latin typeface="Pragmatica" panose="020B0403040502020204"/>
-                <a:sym typeface="Consolas"/>
-              </a:rPr>
-              <a:t>Trigger: When a file is created (properties only)</a:t>
-            </a:r>
-          </a:p>
-          <a:p>
-            <a:pPr marL="1171575" lvl="1" indent="-571500">
-              <a:lnSpc>
-                <a:spcPct val="115000"/>
-              </a:lnSpc>
-              <a:spcBef>
-                <a:spcPts val="1125"/>
-              </a:spcBef>
-              <a:buClr>
-                <a:srgbClr val="C00000"/>
-              </a:buClr>
-              <a:buSzPts val="2100"/>
-              <a:buFont typeface="Arial" panose="020B0604020202020204" pitchFamily="34" charset="0"/>
-              <a:buChar char="•"/>
-            </a:pPr>
-            <a:r>
-              <a:rPr lang="en-US" sz="3600" dirty="0">
-                <a:solidFill>
-                  <a:srgbClr val="C00000"/>
-                </a:solidFill>
-                <a:latin typeface="Pragmatica" panose="020B0403040502020204"/>
-                <a:sym typeface="Consolas"/>
-              </a:rPr>
-              <a:t>Use conditional logic for file type</a:t>
-            </a:r>
-          </a:p>
-          <a:p>
-            <a:pPr marL="1171575" lvl="1" indent="-571500">
-              <a:lnSpc>
-                <a:spcPct val="115000"/>
-              </a:lnSpc>
-              <a:spcBef>
-                <a:spcPts val="1125"/>
-              </a:spcBef>
-              <a:buClr>
-                <a:srgbClr val="C00000"/>
-              </a:buClr>
-              <a:buSzPts val="2100"/>
-              <a:buFont typeface="Arial" panose="020B0604020202020204" pitchFamily="34" charset="0"/>
-              <a:buChar char="•"/>
-            </a:pPr>
-            <a:r>
-              <a:rPr lang="en-US" sz="3600" dirty="0">
-                <a:solidFill>
-                  <a:srgbClr val="C00000"/>
-                </a:solidFill>
-                <a:latin typeface="Pragmatica" panose="020B0403040502020204"/>
-                <a:sym typeface="Consolas"/>
-              </a:rPr>
-              <a:t>Consider using Power </a:t>
-            </a:r>
-            <a:r>
-              <a:rPr lang="en-US" sz="3600" dirty="0" err="1">
-                <a:solidFill>
-                  <a:srgbClr val="C00000"/>
-                </a:solidFill>
-                <a:latin typeface="Pragmatica" panose="020B0403040502020204"/>
-                <a:sym typeface="Consolas"/>
-              </a:rPr>
-              <a:t>Fx</a:t>
-            </a:r>
-            <a:r>
-              <a:rPr lang="en-US" sz="3600" dirty="0">
-                <a:solidFill>
-                  <a:srgbClr val="C00000"/>
-                </a:solidFill>
-                <a:latin typeface="Pragmatica" panose="020B0403040502020204"/>
-                <a:sym typeface="Consolas"/>
-              </a:rPr>
-              <a:t> to format upload date</a:t>
-            </a:r>
-            <a:endParaRPr lang="en-US" sz="3600" dirty="0">
-              <a:solidFill>
-                <a:srgbClr val="C00000"/>
-              </a:solidFill>
-              <a:latin typeface="Consolas" panose="020B0609020204030204" pitchFamily="49" charset="0"/>
-              <a:sym typeface="Consolas"/>
-            </a:endParaRPr>
-          </a:p>
-        </p:txBody>
-      </p:sp>
-    </p:spTree>
-    <p:extLst>
-      <p:ext uri="{BB962C8B-B14F-4D97-AF65-F5344CB8AC3E}">
-        <p14:creationId xmlns:p14="http://schemas.microsoft.com/office/powerpoint/2010/main" val="3469289285"/>
-      </p:ext>
-    </p:extLst>
-  </p:cSld>
-  <p:clrMapOvr>
-    <a:masterClrMapping/>
-  </p:clrMapOvr>
-</p:sld>
-</file>
-
-<file path=ppt/slides/slide11.xml><?xml version="1.0" encoding="utf-8"?>
-<p:sld xmlns:a="http://schemas.openxmlformats.org/drawingml/2006/main" xmlns:r="http://schemas.openxmlformats.org/officeDocument/2006/relationships" xmlns:p="http://schemas.openxmlformats.org/presentationml/2006/main">
-  <p:cSld>
-    <p:spTree>
-      <p:nvGrpSpPr>
-        <p:cNvPr id="1" name=""/>
-        <p:cNvGrpSpPr/>
-        <p:nvPr/>
-      </p:nvGrpSpPr>
-      <p:grpSpPr>
-        <a:xfrm>
-          <a:off x="0" y="0"/>
-          <a:ext cx="0" cy="0"/>
-          <a:chOff x="0" y="0"/>
-          <a:chExt cx="0" cy="0"/>
-        </a:xfrm>
-      </p:grpSpPr>
-      <p:pic>
-        <p:nvPicPr>
-          <p:cNvPr id="10" name="Picture 9"/>
-          <p:cNvPicPr>
-            <a:picLocks noChangeAspect="1"/>
-          </p:cNvPicPr>
-          <p:nvPr/>
-        </p:nvPicPr>
-        <p:blipFill rotWithShape="1">
-          <a:blip r:embed="rId2">
-            <a:extLst>
-              <a:ext uri="{28A0092B-C50C-407E-A947-70E740481C1C}">
-                <a14:useLocalDpi xmlns:a14="http://schemas.microsoft.com/office/drawing/2010/main" val="0"/>
-              </a:ext>
-            </a:extLst>
-          </a:blip>
-          <a:srcRect l="50728" t="56371"/>
-          <a:stretch/>
-        </p:blipFill>
-        <p:spPr>
-          <a:xfrm>
-            <a:off x="12204691" y="3316148"/>
-            <a:ext cx="6083309" cy="6970854"/>
-          </a:xfrm>
-          <a:prstGeom prst="rect">
-            <a:avLst/>
-          </a:prstGeom>
-        </p:spPr>
-      </p:pic>
-      <p:pic>
-        <p:nvPicPr>
-          <p:cNvPr id="4" name="Picture 3"/>
-          <p:cNvPicPr>
-            <a:picLocks noChangeAspect="1"/>
-          </p:cNvPicPr>
-          <p:nvPr/>
-        </p:nvPicPr>
-        <p:blipFill>
-          <a:blip r:embed="rId3">
-            <a:extLst>
-              <a:ext uri="{28A0092B-C50C-407E-A947-70E740481C1C}">
-                <a14:useLocalDpi xmlns:a14="http://schemas.microsoft.com/office/drawing/2010/main" val="0"/>
-              </a:ext>
-            </a:extLst>
-          </a:blip>
-          <a:stretch>
-            <a:fillRect/>
-          </a:stretch>
-        </p:blipFill>
-        <p:spPr>
-          <a:xfrm>
-            <a:off x="-807744" y="-3724155"/>
-            <a:ext cx="15257208" cy="11189825"/>
-          </a:xfrm>
-          <a:prstGeom prst="rect">
-            <a:avLst/>
-          </a:prstGeom>
-        </p:spPr>
-      </p:pic>
-      <p:sp>
-        <p:nvSpPr>
-          <p:cNvPr id="11" name="TextBox 10"/>
-          <p:cNvSpPr txBox="1"/>
-          <p:nvPr/>
-        </p:nvSpPr>
-        <p:spPr>
-          <a:xfrm>
-            <a:off x="486137" y="2531318"/>
-            <a:ext cx="11979797" cy="923330"/>
-          </a:xfrm>
-          <a:prstGeom prst="rect">
-            <a:avLst/>
-          </a:prstGeom>
-          <a:noFill/>
-        </p:spPr>
-        <p:txBody>
-          <a:bodyPr wrap="square" rtlCol="0">
-            <a:spAutoFit/>
-          </a:bodyPr>
-          <a:lstStyle/>
-          <a:p>
-            <a:r>
-              <a:rPr lang="en-US" sz="5400" b="1" dirty="0">
-                <a:solidFill>
-                  <a:srgbClr val="CF3338"/>
-                </a:solidFill>
-                <a:latin typeface="Pragmatica" panose="020B0403040502020204" pitchFamily="34" charset="0"/>
-              </a:rPr>
-              <a:t>Questions?</a:t>
-            </a:r>
-          </a:p>
-        </p:txBody>
-      </p:sp>
-      <p:pic>
-        <p:nvPicPr>
-          <p:cNvPr id="5" name="Picture 4">
-            <a:extLst>
-              <a:ext uri="{FF2B5EF4-FFF2-40B4-BE49-F238E27FC236}">
-                <a16:creationId xmlns:a16="http://schemas.microsoft.com/office/drawing/2014/main" id="{54A06221-5316-4BCF-9FDA-BDB95FF4A778}"/>
-              </a:ext>
-            </a:extLst>
-          </p:cNvPr>
-          <p:cNvPicPr>
-            <a:picLocks noChangeAspect="1"/>
-          </p:cNvPicPr>
-          <p:nvPr/>
-        </p:nvPicPr>
-        <p:blipFill>
-          <a:blip r:embed="rId4">
-            <a:extLst>
-              <a:ext uri="{28A0092B-C50C-407E-A947-70E740481C1C}">
-                <a14:useLocalDpi xmlns:a14="http://schemas.microsoft.com/office/drawing/2010/main" val="0"/>
-              </a:ext>
-            </a:extLst>
-          </a:blip>
-          <a:srcRect/>
-          <a:stretch/>
-        </p:blipFill>
-        <p:spPr>
-          <a:xfrm>
-            <a:off x="12204691" y="3317239"/>
-            <a:ext cx="6083309" cy="6968672"/>
-          </a:xfrm>
-          <a:prstGeom prst="rect">
-            <a:avLst/>
-          </a:prstGeom>
-        </p:spPr>
-      </p:pic>
-    </p:spTree>
-    <p:extLst>
-      <p:ext uri="{BB962C8B-B14F-4D97-AF65-F5344CB8AC3E}">
-        <p14:creationId xmlns:p14="http://schemas.microsoft.com/office/powerpoint/2010/main" val="1689860732"/>
-      </p:ext>
-    </p:extLst>
-  </p:cSld>
-  <p:clrMapOvr>
-    <a:masterClrMapping/>
-  </p:clrMapOvr>
-</p:sld>
-</file>
-
-<file path=ppt/slides/slide12.xml><?xml version="1.0" encoding="utf-8"?>
-<p:sld xmlns:a="http://schemas.openxmlformats.org/drawingml/2006/main" xmlns:r="http://schemas.openxmlformats.org/officeDocument/2006/relationships" xmlns:p="http://schemas.openxmlformats.org/presentationml/2006/main">
-  <p:cSld>
-    <p:spTree>
-      <p:nvGrpSpPr>
-        <p:cNvPr id="1" name="">
-          <a:extLst>
-            <a:ext uri="{FF2B5EF4-FFF2-40B4-BE49-F238E27FC236}">
               <a16:creationId xmlns:a16="http://schemas.microsoft.com/office/drawing/2014/main" id="{2501CF9C-FC7D-DEAE-2D87-10577021DCAD}"/>
             </a:ext>
           </a:extLst>
@@ -5490,7 +4740,13 @@
   <p:cSld>
     <p:spTree>
       <p:nvGrpSpPr>
-        <p:cNvPr id="1" name=""/>
+        <p:cNvPr id="1" name="">
+          <a:extLst>
+            <a:ext uri="{FF2B5EF4-FFF2-40B4-BE49-F238E27FC236}">
+              <a16:creationId xmlns:a16="http://schemas.microsoft.com/office/drawing/2014/main" id="{B245543C-FC2F-706C-0319-AF2E02C1797B}"/>
+            </a:ext>
+          </a:extLst>
+        </p:cNvPr>
         <p:cNvGrpSpPr/>
         <p:nvPr/>
       </p:nvGrpSpPr>
@@ -5504,7 +4760,13 @@
       </p:grpSpPr>
       <p:sp>
         <p:nvSpPr>
-          <p:cNvPr id="4" name="Rectangle 3"/>
+          <p:cNvPr id="4" name="Rectangle 3">
+            <a:extLst>
+              <a:ext uri="{FF2B5EF4-FFF2-40B4-BE49-F238E27FC236}">
+                <a16:creationId xmlns:a16="http://schemas.microsoft.com/office/drawing/2014/main" id="{490E9BB0-DF62-7CD8-AD9E-9B07D47A3EA3}"/>
+              </a:ext>
+            </a:extLst>
+          </p:cNvPr>
           <p:cNvSpPr/>
           <p:nvPr/>
         </p:nvSpPr>
@@ -5550,7 +4812,13 @@
       </p:sp>
       <p:pic>
         <p:nvPicPr>
-          <p:cNvPr id="2" name="Picture 1"/>
+          <p:cNvPr id="2" name="Picture 1">
+            <a:extLst>
+              <a:ext uri="{FF2B5EF4-FFF2-40B4-BE49-F238E27FC236}">
+                <a16:creationId xmlns:a16="http://schemas.microsoft.com/office/drawing/2014/main" id="{75EAA4D7-8279-B257-6D3E-F96D3198579A}"/>
+              </a:ext>
+            </a:extLst>
+          </p:cNvPr>
           <p:cNvPicPr>
             <a:picLocks noChangeAspect="1"/>
           </p:cNvPicPr>
@@ -5579,14 +4847,20 @@
       </p:pic>
       <p:sp>
         <p:nvSpPr>
-          <p:cNvPr id="3" name="TextBox 2"/>
+          <p:cNvPr id="3" name="TextBox 2">
+            <a:extLst>
+              <a:ext uri="{FF2B5EF4-FFF2-40B4-BE49-F238E27FC236}">
+                <a16:creationId xmlns:a16="http://schemas.microsoft.com/office/drawing/2014/main" id="{74B1D248-3DA4-EF63-972E-3DC8117D97E9}"/>
+              </a:ext>
+            </a:extLst>
+          </p:cNvPr>
           <p:cNvSpPr txBox="1"/>
           <p:nvPr/>
         </p:nvSpPr>
         <p:spPr>
           <a:xfrm>
-            <a:off x="260430" y="329879"/>
-            <a:ext cx="9416969" cy="8986434"/>
+            <a:off x="260431" y="329879"/>
+            <a:ext cx="8906720" cy="4978671"/>
           </a:xfrm>
           <a:prstGeom prst="rect">
             <a:avLst/>
@@ -5606,15 +4880,28 @@
                 </a:solidFill>
                 <a:latin typeface="Pragmatica" panose="020B0403040502020204" pitchFamily="34" charset="0"/>
               </a:rPr>
-              <a:t>Demo: Clean in Excel, scale to the cloud</a:t>
-            </a:r>
-          </a:p>
-          <a:p>
+              <a:t>Office Scripts + Power Automate, part 1</a:t>
+            </a:r>
+          </a:p>
+          <a:p>
+            <a:pPr marL="142875">
+              <a:lnSpc>
+                <a:spcPct val="115000"/>
+              </a:lnSpc>
+              <a:spcBef>
+                <a:spcPts val="1125"/>
+              </a:spcBef>
+              <a:buClr>
+                <a:srgbClr val="C00000"/>
+              </a:buClr>
+              <a:buSzPts val="2100"/>
+            </a:pPr>
             <a:endParaRPr lang="en-US" sz="4200" dirty="0">
               <a:solidFill>
                 <a:srgbClr val="CF3338"/>
               </a:solidFill>
               <a:latin typeface="Pragmatica" panose="020B0403040502020204" pitchFamily="34" charset="0"/>
+              <a:sym typeface="Consolas"/>
             </a:endParaRPr>
           </a:p>
           <a:p>
@@ -5640,8 +4927,246 @@
                 <a:latin typeface="Pragmatica" panose="020B0403040502020204"/>
                 <a:sym typeface="Consolas"/>
               </a:rPr>
-              <a:t>Use Power Query in Excel to clean and shape the Superstore dataset</a:t>
-            </a:r>
+              <a:t>Run a TOC updater script on schedule</a:t>
+            </a:r>
+          </a:p>
+          <a:p>
+            <a:pPr marL="142875">
+              <a:lnSpc>
+                <a:spcPct val="115000"/>
+              </a:lnSpc>
+              <a:spcBef>
+                <a:spcPts val="1125"/>
+              </a:spcBef>
+              <a:buClr>
+                <a:srgbClr val="C00000"/>
+              </a:buClr>
+              <a:buSzPts val="2100"/>
+            </a:pPr>
+            <a:r>
+              <a:rPr lang="en-US" sz="3600" dirty="0">
+                <a:solidFill>
+                  <a:srgbClr val="C00000"/>
+                </a:solidFill>
+                <a:latin typeface="Pragmatica" panose="020B0403040502020204"/>
+                <a:sym typeface="Consolas"/>
+              </a:rPr>
+              <a:t>Files: </a:t>
+            </a:r>
+            <a:r>
+              <a:rPr lang="en-US" sz="3600" dirty="0">
+                <a:solidFill>
+                  <a:srgbClr val="C00000"/>
+                </a:solidFill>
+                <a:latin typeface="Consolas" panose="020B0609020204030204" pitchFamily="49" charset="0"/>
+                <a:sym typeface="Consolas"/>
+              </a:rPr>
+              <a:t>power-automate-office-scripts.xlsx</a:t>
+            </a:r>
+            <a:r>
+              <a:rPr lang="en-US" sz="3600" dirty="0">
+                <a:solidFill>
+                  <a:srgbClr val="C00000"/>
+                </a:solidFill>
+                <a:latin typeface="Pragmatica" panose="020B0403040502020204"/>
+                <a:sym typeface="Consolas"/>
+              </a:rPr>
+              <a:t>, </a:t>
+            </a:r>
+            <a:r>
+              <a:rPr lang="en-US" sz="3600" dirty="0">
+                <a:solidFill>
+                  <a:srgbClr val="C00000"/>
+                </a:solidFill>
+                <a:latin typeface="Consolas" panose="020B0609020204030204" pitchFamily="49" charset="0"/>
+                <a:sym typeface="Consolas"/>
+              </a:rPr>
+              <a:t>add-toc.txt</a:t>
+            </a:r>
+          </a:p>
+        </p:txBody>
+      </p:sp>
+    </p:spTree>
+    <p:extLst>
+      <p:ext uri="{BB962C8B-B14F-4D97-AF65-F5344CB8AC3E}">
+        <p14:creationId xmlns:p14="http://schemas.microsoft.com/office/powerpoint/2010/main" val="2311970800"/>
+      </p:ext>
+    </p:extLst>
+  </p:cSld>
+  <p:clrMapOvr>
+    <a:masterClrMapping/>
+  </p:clrMapOvr>
+</p:sld>
+</file>
+
+<file path=ppt/slides/slide6.xml><?xml version="1.0" encoding="utf-8"?>
+<p:sld xmlns:a="http://schemas.openxmlformats.org/drawingml/2006/main" xmlns:r="http://schemas.openxmlformats.org/officeDocument/2006/relationships" xmlns:p="http://schemas.openxmlformats.org/presentationml/2006/main">
+  <p:cSld>
+    <p:spTree>
+      <p:nvGrpSpPr>
+        <p:cNvPr id="1" name="">
+          <a:extLst>
+            <a:ext uri="{FF2B5EF4-FFF2-40B4-BE49-F238E27FC236}">
+              <a16:creationId xmlns:a16="http://schemas.microsoft.com/office/drawing/2014/main" id="{764F59BA-0C2F-2749-8CB4-7E6DE8743692}"/>
+            </a:ext>
+          </a:extLst>
+        </p:cNvPr>
+        <p:cNvGrpSpPr/>
+        <p:nvPr/>
+      </p:nvGrpSpPr>
+      <p:grpSpPr>
+        <a:xfrm>
+          <a:off x="0" y="0"/>
+          <a:ext cx="0" cy="0"/>
+          <a:chOff x="0" y="0"/>
+          <a:chExt cx="0" cy="0"/>
+        </a:xfrm>
+      </p:grpSpPr>
+      <p:sp>
+        <p:nvSpPr>
+          <p:cNvPr id="4" name="Rectangle 3">
+            <a:extLst>
+              <a:ext uri="{FF2B5EF4-FFF2-40B4-BE49-F238E27FC236}">
+                <a16:creationId xmlns:a16="http://schemas.microsoft.com/office/drawing/2014/main" id="{B454C4F1-8816-5B7C-5A36-487DF1D2DC2B}"/>
+              </a:ext>
+            </a:extLst>
+          </p:cNvPr>
+          <p:cNvSpPr/>
+          <p:nvPr/>
+        </p:nvSpPr>
+        <p:spPr>
+          <a:xfrm>
+            <a:off x="9861630" y="0"/>
+            <a:ext cx="8426370" cy="10287000"/>
+          </a:xfrm>
+          <a:prstGeom prst="rect">
+            <a:avLst/>
+          </a:prstGeom>
+          <a:solidFill>
+            <a:srgbClr val="CF3338"/>
+          </a:solidFill>
+          <a:ln>
+            <a:noFill/>
+          </a:ln>
+        </p:spPr>
+        <p:style>
+          <a:lnRef idx="2">
+            <a:schemeClr val="accent1">
+              <a:shade val="50000"/>
+            </a:schemeClr>
+          </a:lnRef>
+          <a:fillRef idx="1">
+            <a:schemeClr val="accent1"/>
+          </a:fillRef>
+          <a:effectRef idx="0">
+            <a:schemeClr val="accent1"/>
+          </a:effectRef>
+          <a:fontRef idx="minor">
+            <a:schemeClr val="lt1"/>
+          </a:fontRef>
+        </p:style>
+        <p:txBody>
+          <a:bodyPr rtlCol="0" anchor="ctr"/>
+          <a:lstStyle/>
+          <a:p>
+            <a:pPr algn="ctr"/>
+            <a:endParaRPr lang="en-US" sz="2700"/>
+          </a:p>
+        </p:txBody>
+      </p:sp>
+      <p:pic>
+        <p:nvPicPr>
+          <p:cNvPr id="2" name="Picture 1">
+            <a:extLst>
+              <a:ext uri="{FF2B5EF4-FFF2-40B4-BE49-F238E27FC236}">
+                <a16:creationId xmlns:a16="http://schemas.microsoft.com/office/drawing/2014/main" id="{8FD33BFB-92A5-B8BE-BE2A-90100EC88BE0}"/>
+              </a:ext>
+            </a:extLst>
+          </p:cNvPr>
+          <p:cNvPicPr>
+            <a:picLocks noChangeAspect="1"/>
+          </p:cNvPicPr>
+          <p:nvPr/>
+        </p:nvPicPr>
+        <p:blipFill rotWithShape="1">
+          <a:blip r:embed="rId3">
+            <a:extLst>
+              <a:ext uri="{28A0092B-C50C-407E-A947-70E740481C1C}">
+                <a14:useLocalDpi xmlns:a14="http://schemas.microsoft.com/office/drawing/2010/main" val="0"/>
+              </a:ext>
+            </a:extLst>
+          </a:blip>
+          <a:srcRect l="69227" t="33418" r="20112" b="50548"/>
+          <a:stretch/>
+        </p:blipFill>
+        <p:spPr>
+          <a:xfrm>
+            <a:off x="15579524" y="7544693"/>
+            <a:ext cx="2708477" cy="2987579"/>
+          </a:xfrm>
+          <a:prstGeom prst="rect">
+            <a:avLst/>
+          </a:prstGeom>
+        </p:spPr>
+      </p:pic>
+      <p:sp>
+        <p:nvSpPr>
+          <p:cNvPr id="3" name="TextBox 2">
+            <a:extLst>
+              <a:ext uri="{FF2B5EF4-FFF2-40B4-BE49-F238E27FC236}">
+                <a16:creationId xmlns:a16="http://schemas.microsoft.com/office/drawing/2014/main" id="{DB60F8A7-E120-24F7-0163-56AAE5565745}"/>
+              </a:ext>
+            </a:extLst>
+          </p:cNvPr>
+          <p:cNvSpPr txBox="1"/>
+          <p:nvPr/>
+        </p:nvSpPr>
+        <p:spPr>
+          <a:xfrm>
+            <a:off x="260431" y="329879"/>
+            <a:ext cx="8906720" cy="5756832"/>
+          </a:xfrm>
+          <a:prstGeom prst="rect">
+            <a:avLst/>
+          </a:prstGeom>
+          <a:noFill/>
+        </p:spPr>
+        <p:txBody>
+          <a:bodyPr wrap="square" rtlCol="0">
+            <a:spAutoFit/>
+          </a:bodyPr>
+          <a:lstStyle/>
+          <a:p>
+            <a:r>
+              <a:rPr lang="en-US" sz="6000" b="1" dirty="0">
+                <a:solidFill>
+                  <a:srgbClr val="CF3338"/>
+                </a:solidFill>
+                <a:latin typeface="Pragmatica" panose="020B0403040502020204" pitchFamily="34" charset="0"/>
+              </a:rPr>
+              <a:t>Office Scripts + Power Automate, part 2</a:t>
+            </a:r>
+          </a:p>
+          <a:p>
+            <a:pPr marL="142875">
+              <a:lnSpc>
+                <a:spcPct val="115000"/>
+              </a:lnSpc>
+              <a:spcBef>
+                <a:spcPts val="1125"/>
+              </a:spcBef>
+              <a:buClr>
+                <a:srgbClr val="C00000"/>
+              </a:buClr>
+              <a:buSzPts val="2100"/>
+            </a:pPr>
+            <a:endParaRPr lang="en-US" sz="4200" dirty="0">
+              <a:solidFill>
+                <a:srgbClr val="CF3338"/>
+              </a:solidFill>
+              <a:latin typeface="Pragmatica" panose="020B0403040502020204" pitchFamily="34" charset="0"/>
+              <a:sym typeface="Consolas"/>
+            </a:endParaRPr>
           </a:p>
           <a:p>
             <a:pPr marL="714375" indent="-571500">
@@ -5666,7 +5191,7 @@
                 <a:latin typeface="Pragmatica" panose="020B0403040502020204"/>
                 <a:sym typeface="Consolas"/>
               </a:rPr>
-              <a:t>Publish the same transformation logic to a Dataflow</a:t>
+              <a:t>How can we apply the same script to multiple workbooks? </a:t>
             </a:r>
           </a:p>
           <a:p>
@@ -5692,33 +5217,7 @@
                 <a:latin typeface="Pragmatica" panose="020B0403040502020204"/>
                 <a:sym typeface="Consolas"/>
               </a:rPr>
-              <a:t>Apply that logic to enterprise Dataverse tables</a:t>
-            </a:r>
-          </a:p>
-          <a:p>
-            <a:pPr marL="714375" indent="-571500">
-              <a:lnSpc>
-                <a:spcPct val="115000"/>
-              </a:lnSpc>
-              <a:spcBef>
-                <a:spcPts val="1125"/>
-              </a:spcBef>
-              <a:buClr>
-                <a:srgbClr val="C00000"/>
-              </a:buClr>
-              <a:buSzPts val="2100"/>
-              <a:buFont typeface="Arial" panose="020B0604020202020204" pitchFamily="34" charset="0"/>
-              <a:buChar char="•"/>
-            </a:pPr>
-            <a:r>
-              <a:rPr lang="en-US" sz="3600" dirty="0">
-                <a:solidFill>
-                  <a:srgbClr val="C00000"/>
-                </a:solidFill>
-                <a:latin typeface="Pragmatica" panose="020B0403040502020204"/>
-                <a:sym typeface="Consolas"/>
-              </a:rPr>
-              <a:t>Show how one transformation can serve every workflow across the Power Platform</a:t>
+              <a:t>Use conditional logic to validate filetype</a:t>
             </a:r>
           </a:p>
           <a:p>
@@ -5742,7 +5241,7 @@
                 <a:latin typeface="Pragmatica" panose="020B0403040502020204"/>
                 <a:sym typeface="Consolas"/>
               </a:rPr>
-              <a:t>Workbook: </a:t>
+              <a:t>Folder: </a:t>
             </a:r>
             <a:r>
               <a:rPr lang="en-US" sz="3600" dirty="0">
@@ -5752,7 +5251,7 @@
                 <a:latin typeface="Consolas" panose="020B0609020204030204" pitchFamily="49" charset="0"/>
                 <a:sym typeface="Consolas"/>
               </a:rPr>
-              <a:t>wholesale-customers.xlsx</a:t>
+              <a:t>multiple-workbooks</a:t>
             </a:r>
           </a:p>
         </p:txBody>
@@ -5760,7 +5259,7 @@
     </p:spTree>
     <p:extLst>
       <p:ext uri="{BB962C8B-B14F-4D97-AF65-F5344CB8AC3E}">
-        <p14:creationId xmlns:p14="http://schemas.microsoft.com/office/powerpoint/2010/main" val="3871531779"/>
+        <p14:creationId xmlns:p14="http://schemas.microsoft.com/office/powerpoint/2010/main" val="4221522694"/>
       </p:ext>
     </p:extLst>
   </p:cSld>
@@ -5770,7 +5269,7 @@
 </p:sld>
 </file>
 
-<file path=ppt/slides/slide6.xml><?xml version="1.0" encoding="utf-8"?>
+<file path=ppt/slides/slide7.xml><?xml version="1.0" encoding="utf-8"?>
 <p:sld xmlns:a="http://schemas.openxmlformats.org/drawingml/2006/main" xmlns:r="http://schemas.openxmlformats.org/officeDocument/2006/relationships" xmlns:p="http://schemas.openxmlformats.org/presentationml/2006/main">
   <p:cSld>
     <p:spTree>
@@ -5845,7 +5344,7 @@
         <p:spPr>
           <a:xfrm>
             <a:off x="520861" y="2095500"/>
-            <a:ext cx="14393120" cy="5078313"/>
+            <a:ext cx="14393120" cy="6740307"/>
           </a:xfrm>
           <a:prstGeom prst="rect">
             <a:avLst/>
@@ -5872,7 +5371,7 @@
                 </a:solidFill>
                 <a:latin typeface="Pragmatica" panose="020B0403040502020204" pitchFamily="34" charset="0"/>
               </a:rPr>
-              <a:t>AI needs consistent, well defined tables, not one off cleanup</a:t>
+              <a:t>AI gives insights: Scripts + Flows make them happen</a:t>
             </a:r>
           </a:p>
           <a:p>
@@ -5890,7 +5389,7 @@
                 </a:solidFill>
                 <a:latin typeface="Pragmatica" panose="020B0403040502020204" pitchFamily="34" charset="0"/>
               </a:rPr>
-              <a:t>Dataflows give Copilot Studio reliable inputs for reasoning and actions</a:t>
+              <a:t>Turns AI-generated logic into repeatable, scheduled workflows</a:t>
             </a:r>
           </a:p>
           <a:p>
@@ -5908,7 +5407,25 @@
                 </a:solidFill>
                 <a:latin typeface="Pragmatica" panose="020B0403040502020204" pitchFamily="34" charset="0"/>
               </a:rPr>
-              <a:t>You cannot build strong copilots without strong data foundations</a:t>
+              <a:t>Gives Copilot a place to hand off real work (refresh, clean, notify) </a:t>
+            </a:r>
+          </a:p>
+          <a:p>
+            <a:pPr marL="685800" indent="-685800">
+              <a:buClr>
+                <a:srgbClr val="CF3338"/>
+              </a:buClr>
+              <a:buFont typeface="Arial" panose="020B0604020202020204" pitchFamily="34" charset="0"/>
+              <a:buChar char="•"/>
+            </a:pPr>
+            <a:r>
+              <a:rPr lang="en-US" sz="5400" dirty="0">
+                <a:solidFill>
+                  <a:srgbClr val="707070"/>
+                </a:solidFill>
+                <a:latin typeface="Pragmatica" panose="020B0403040502020204" pitchFamily="34" charset="0"/>
+              </a:rPr>
+              <a:t>Builds the “execution layer” of the Modern Excel AI Stack.</a:t>
             </a:r>
           </a:p>
         </p:txBody>
@@ -5962,7 +5479,7 @@
 </p:sld>
 </file>
 
-<file path=ppt/slides/slide7.xml><?xml version="1.0" encoding="utf-8"?>
+<file path=ppt/slides/slide8.xml><?xml version="1.0" encoding="utf-8"?>
 <p:sld xmlns:a="http://schemas.openxmlformats.org/drawingml/2006/main" xmlns:r="http://schemas.openxmlformats.org/officeDocument/2006/relationships" xmlns:p="http://schemas.openxmlformats.org/presentationml/2006/main">
   <p:cSld>
     <p:spTree>
@@ -6017,7 +5534,7 @@
               <a:rPr lang="en-US" sz="6600" dirty="0">
                 <a:latin typeface="Aliens &amp; cows" panose="00000500000000000000" pitchFamily="2" charset="0"/>
               </a:rPr>
-              <a:t>Day 3 preview: The intelligence layer with Excel</a:t>
+              <a:t>Day 5 preview: The intelligence layer with Excel</a:t>
             </a:r>
           </a:p>
         </p:txBody>
@@ -6037,7 +5554,7 @@
         <p:spPr>
           <a:xfrm>
             <a:off x="520861" y="2095500"/>
-            <a:ext cx="14393120" cy="5909310"/>
+            <a:ext cx="14393120" cy="6740307"/>
           </a:xfrm>
           <a:prstGeom prst="rect">
             <a:avLst/>
@@ -6064,7 +5581,7 @@
                 </a:solidFill>
                 <a:latin typeface="Pragmatica" panose="020B0403040502020204" pitchFamily="34" charset="0"/>
               </a:rPr>
-              <a:t>Use Copilot inside Excel to create formulas, charts, and insights</a:t>
+              <a:t>Build your own Copilot for your team or department.</a:t>
             </a:r>
           </a:p>
           <a:p>
@@ -6082,7 +5599,7 @@
                 </a:solidFill>
                 <a:latin typeface="Pragmatica" panose="020B0403040502020204" pitchFamily="34" charset="0"/>
               </a:rPr>
-              <a:t>Run Python for analytics, modeling, and forecasting</a:t>
+              <a:t>Connect it to Excel, Power Automate, Teams, and your data.</a:t>
             </a:r>
           </a:p>
           <a:p>
@@ -6100,7 +5617,7 @@
                 </a:solidFill>
                 <a:latin typeface="Pragmatica" panose="020B0403040502020204" pitchFamily="34" charset="0"/>
               </a:rPr>
-              <a:t>See how Agent Mode handles multi step analytical tasks</a:t>
+              <a:t>See how your Scripts + Flows become actions your Copilot can call.</a:t>
             </a:r>
           </a:p>
           <a:p>
@@ -6111,12 +5628,15 @@
               <a:buFont typeface="Arial" panose="020B0604020202020204" pitchFamily="34" charset="0"/>
               <a:buChar char="•"/>
             </a:pPr>
-            <a:endParaRPr lang="en-US" sz="5400" dirty="0">
-              <a:solidFill>
-                <a:srgbClr val="707070"/>
-              </a:solidFill>
-              <a:latin typeface="Pragmatica" panose="020B0403040502020204" pitchFamily="34" charset="0"/>
-            </a:endParaRPr>
+            <a:r>
+              <a:rPr lang="en-US" sz="5400" dirty="0">
+                <a:solidFill>
+                  <a:srgbClr val="707070"/>
+                </a:solidFill>
+                <a:latin typeface="Pragmatica" panose="020B0403040502020204" pitchFamily="34" charset="0"/>
+              </a:rPr>
+              <a:t>Learn the orchestration layer, where AI starts coordinating your whole workflow.</a:t>
+            </a:r>
           </a:p>
         </p:txBody>
       </p:sp>
@@ -6169,18 +5689,12 @@
 </p:sld>
 </file>
 
-<file path=ppt/slides/slide8.xml><?xml version="1.0" encoding="utf-8"?>
+<file path=ppt/slides/slide9.xml><?xml version="1.0" encoding="utf-8"?>
 <p:sld xmlns:a="http://schemas.openxmlformats.org/drawingml/2006/main" xmlns:r="http://schemas.openxmlformats.org/officeDocument/2006/relationships" xmlns:p="http://schemas.openxmlformats.org/presentationml/2006/main">
   <p:cSld>
     <p:spTree>
       <p:nvGrpSpPr>
-        <p:cNvPr id="1" name="">
-          <a:extLst>
-            <a:ext uri="{FF2B5EF4-FFF2-40B4-BE49-F238E27FC236}">
-              <a16:creationId xmlns:a16="http://schemas.microsoft.com/office/drawing/2014/main" id="{B245543C-FC2F-706C-0319-AF2E02C1797B}"/>
-            </a:ext>
-          </a:extLst>
-        </p:cNvPr>
+        <p:cNvPr id="1" name=""/>
         <p:cNvGrpSpPr/>
         <p:nvPr/>
       </p:nvGrpSpPr>
@@ -6192,64 +5706,105 @@
           <a:chExt cx="0" cy="0"/>
         </a:xfrm>
       </p:grpSpPr>
-      <p:sp>
-        <p:nvSpPr>
-          <p:cNvPr id="4" name="Rectangle 3">
+      <p:pic>
+        <p:nvPicPr>
+          <p:cNvPr id="10" name="Picture 9"/>
+          <p:cNvPicPr>
+            <a:picLocks noChangeAspect="1"/>
+          </p:cNvPicPr>
+          <p:nvPr/>
+        </p:nvPicPr>
+        <p:blipFill rotWithShape="1">
+          <a:blip r:embed="rId2">
             <a:extLst>
-              <a:ext uri="{FF2B5EF4-FFF2-40B4-BE49-F238E27FC236}">
-                <a16:creationId xmlns:a16="http://schemas.microsoft.com/office/drawing/2014/main" id="{490E9BB0-DF62-7CD8-AD9E-9B07D47A3EA3}"/>
+              <a:ext uri="{28A0092B-C50C-407E-A947-70E740481C1C}">
+                <a14:useLocalDpi xmlns:a14="http://schemas.microsoft.com/office/drawing/2010/main" val="0"/>
               </a:ext>
             </a:extLst>
-          </p:cNvPr>
-          <p:cNvSpPr/>
-          <p:nvPr/>
-        </p:nvSpPr>
+          </a:blip>
+          <a:srcRect l="50728" t="56371"/>
+          <a:stretch/>
+        </p:blipFill>
         <p:spPr>
           <a:xfrm>
-            <a:off x="9861630" y="0"/>
-            <a:ext cx="8426370" cy="10287000"/>
+            <a:off x="12204691" y="3316148"/>
+            <a:ext cx="6083309" cy="6970854"/>
           </a:xfrm>
           <a:prstGeom prst="rect">
             <a:avLst/>
           </a:prstGeom>
-          <a:solidFill>
-            <a:srgbClr val="CF3338"/>
-          </a:solidFill>
-          <a:ln>
-            <a:noFill/>
-          </a:ln>
         </p:spPr>
-        <p:style>
-          <a:lnRef idx="2">
-            <a:schemeClr val="accent1">
-              <a:shade val="50000"/>
-            </a:schemeClr>
-          </a:lnRef>
-          <a:fillRef idx="1">
-            <a:schemeClr val="accent1"/>
-          </a:fillRef>
-          <a:effectRef idx="0">
-            <a:schemeClr val="accent1"/>
-          </a:effectRef>
-          <a:fontRef idx="minor">
-            <a:schemeClr val="lt1"/>
-          </a:fontRef>
-        </p:style>
-        <p:txBody>
-          <a:bodyPr rtlCol="0" anchor="ctr"/>
-          <a:lstStyle/>
-          <a:p>
-            <a:pPr algn="ctr"/>
-            <a:endParaRPr lang="en-US" sz="2700"/>
-          </a:p>
-        </p:txBody>
-      </p:sp>
+      </p:pic>
       <p:pic>
         <p:nvPicPr>
-          <p:cNvPr id="2" name="Picture 1">
+          <p:cNvPr id="4" name="Picture 3"/>
+          <p:cNvPicPr>
+            <a:picLocks noChangeAspect="1"/>
+          </p:cNvPicPr>
+          <p:nvPr/>
+        </p:nvPicPr>
+        <p:blipFill>
+          <a:blip r:embed="rId3">
+            <a:extLst>
+              <a:ext uri="{28A0092B-C50C-407E-A947-70E740481C1C}">
+                <a14:useLocalDpi xmlns:a14="http://schemas.microsoft.com/office/drawing/2010/main" val="0"/>
+              </a:ext>
+            </a:extLst>
+          </a:blip>
+          <a:stretch>
+            <a:fillRect/>
+          </a:stretch>
+        </p:blipFill>
+        <p:spPr>
+          <a:xfrm>
+            <a:off x="-807744" y="-3724155"/>
+            <a:ext cx="15257208" cy="11189825"/>
+          </a:xfrm>
+          <a:prstGeom prst="rect">
+            <a:avLst/>
+          </a:prstGeom>
+        </p:spPr>
+      </p:pic>
+      <p:sp>
+        <p:nvSpPr>
+          <p:cNvPr id="11" name="TextBox 10"/>
+          <p:cNvSpPr txBox="1"/>
+          <p:nvPr/>
+        </p:nvSpPr>
+        <p:spPr>
+          <a:xfrm>
+            <a:off x="486137" y="2531318"/>
+            <a:ext cx="11979797" cy="923330"/>
+          </a:xfrm>
+          <a:prstGeom prst="rect">
+            <a:avLst/>
+          </a:prstGeom>
+          <a:noFill/>
+        </p:spPr>
+        <p:txBody>
+          <a:bodyPr wrap="square" rtlCol="0">
+            <a:spAutoFit/>
+          </a:bodyPr>
+          <a:lstStyle/>
+          <a:p>
+            <a:r>
+              <a:rPr lang="en-US" sz="5400" b="1" dirty="0">
+                <a:solidFill>
+                  <a:srgbClr val="CF3338"/>
+                </a:solidFill>
+                <a:latin typeface="Pragmatica" panose="020B0403040502020204" pitchFamily="34" charset="0"/>
+              </a:rPr>
+              <a:t>Questions?</a:t>
+            </a:r>
+          </a:p>
+        </p:txBody>
+      </p:sp>
+      <p:pic>
+        <p:nvPicPr>
+          <p:cNvPr id="5" name="Picture 4">
             <a:extLst>
               <a:ext uri="{FF2B5EF4-FFF2-40B4-BE49-F238E27FC236}">
-                <a16:creationId xmlns:a16="http://schemas.microsoft.com/office/drawing/2014/main" id="{75EAA4D7-8279-B257-6D3E-F96D3198579A}"/>
+                <a16:creationId xmlns:a16="http://schemas.microsoft.com/office/drawing/2014/main" id="{54A06221-5316-4BCF-9FDA-BDB95FF4A778}"/>
               </a:ext>
             </a:extLst>
           </p:cNvPr>
@@ -6258,530 +5813,31 @@
           </p:cNvPicPr>
           <p:nvPr/>
         </p:nvPicPr>
-        <p:blipFill rotWithShape="1">
-          <a:blip r:embed="rId3">
+        <p:blipFill>
+          <a:blip r:embed="rId4">
             <a:extLst>
               <a:ext uri="{28A0092B-C50C-407E-A947-70E740481C1C}">
                 <a14:useLocalDpi xmlns:a14="http://schemas.microsoft.com/office/drawing/2010/main" val="0"/>
               </a:ext>
             </a:extLst>
           </a:blip>
-          <a:srcRect l="69227" t="33418" r="20112" b="50548"/>
+          <a:srcRect/>
           <a:stretch/>
         </p:blipFill>
         <p:spPr>
           <a:xfrm>
-            <a:off x="15579524" y="7544693"/>
-            <a:ext cx="2708477" cy="2987579"/>
+            <a:off x="12204691" y="3317239"/>
+            <a:ext cx="6083309" cy="6968672"/>
           </a:xfrm>
           <a:prstGeom prst="rect">
             <a:avLst/>
           </a:prstGeom>
         </p:spPr>
       </p:pic>
-      <p:sp>
-        <p:nvSpPr>
-          <p:cNvPr id="3" name="TextBox 2">
-            <a:extLst>
-              <a:ext uri="{FF2B5EF4-FFF2-40B4-BE49-F238E27FC236}">
-                <a16:creationId xmlns:a16="http://schemas.microsoft.com/office/drawing/2014/main" id="{74B1D248-3DA4-EF63-972E-3DC8117D97E9}"/>
-              </a:ext>
-            </a:extLst>
-          </p:cNvPr>
-          <p:cNvSpPr txBox="1"/>
-          <p:nvPr/>
-        </p:nvSpPr>
-        <p:spPr>
-          <a:xfrm>
-            <a:off x="260431" y="329879"/>
-            <a:ext cx="8906720" cy="7668831"/>
-          </a:xfrm>
-          <a:prstGeom prst="rect">
-            <a:avLst/>
-          </a:prstGeom>
-          <a:noFill/>
-        </p:spPr>
-        <p:txBody>
-          <a:bodyPr wrap="square" rtlCol="0">
-            <a:spAutoFit/>
-          </a:bodyPr>
-          <a:lstStyle/>
-          <a:p>
-            <a:r>
-              <a:rPr lang="en-US" sz="6000" b="1" dirty="0">
-                <a:solidFill>
-                  <a:srgbClr val="CF3338"/>
-                </a:solidFill>
-                <a:latin typeface="Pragmatica" panose="020B0403040502020204" pitchFamily="34" charset="0"/>
-              </a:rPr>
-              <a:t>Office Scripts + Power Automate, part 1</a:t>
-            </a:r>
-          </a:p>
-          <a:p>
-            <a:pPr marL="142875">
-              <a:lnSpc>
-                <a:spcPct val="115000"/>
-              </a:lnSpc>
-              <a:spcBef>
-                <a:spcPts val="1125"/>
-              </a:spcBef>
-              <a:buClr>
-                <a:srgbClr val="C00000"/>
-              </a:buClr>
-              <a:buSzPts val="2100"/>
-            </a:pPr>
-            <a:endParaRPr lang="en-US" sz="4200" dirty="0">
-              <a:solidFill>
-                <a:srgbClr val="CF3338"/>
-              </a:solidFill>
-              <a:latin typeface="Pragmatica" panose="020B0403040502020204" pitchFamily="34" charset="0"/>
-              <a:sym typeface="Consolas"/>
-            </a:endParaRPr>
-          </a:p>
-          <a:p>
-            <a:pPr marL="714375" indent="-571500">
-              <a:lnSpc>
-                <a:spcPct val="115000"/>
-              </a:lnSpc>
-              <a:spcBef>
-                <a:spcPts val="1125"/>
-              </a:spcBef>
-              <a:buClr>
-                <a:srgbClr val="C00000"/>
-              </a:buClr>
-              <a:buSzPts val="2100"/>
-              <a:buFont typeface="Arial" panose="020B0604020202020204" pitchFamily="34" charset="0"/>
-              <a:buChar char="•"/>
-            </a:pPr>
-            <a:r>
-              <a:rPr lang="en-US" sz="3600" dirty="0">
-                <a:solidFill>
-                  <a:srgbClr val="C00000"/>
-                </a:solidFill>
-                <a:latin typeface="Pragmatica" panose="020B0403040502020204"/>
-                <a:sym typeface="Consolas"/>
-              </a:rPr>
-              <a:t>Run a TOC updater script on schedule</a:t>
-            </a:r>
-          </a:p>
-          <a:p>
-            <a:pPr marL="714375" indent="-571500">
-              <a:lnSpc>
-                <a:spcPct val="115000"/>
-              </a:lnSpc>
-              <a:spcBef>
-                <a:spcPts val="1125"/>
-              </a:spcBef>
-              <a:buClr>
-                <a:srgbClr val="C00000"/>
-              </a:buClr>
-              <a:buSzPts val="2100"/>
-              <a:buFont typeface="Arial" panose="020B0604020202020204" pitchFamily="34" charset="0"/>
-              <a:buChar char="•"/>
-            </a:pPr>
-            <a:r>
-              <a:rPr lang="en-US" sz="3600" dirty="0">
-                <a:solidFill>
-                  <a:srgbClr val="C00000"/>
-                </a:solidFill>
-                <a:latin typeface="Pragmatica" panose="020B0403040502020204"/>
-                <a:sym typeface="Consolas"/>
-              </a:rPr>
-              <a:t>Files: </a:t>
-            </a:r>
-            <a:r>
-              <a:rPr lang="en-US" sz="3600" dirty="0">
-                <a:solidFill>
-                  <a:srgbClr val="C00000"/>
-                </a:solidFill>
-                <a:latin typeface="Consolas" panose="020B0609020204030204" pitchFamily="49" charset="0"/>
-                <a:sym typeface="Consolas"/>
-              </a:rPr>
-              <a:t>power-automate-office-scripts.xlsx</a:t>
-            </a:r>
-            <a:r>
-              <a:rPr lang="en-US" sz="3600" dirty="0">
-                <a:solidFill>
-                  <a:srgbClr val="C00000"/>
-                </a:solidFill>
-                <a:latin typeface="Pragmatica" panose="020B0403040502020204"/>
-                <a:sym typeface="Consolas"/>
-              </a:rPr>
-              <a:t>, </a:t>
-            </a:r>
-            <a:r>
-              <a:rPr lang="en-US" sz="3600" dirty="0">
-                <a:solidFill>
-                  <a:srgbClr val="C00000"/>
-                </a:solidFill>
-                <a:latin typeface="Consolas" panose="020B0609020204030204" pitchFamily="49" charset="0"/>
-                <a:sym typeface="Consolas"/>
-              </a:rPr>
-              <a:t>add-toc.txt</a:t>
-            </a:r>
-          </a:p>
-          <a:p>
-            <a:pPr marL="714375" indent="-571500">
-              <a:lnSpc>
-                <a:spcPct val="115000"/>
-              </a:lnSpc>
-              <a:spcBef>
-                <a:spcPts val="1125"/>
-              </a:spcBef>
-              <a:buClr>
-                <a:srgbClr val="C00000"/>
-              </a:buClr>
-              <a:buSzPts val="2100"/>
-              <a:buFont typeface="Arial" panose="020B0604020202020204" pitchFamily="34" charset="0"/>
-              <a:buChar char="•"/>
-            </a:pPr>
-            <a:r>
-              <a:rPr lang="en-US" sz="3600" dirty="0">
-                <a:solidFill>
-                  <a:srgbClr val="C00000"/>
-                </a:solidFill>
-                <a:latin typeface="Pragmatica" panose="020B0403040502020204"/>
-                <a:sym typeface="Consolas"/>
-              </a:rPr>
-              <a:t>Resource: </a:t>
-            </a:r>
-            <a:r>
-              <a:rPr lang="en-US" sz="3600" dirty="0">
-                <a:solidFill>
-                  <a:srgbClr val="CF3338"/>
-                </a:solidFill>
-                <a:latin typeface="Pragmatica" panose="020B0403040502020204"/>
-                <a:sym typeface="Consolas"/>
-              </a:rPr>
-              <a:t>https://stringfestanalytics.com/how-to-get-started-with-power-automate-for-excel/</a:t>
-            </a:r>
-            <a:endParaRPr lang="en-US" sz="6000" dirty="0">
-              <a:solidFill>
-                <a:srgbClr val="CF3338"/>
-              </a:solidFill>
-              <a:latin typeface="Pragmatica" panose="020B0403040502020204" pitchFamily="34" charset="0"/>
-            </a:endParaRPr>
-          </a:p>
-        </p:txBody>
-      </p:sp>
     </p:spTree>
     <p:extLst>
       <p:ext uri="{BB962C8B-B14F-4D97-AF65-F5344CB8AC3E}">
-        <p14:creationId xmlns:p14="http://schemas.microsoft.com/office/powerpoint/2010/main" val="2210277007"/>
-      </p:ext>
-    </p:extLst>
-  </p:cSld>
-  <p:clrMapOvr>
-    <a:masterClrMapping/>
-  </p:clrMapOvr>
-</p:sld>
-</file>
-
-<file path=ppt/slides/slide9.xml><?xml version="1.0" encoding="utf-8"?>
-<p:sld xmlns:a="http://schemas.openxmlformats.org/drawingml/2006/main" xmlns:r="http://schemas.openxmlformats.org/officeDocument/2006/relationships" xmlns:p="http://schemas.openxmlformats.org/presentationml/2006/main">
-  <p:cSld>
-    <p:spTree>
-      <p:nvGrpSpPr>
-        <p:cNvPr id="1" name="">
-          <a:extLst>
-            <a:ext uri="{FF2B5EF4-FFF2-40B4-BE49-F238E27FC236}">
-              <a16:creationId xmlns:a16="http://schemas.microsoft.com/office/drawing/2014/main" id="{764F59BA-0C2F-2749-8CB4-7E6DE8743692}"/>
-            </a:ext>
-          </a:extLst>
-        </p:cNvPr>
-        <p:cNvGrpSpPr/>
-        <p:nvPr/>
-      </p:nvGrpSpPr>
-      <p:grpSpPr>
-        <a:xfrm>
-          <a:off x="0" y="0"/>
-          <a:ext cx="0" cy="0"/>
-          <a:chOff x="0" y="0"/>
-          <a:chExt cx="0" cy="0"/>
-        </a:xfrm>
-      </p:grpSpPr>
-      <p:sp>
-        <p:nvSpPr>
-          <p:cNvPr id="4" name="Rectangle 3">
-            <a:extLst>
-              <a:ext uri="{FF2B5EF4-FFF2-40B4-BE49-F238E27FC236}">
-                <a16:creationId xmlns:a16="http://schemas.microsoft.com/office/drawing/2014/main" id="{B454C4F1-8816-5B7C-5A36-487DF1D2DC2B}"/>
-              </a:ext>
-            </a:extLst>
-          </p:cNvPr>
-          <p:cNvSpPr/>
-          <p:nvPr/>
-        </p:nvSpPr>
-        <p:spPr>
-          <a:xfrm>
-            <a:off x="9861630" y="0"/>
-            <a:ext cx="8426370" cy="10287000"/>
-          </a:xfrm>
-          <a:prstGeom prst="rect">
-            <a:avLst/>
-          </a:prstGeom>
-          <a:solidFill>
-            <a:srgbClr val="CF3338"/>
-          </a:solidFill>
-          <a:ln>
-            <a:noFill/>
-          </a:ln>
-        </p:spPr>
-        <p:style>
-          <a:lnRef idx="2">
-            <a:schemeClr val="accent1">
-              <a:shade val="50000"/>
-            </a:schemeClr>
-          </a:lnRef>
-          <a:fillRef idx="1">
-            <a:schemeClr val="accent1"/>
-          </a:fillRef>
-          <a:effectRef idx="0">
-            <a:schemeClr val="accent1"/>
-          </a:effectRef>
-          <a:fontRef idx="minor">
-            <a:schemeClr val="lt1"/>
-          </a:fontRef>
-        </p:style>
-        <p:txBody>
-          <a:bodyPr rtlCol="0" anchor="ctr"/>
-          <a:lstStyle/>
-          <a:p>
-            <a:pPr algn="ctr"/>
-            <a:endParaRPr lang="en-US" sz="2700"/>
-          </a:p>
-        </p:txBody>
-      </p:sp>
-      <p:pic>
-        <p:nvPicPr>
-          <p:cNvPr id="2" name="Picture 1">
-            <a:extLst>
-              <a:ext uri="{FF2B5EF4-FFF2-40B4-BE49-F238E27FC236}">
-                <a16:creationId xmlns:a16="http://schemas.microsoft.com/office/drawing/2014/main" id="{8FD33BFB-92A5-B8BE-BE2A-90100EC88BE0}"/>
-              </a:ext>
-            </a:extLst>
-          </p:cNvPr>
-          <p:cNvPicPr>
-            <a:picLocks noChangeAspect="1"/>
-          </p:cNvPicPr>
-          <p:nvPr/>
-        </p:nvPicPr>
-        <p:blipFill rotWithShape="1">
-          <a:blip r:embed="rId3">
-            <a:extLst>
-              <a:ext uri="{28A0092B-C50C-407E-A947-70E740481C1C}">
-                <a14:useLocalDpi xmlns:a14="http://schemas.microsoft.com/office/drawing/2010/main" val="0"/>
-              </a:ext>
-            </a:extLst>
-          </a:blip>
-          <a:srcRect l="69227" t="33418" r="20112" b="50548"/>
-          <a:stretch/>
-        </p:blipFill>
-        <p:spPr>
-          <a:xfrm>
-            <a:off x="15579524" y="7544693"/>
-            <a:ext cx="2708477" cy="2987579"/>
-          </a:xfrm>
-          <a:prstGeom prst="rect">
-            <a:avLst/>
-          </a:prstGeom>
-        </p:spPr>
-      </p:pic>
-      <p:sp>
-        <p:nvSpPr>
-          <p:cNvPr id="3" name="TextBox 2">
-            <a:extLst>
-              <a:ext uri="{FF2B5EF4-FFF2-40B4-BE49-F238E27FC236}">
-                <a16:creationId xmlns:a16="http://schemas.microsoft.com/office/drawing/2014/main" id="{DB60F8A7-E120-24F7-0163-56AAE5565745}"/>
-              </a:ext>
-            </a:extLst>
-          </p:cNvPr>
-          <p:cNvSpPr txBox="1"/>
-          <p:nvPr/>
-        </p:nvSpPr>
-        <p:spPr>
-          <a:xfrm>
-            <a:off x="260431" y="329879"/>
-            <a:ext cx="8906720" cy="9084090"/>
-          </a:xfrm>
-          <a:prstGeom prst="rect">
-            <a:avLst/>
-          </a:prstGeom>
-          <a:noFill/>
-        </p:spPr>
-        <p:txBody>
-          <a:bodyPr wrap="square" rtlCol="0">
-            <a:spAutoFit/>
-          </a:bodyPr>
-          <a:lstStyle/>
-          <a:p>
-            <a:r>
-              <a:rPr lang="en-US" sz="6000" b="1" dirty="0">
-                <a:solidFill>
-                  <a:srgbClr val="CF3338"/>
-                </a:solidFill>
-                <a:latin typeface="Pragmatica" panose="020B0403040502020204" pitchFamily="34" charset="0"/>
-              </a:rPr>
-              <a:t>Office Scripts + Power Automate, part 2</a:t>
-            </a:r>
-          </a:p>
-          <a:p>
-            <a:pPr marL="142875">
-              <a:lnSpc>
-                <a:spcPct val="115000"/>
-              </a:lnSpc>
-              <a:spcBef>
-                <a:spcPts val="1125"/>
-              </a:spcBef>
-              <a:buClr>
-                <a:srgbClr val="C00000"/>
-              </a:buClr>
-              <a:buSzPts val="2100"/>
-            </a:pPr>
-            <a:endParaRPr lang="en-US" sz="4200" dirty="0">
-              <a:solidFill>
-                <a:srgbClr val="CF3338"/>
-              </a:solidFill>
-              <a:latin typeface="Pragmatica" panose="020B0403040502020204" pitchFamily="34" charset="0"/>
-              <a:sym typeface="Consolas"/>
-            </a:endParaRPr>
-          </a:p>
-          <a:p>
-            <a:pPr marL="714375" indent="-571500">
-              <a:lnSpc>
-                <a:spcPct val="115000"/>
-              </a:lnSpc>
-              <a:spcBef>
-                <a:spcPts val="1125"/>
-              </a:spcBef>
-              <a:buClr>
-                <a:srgbClr val="C00000"/>
-              </a:buClr>
-              <a:buSzPts val="2100"/>
-              <a:buFont typeface="Arial" panose="020B0604020202020204" pitchFamily="34" charset="0"/>
-              <a:buChar char="•"/>
-            </a:pPr>
-            <a:r>
-              <a:rPr lang="en-US" sz="3600" dirty="0">
-                <a:solidFill>
-                  <a:srgbClr val="C00000"/>
-                </a:solidFill>
-                <a:latin typeface="Pragmatica" panose="020B0403040502020204"/>
-                <a:sym typeface="Consolas"/>
-              </a:rPr>
-              <a:t>How can we apply the same script to multiple workbooks? </a:t>
-            </a:r>
-          </a:p>
-          <a:p>
-            <a:pPr marL="714375" indent="-571500">
-              <a:lnSpc>
-                <a:spcPct val="115000"/>
-              </a:lnSpc>
-              <a:spcBef>
-                <a:spcPts val="1125"/>
-              </a:spcBef>
-              <a:buClr>
-                <a:srgbClr val="C00000"/>
-              </a:buClr>
-              <a:buSzPts val="2100"/>
-              <a:buFont typeface="Arial" panose="020B0604020202020204" pitchFamily="34" charset="0"/>
-              <a:buChar char="•"/>
-            </a:pPr>
-            <a:r>
-              <a:rPr lang="en-US" sz="3600" dirty="0">
-                <a:solidFill>
-                  <a:srgbClr val="C00000"/>
-                </a:solidFill>
-                <a:latin typeface="Pragmatica" panose="020B0403040502020204"/>
-                <a:sym typeface="Consolas"/>
-              </a:rPr>
-              <a:t>Use conditional logic to validate filetype</a:t>
-            </a:r>
-          </a:p>
-          <a:p>
-            <a:pPr marL="714375" indent="-571500">
-              <a:lnSpc>
-                <a:spcPct val="115000"/>
-              </a:lnSpc>
-              <a:spcBef>
-                <a:spcPts val="1125"/>
-              </a:spcBef>
-              <a:buClr>
-                <a:srgbClr val="C00000"/>
-              </a:buClr>
-              <a:buSzPts val="2100"/>
-              <a:buFont typeface="Arial" panose="020B0604020202020204" pitchFamily="34" charset="0"/>
-              <a:buChar char="•"/>
-            </a:pPr>
-            <a:r>
-              <a:rPr lang="en-US" sz="3600" dirty="0">
-                <a:solidFill>
-                  <a:srgbClr val="C00000"/>
-                </a:solidFill>
-                <a:latin typeface="Pragmatica" panose="020B0403040502020204"/>
-                <a:sym typeface="Consolas"/>
-              </a:rPr>
-              <a:t>Folder: </a:t>
-            </a:r>
-            <a:r>
-              <a:rPr lang="en-US" sz="3600" dirty="0">
-                <a:solidFill>
-                  <a:srgbClr val="C00000"/>
-                </a:solidFill>
-                <a:latin typeface="Consolas" panose="020B0609020204030204" pitchFamily="49" charset="0"/>
-                <a:sym typeface="Consolas"/>
-              </a:rPr>
-              <a:t>multiple-workbooks</a:t>
-            </a:r>
-          </a:p>
-          <a:p>
-            <a:pPr marL="714375" indent="-571500">
-              <a:lnSpc>
-                <a:spcPct val="115000"/>
-              </a:lnSpc>
-              <a:spcBef>
-                <a:spcPts val="1125"/>
-              </a:spcBef>
-              <a:buClr>
-                <a:srgbClr val="C00000"/>
-              </a:buClr>
-              <a:buSzPts val="2100"/>
-              <a:buFont typeface="Arial" panose="020B0604020202020204" pitchFamily="34" charset="0"/>
-              <a:buChar char="•"/>
-            </a:pPr>
-            <a:r>
-              <a:rPr lang="en-US" sz="3600" dirty="0">
-                <a:solidFill>
-                  <a:srgbClr val="C00000"/>
-                </a:solidFill>
-                <a:latin typeface="Pragmatica" panose="020B0403040502020204"/>
-                <a:sym typeface="Consolas"/>
-              </a:rPr>
-              <a:t>Resource: </a:t>
-            </a:r>
-            <a:r>
-              <a:rPr lang="en-US" sz="3600" dirty="0">
-                <a:solidFill>
-                  <a:srgbClr val="CF3338"/>
-                </a:solidFill>
-                <a:latin typeface="Pragmatica" panose="020B0403040502020204"/>
-                <a:sym typeface="Consolas"/>
-              </a:rPr>
-              <a:t>https://stringfestanalytics.com/how-to-run-an-office-script-on-all-excel-workbooks-in-a-folder-with-power-automate/</a:t>
-            </a:r>
-            <a:endParaRPr lang="en-US" sz="6000" dirty="0">
-              <a:solidFill>
-                <a:srgbClr val="CF3338"/>
-              </a:solidFill>
-              <a:latin typeface="Pragmatica" panose="020B0403040502020204" pitchFamily="34" charset="0"/>
-            </a:endParaRPr>
-          </a:p>
-        </p:txBody>
-      </p:sp>
-    </p:spTree>
-    <p:extLst>
-      <p:ext uri="{BB962C8B-B14F-4D97-AF65-F5344CB8AC3E}">
-        <p14:creationId xmlns:p14="http://schemas.microsoft.com/office/powerpoint/2010/main" val="1406664540"/>
+        <p14:creationId xmlns:p14="http://schemas.microsoft.com/office/powerpoint/2010/main" val="1689860732"/>
       </p:ext>
     </p:extLst>
   </p:cSld>

--- a/day-4-office-scripts-power-automate/day-4-office-scripts-power-automate.pptx
+++ b/day-4-office-scripts-power-automate/day-4-office-scripts-power-automate.pptx
@@ -253,7 +253,7 @@
           <a:p>
             <a:fld id="{17A98A70-FA8C-4354-959C-C70678AC9BCF}" type="datetimeFigureOut">
               <a:rPr lang="en-US" smtClean="0"/>
-              <a:t>11/21/2025</a:t>
+              <a:t>12/1/2025</a:t>
             </a:fld>
             <a:endParaRPr lang="en-US"/>
           </a:p>
@@ -525,6 +525,148 @@
   <p:cSld>
     <p:spTree>
       <p:nvGrpSpPr>
+        <p:cNvPr id="1" name=""/>
+        <p:cNvGrpSpPr/>
+        <p:nvPr/>
+      </p:nvGrpSpPr>
+      <p:grpSpPr>
+        <a:xfrm>
+          <a:off x="0" y="0"/>
+          <a:ext cx="0" cy="0"/>
+          <a:chOff x="0" y="0"/>
+          <a:chExt cx="0" cy="0"/>
+        </a:xfrm>
+      </p:grpSpPr>
+      <p:sp>
+        <p:nvSpPr>
+          <p:cNvPr id="2" name="Slide Image Placeholder 1"/>
+          <p:cNvSpPr>
+            <a:spLocks noGrp="1" noRot="1" noChangeAspect="1"/>
+          </p:cNvSpPr>
+          <p:nvPr>
+            <p:ph type="sldImg"/>
+          </p:nvPr>
+        </p:nvSpPr>
+        <p:spPr/>
+      </p:sp>
+      <p:sp>
+        <p:nvSpPr>
+          <p:cNvPr id="3" name="Notes Placeholder 2"/>
+          <p:cNvSpPr>
+            <a:spLocks noGrp="1"/>
+          </p:cNvSpPr>
+          <p:nvPr>
+            <p:ph type="body" idx="1"/>
+          </p:nvPr>
+        </p:nvSpPr>
+        <p:spPr/>
+        <p:txBody>
+          <a:bodyPr/>
+          <a:lstStyle/>
+          <a:p>
+            <a:r>
+              <a:rPr lang="en-US" dirty="0"/>
+              <a:t>This is the “intelligence layer” of the Modern Excel AI Stack.</a:t>
+            </a:r>
+            <a:br>
+              <a:rPr lang="en-US" dirty="0"/>
+            </a:br>
+            <a:r>
+              <a:rPr lang="en-US" dirty="0"/>
+              <a:t>Copilot helps you write formulas, build charts, and surface insights.</a:t>
+            </a:r>
+            <a:br>
+              <a:rPr lang="en-US" dirty="0"/>
+            </a:br>
+            <a:r>
+              <a:rPr lang="en-US" dirty="0"/>
+              <a:t>Python gives you real analytical power—modeling, forecasting, simulations, all inside Excel.</a:t>
+            </a:r>
+            <a:br>
+              <a:rPr lang="en-US" dirty="0"/>
+            </a:br>
+            <a:r>
+              <a:rPr lang="en-US" dirty="0"/>
+              <a:t>Agent Mode ties steps together so you can move from “one-off tasks” to actual workflows.</a:t>
+            </a:r>
+          </a:p>
+          <a:p>
+            <a:r>
+              <a:rPr lang="en-US" dirty="0"/>
+              <a:t>But all of that power still depends on one thing: </a:t>
+            </a:r>
+            <a:r>
+              <a:rPr lang="en-US" b="1" dirty="0"/>
+              <a:t>data moving cleanly in and out of Excel.</a:t>
+            </a:r>
+            <a:br>
+              <a:rPr lang="en-US" dirty="0"/>
+            </a:br>
+            <a:r>
+              <a:rPr lang="en-US" dirty="0"/>
+              <a:t>If you can’t get data in, shape it, govern it, and connect it to the rest of your systems, the intelligence layer can’t do its job.</a:t>
+            </a:r>
+          </a:p>
+          <a:p>
+            <a:r>
+              <a:rPr lang="en-US" dirty="0"/>
+              <a:t>That’s the pivot we’re about to make next—</a:t>
+            </a:r>
+            <a:r>
+              <a:rPr lang="en-US" b="1" dirty="0"/>
+              <a:t>how to wire Excel into a real, working data workflow</a:t>
+            </a:r>
+            <a:r>
+              <a:rPr lang="en-US" dirty="0"/>
+              <a:t> so AI becomes reliable, not magical thinking.</a:t>
+            </a:r>
+          </a:p>
+          <a:p>
+            <a:endParaRPr lang="en-US" dirty="0"/>
+          </a:p>
+        </p:txBody>
+      </p:sp>
+      <p:sp>
+        <p:nvSpPr>
+          <p:cNvPr id="4" name="Slide Number Placeholder 3"/>
+          <p:cNvSpPr>
+            <a:spLocks noGrp="1"/>
+          </p:cNvSpPr>
+          <p:nvPr>
+            <p:ph type="sldNum" sz="quarter" idx="5"/>
+          </p:nvPr>
+        </p:nvSpPr>
+        <p:spPr/>
+        <p:txBody>
+          <a:bodyPr/>
+          <a:lstStyle/>
+          <a:p>
+            <a:fld id="{FFB500C5-13F7-48FC-8160-C29AECF6C602}" type="slidenum">
+              <a:rPr lang="en-US" smtClean="0"/>
+              <a:t>3</a:t>
+            </a:fld>
+            <a:endParaRPr lang="en-US"/>
+          </a:p>
+        </p:txBody>
+      </p:sp>
+    </p:spTree>
+    <p:extLst>
+      <p:ext uri="{BB962C8B-B14F-4D97-AF65-F5344CB8AC3E}">
+        <p14:creationId xmlns:p14="http://schemas.microsoft.com/office/powerpoint/2010/main" val="2254553077"/>
+      </p:ext>
+    </p:extLst>
+  </p:cSld>
+  <p:clrMapOvr>
+    <a:masterClrMapping/>
+  </p:clrMapOvr>
+</p:notes>
+</file>
+
+<file path=ppt/notesSlides/notesSlide2.xml><?xml version="1.0" encoding="utf-8"?>
+<p:notes xmlns:a="http://schemas.openxmlformats.org/drawingml/2006/main" xmlns:r="http://schemas.openxmlformats.org/officeDocument/2006/relationships" xmlns:p="http://schemas.openxmlformats.org/presentationml/2006/main">
+  <p:cSld>
+    <p:spTree>
+      <p:nvGrpSpPr>
         <p:cNvPr id="1" name="">
           <a:extLst>
             <a:ext uri="{FF2B5EF4-FFF2-40B4-BE49-F238E27FC236}">
@@ -652,7 +794,7 @@
 </p:notes>
 </file>
 
-<file path=ppt/notesSlides/notesSlide2.xml><?xml version="1.0" encoding="utf-8"?>
+<file path=ppt/notesSlides/notesSlide3.xml><?xml version="1.0" encoding="utf-8"?>
 <p:notes xmlns:a="http://schemas.openxmlformats.org/drawingml/2006/main" xmlns:r="http://schemas.openxmlformats.org/officeDocument/2006/relationships" xmlns:p="http://schemas.openxmlformats.org/presentationml/2006/main">
   <p:cSld>
     <p:spTree>
@@ -775,6 +917,298 @@
     <p:extLst>
       <p:ext uri="{BB962C8B-B14F-4D97-AF65-F5344CB8AC3E}">
         <p14:creationId xmlns:p14="http://schemas.microsoft.com/office/powerpoint/2010/main" val="2048544313"/>
+      </p:ext>
+    </p:extLst>
+  </p:cSld>
+  <p:clrMapOvr>
+    <a:masterClrMapping/>
+  </p:clrMapOvr>
+</p:notes>
+</file>
+
+<file path=ppt/notesSlides/notesSlide4.xml><?xml version="1.0" encoding="utf-8"?>
+<p:notes xmlns:a="http://schemas.openxmlformats.org/drawingml/2006/main" xmlns:r="http://schemas.openxmlformats.org/officeDocument/2006/relationships" xmlns:p="http://schemas.openxmlformats.org/presentationml/2006/main">
+  <p:cSld>
+    <p:spTree>
+      <p:nvGrpSpPr>
+        <p:cNvPr id="1" name=""/>
+        <p:cNvGrpSpPr/>
+        <p:nvPr/>
+      </p:nvGrpSpPr>
+      <p:grpSpPr>
+        <a:xfrm>
+          <a:off x="0" y="0"/>
+          <a:ext cx="0" cy="0"/>
+          <a:chOff x="0" y="0"/>
+          <a:chExt cx="0" cy="0"/>
+        </a:xfrm>
+      </p:grpSpPr>
+      <p:sp>
+        <p:nvSpPr>
+          <p:cNvPr id="2" name="Slide Image Placeholder 1"/>
+          <p:cNvSpPr>
+            <a:spLocks noGrp="1" noRot="1" noChangeAspect="1"/>
+          </p:cNvSpPr>
+          <p:nvPr>
+            <p:ph type="sldImg"/>
+          </p:nvPr>
+        </p:nvSpPr>
+        <p:spPr/>
+      </p:sp>
+      <p:sp>
+        <p:nvSpPr>
+          <p:cNvPr id="3" name="Notes Placeholder 2"/>
+          <p:cNvSpPr>
+            <a:spLocks noGrp="1"/>
+          </p:cNvSpPr>
+          <p:nvPr>
+            <p:ph type="body" idx="1"/>
+          </p:nvPr>
+        </p:nvSpPr>
+        <p:spPr/>
+        <p:txBody>
+          <a:bodyPr/>
+          <a:lstStyle/>
+          <a:p>
+            <a:r>
+              <a:rPr lang="en-US" dirty="0"/>
+              <a:t>AI is great at generating insights, patterns, and logic — but insights alone don’t change the business.</a:t>
+            </a:r>
+            <a:br>
+              <a:rPr lang="en-US" dirty="0"/>
+            </a:br>
+            <a:r>
+              <a:rPr lang="en-US" dirty="0"/>
+              <a:t>That’s where Office Scripts and Power Automate come in.</a:t>
+            </a:r>
+          </a:p>
+          <a:p>
+            <a:r>
+              <a:rPr lang="en-US" dirty="0"/>
+              <a:t>They turn Copilot-generated logic into </a:t>
+            </a:r>
+            <a:r>
+              <a:rPr lang="en-US" b="1" dirty="0"/>
+              <a:t>real, repeatable workflows</a:t>
+            </a:r>
+            <a:r>
+              <a:rPr lang="en-US" dirty="0"/>
+              <a:t>: scheduled refreshes, cleanups, notifications, file handling, all the boring-but-essential execution work.</a:t>
+            </a:r>
+          </a:p>
+          <a:p>
+            <a:r>
+              <a:rPr lang="en-US" dirty="0"/>
+              <a:t>This is where Copilot hands things off so the work actually </a:t>
+            </a:r>
+            <a:r>
+              <a:rPr lang="en-US" i="1" dirty="0"/>
+              <a:t>happens</a:t>
+            </a:r>
+            <a:r>
+              <a:rPr lang="en-US" dirty="0"/>
+              <a:t> without you clicking around.</a:t>
+            </a:r>
+            <a:br>
+              <a:rPr lang="en-US" dirty="0"/>
+            </a:br>
+            <a:r>
+              <a:rPr lang="en-US" dirty="0"/>
+              <a:t>Scripts handle the Excel steps. Flows run them on a schedule, move files, push results to Teams, Outlook, SharePoint, Dataverse — whatever the process needs.</a:t>
+            </a:r>
+          </a:p>
+          <a:p>
+            <a:r>
+              <a:rPr lang="en-US" dirty="0"/>
+              <a:t>Together, they form the </a:t>
+            </a:r>
+            <a:r>
+              <a:rPr lang="en-US" b="1" dirty="0"/>
+              <a:t>execution layer</a:t>
+            </a:r>
+            <a:r>
+              <a:rPr lang="en-US" dirty="0"/>
+              <a:t> of the Modern Excel AI Stack: the part that carries your insights out of Excel and into the real world.</a:t>
+            </a:r>
+          </a:p>
+          <a:p>
+            <a:endParaRPr lang="en-US" dirty="0"/>
+          </a:p>
+        </p:txBody>
+      </p:sp>
+      <p:sp>
+        <p:nvSpPr>
+          <p:cNvPr id="4" name="Slide Number Placeholder 3"/>
+          <p:cNvSpPr>
+            <a:spLocks noGrp="1"/>
+          </p:cNvSpPr>
+          <p:nvPr>
+            <p:ph type="sldNum" sz="quarter" idx="5"/>
+          </p:nvPr>
+        </p:nvSpPr>
+        <p:spPr/>
+        <p:txBody>
+          <a:bodyPr/>
+          <a:lstStyle/>
+          <a:p>
+            <a:fld id="{FFB500C5-13F7-48FC-8160-C29AECF6C602}" type="slidenum">
+              <a:rPr lang="en-US" smtClean="0"/>
+              <a:t>7</a:t>
+            </a:fld>
+            <a:endParaRPr lang="en-US"/>
+          </a:p>
+        </p:txBody>
+      </p:sp>
+    </p:spTree>
+    <p:extLst>
+      <p:ext uri="{BB962C8B-B14F-4D97-AF65-F5344CB8AC3E}">
+        <p14:creationId xmlns:p14="http://schemas.microsoft.com/office/powerpoint/2010/main" val="1376217394"/>
+      </p:ext>
+    </p:extLst>
+  </p:cSld>
+  <p:clrMapOvr>
+    <a:masterClrMapping/>
+  </p:clrMapOvr>
+</p:notes>
+</file>
+
+<file path=ppt/notesSlides/notesSlide5.xml><?xml version="1.0" encoding="utf-8"?>
+<p:notes xmlns:a="http://schemas.openxmlformats.org/drawingml/2006/main" xmlns:r="http://schemas.openxmlformats.org/officeDocument/2006/relationships" xmlns:p="http://schemas.openxmlformats.org/presentationml/2006/main">
+  <p:cSld>
+    <p:spTree>
+      <p:nvGrpSpPr>
+        <p:cNvPr id="1" name=""/>
+        <p:cNvGrpSpPr/>
+        <p:nvPr/>
+      </p:nvGrpSpPr>
+      <p:grpSpPr>
+        <a:xfrm>
+          <a:off x="0" y="0"/>
+          <a:ext cx="0" cy="0"/>
+          <a:chOff x="0" y="0"/>
+          <a:chExt cx="0" cy="0"/>
+        </a:xfrm>
+      </p:grpSpPr>
+      <p:sp>
+        <p:nvSpPr>
+          <p:cNvPr id="2" name="Slide Image Placeholder 1"/>
+          <p:cNvSpPr>
+            <a:spLocks noGrp="1" noRot="1" noChangeAspect="1"/>
+          </p:cNvSpPr>
+          <p:nvPr>
+            <p:ph type="sldImg"/>
+          </p:nvPr>
+        </p:nvSpPr>
+        <p:spPr/>
+      </p:sp>
+      <p:sp>
+        <p:nvSpPr>
+          <p:cNvPr id="3" name="Notes Placeholder 2"/>
+          <p:cNvSpPr>
+            <a:spLocks noGrp="1"/>
+          </p:cNvSpPr>
+          <p:nvPr>
+            <p:ph type="body" idx="1"/>
+          </p:nvPr>
+        </p:nvSpPr>
+        <p:spPr/>
+        <p:txBody>
+          <a:bodyPr/>
+          <a:lstStyle/>
+          <a:p>
+            <a:r>
+              <a:rPr lang="en-US" dirty="0"/>
+              <a:t>This is where everything comes together — the orchestration layer.</a:t>
+            </a:r>
+          </a:p>
+          <a:p>
+            <a:r>
+              <a:rPr lang="en-US" dirty="0"/>
+              <a:t>You’re not just </a:t>
+            </a:r>
+            <a:r>
+              <a:rPr lang="en-US" i="1" dirty="0"/>
+              <a:t>using</a:t>
+            </a:r>
+            <a:r>
+              <a:rPr lang="en-US" dirty="0"/>
+              <a:t> Copilot anymore. You’re </a:t>
+            </a:r>
+            <a:r>
+              <a:rPr lang="en-US" b="1" dirty="0"/>
+              <a:t>building your own</a:t>
+            </a:r>
+            <a:r>
+              <a:rPr lang="en-US" dirty="0"/>
+              <a:t> for your team or department.</a:t>
+            </a:r>
+            <a:br>
+              <a:rPr lang="en-US" dirty="0"/>
+            </a:br>
+            <a:r>
+              <a:rPr lang="en-US" dirty="0"/>
+              <a:t>You connect it to Excel, Power Automate, Teams, SharePoint, Dataverse — wherever your work actually lives.</a:t>
+            </a:r>
+          </a:p>
+          <a:p>
+            <a:r>
+              <a:rPr lang="en-US" dirty="0"/>
+              <a:t>All the Scripts and Flows you built earlier now turn into </a:t>
+            </a:r>
+            <a:r>
+              <a:rPr lang="en-US" b="1" dirty="0"/>
+              <a:t>actions your Copilot can call on demand</a:t>
+            </a:r>
+            <a:r>
+              <a:rPr lang="en-US" dirty="0"/>
+              <a:t>.</a:t>
+            </a:r>
+            <a:br>
+              <a:rPr lang="en-US" dirty="0"/>
+            </a:br>
+            <a:r>
+              <a:rPr lang="en-US" dirty="0"/>
+              <a:t>Instead of you running the workflow, the Copilot becomes the coordinator: pulling data, cleaning it, running analysis, sending updates, triggering processes.</a:t>
+            </a:r>
+          </a:p>
+          <a:p>
+            <a:r>
+              <a:rPr lang="en-US" dirty="0"/>
+              <a:t>This is where AI stops being a helper and starts becoming a system — coordinating your entire workflow end to end.</a:t>
+            </a:r>
+          </a:p>
+          <a:p>
+            <a:endParaRPr lang="en-US" dirty="0"/>
+          </a:p>
+        </p:txBody>
+      </p:sp>
+      <p:sp>
+        <p:nvSpPr>
+          <p:cNvPr id="4" name="Slide Number Placeholder 3"/>
+          <p:cNvSpPr>
+            <a:spLocks noGrp="1"/>
+          </p:cNvSpPr>
+          <p:nvPr>
+            <p:ph type="sldNum" sz="quarter" idx="5"/>
+          </p:nvPr>
+        </p:nvSpPr>
+        <p:spPr/>
+        <p:txBody>
+          <a:bodyPr/>
+          <a:lstStyle/>
+          <a:p>
+            <a:fld id="{FFB500C5-13F7-48FC-8160-C29AECF6C602}" type="slidenum">
+              <a:rPr lang="en-US" smtClean="0"/>
+              <a:t>8</a:t>
+            </a:fld>
+            <a:endParaRPr lang="en-US"/>
+          </a:p>
+        </p:txBody>
+      </p:sp>
+    </p:spTree>
+    <p:extLst>
+      <p:ext uri="{BB962C8B-B14F-4D97-AF65-F5344CB8AC3E}">
+        <p14:creationId xmlns:p14="http://schemas.microsoft.com/office/powerpoint/2010/main" val="146833337"/>
       </p:ext>
     </p:extLst>
   </p:cSld>
@@ -964,7 +1398,7 @@
             <a:fld id="{1D8BD707-D9CF-40AE-B4C6-C98DA3205C09}" type="datetimeFigureOut">
               <a:rPr lang="en-US" smtClean="0"/>
               <a:pPr/>
-              <a:t>11/21/2025</a:t>
+              <a:t>12/1/2025</a:t>
             </a:fld>
             <a:endParaRPr lang="en-US"/>
           </a:p>
@@ -1129,7 +1563,7 @@
             <a:fld id="{1D8BD707-D9CF-40AE-B4C6-C98DA3205C09}" type="datetimeFigureOut">
               <a:rPr lang="en-US" smtClean="0"/>
               <a:pPr/>
-              <a:t>11/21/2025</a:t>
+              <a:t>12/1/2025</a:t>
             </a:fld>
             <a:endParaRPr lang="en-US"/>
           </a:p>
@@ -1304,7 +1738,7 @@
             <a:fld id="{1D8BD707-D9CF-40AE-B4C6-C98DA3205C09}" type="datetimeFigureOut">
               <a:rPr lang="en-US" smtClean="0"/>
               <a:pPr/>
-              <a:t>11/21/2025</a:t>
+              <a:t>12/1/2025</a:t>
             </a:fld>
             <a:endParaRPr lang="en-US"/>
           </a:p>
@@ -1469,7 +1903,7 @@
             <a:fld id="{1D8BD707-D9CF-40AE-B4C6-C98DA3205C09}" type="datetimeFigureOut">
               <a:rPr lang="en-US" smtClean="0"/>
               <a:pPr/>
-              <a:t>11/21/2025</a:t>
+              <a:t>12/1/2025</a:t>
             </a:fld>
             <a:endParaRPr lang="en-US"/>
           </a:p>
@@ -1711,7 +2145,7 @@
             <a:fld id="{1D8BD707-D9CF-40AE-B4C6-C98DA3205C09}" type="datetimeFigureOut">
               <a:rPr lang="en-US" smtClean="0"/>
               <a:pPr/>
-              <a:t>11/21/2025</a:t>
+              <a:t>12/1/2025</a:t>
             </a:fld>
             <a:endParaRPr lang="en-US"/>
           </a:p>
@@ -1993,7 +2427,7 @@
             <a:fld id="{1D8BD707-D9CF-40AE-B4C6-C98DA3205C09}" type="datetimeFigureOut">
               <a:rPr lang="en-US" smtClean="0"/>
               <a:pPr/>
-              <a:t>11/21/2025</a:t>
+              <a:t>12/1/2025</a:t>
             </a:fld>
             <a:endParaRPr lang="en-US"/>
           </a:p>
@@ -2409,7 +2843,7 @@
             <a:fld id="{1D8BD707-D9CF-40AE-B4C6-C98DA3205C09}" type="datetimeFigureOut">
               <a:rPr lang="en-US" smtClean="0"/>
               <a:pPr/>
-              <a:t>11/21/2025</a:t>
+              <a:t>12/1/2025</a:t>
             </a:fld>
             <a:endParaRPr lang="en-US"/>
           </a:p>
@@ -2523,7 +2957,7 @@
             <a:fld id="{1D8BD707-D9CF-40AE-B4C6-C98DA3205C09}" type="datetimeFigureOut">
               <a:rPr lang="en-US" smtClean="0"/>
               <a:pPr/>
-              <a:t>11/21/2025</a:t>
+              <a:t>12/1/2025</a:t>
             </a:fld>
             <a:endParaRPr lang="en-US"/>
           </a:p>
@@ -2615,7 +3049,7 @@
             <a:fld id="{1D8BD707-D9CF-40AE-B4C6-C98DA3205C09}" type="datetimeFigureOut">
               <a:rPr lang="en-US" smtClean="0"/>
               <a:pPr/>
-              <a:t>11/21/2025</a:t>
+              <a:t>12/1/2025</a:t>
             </a:fld>
             <a:endParaRPr lang="en-US"/>
           </a:p>
@@ -2887,7 +3321,7 @@
             <a:fld id="{1D8BD707-D9CF-40AE-B4C6-C98DA3205C09}" type="datetimeFigureOut">
               <a:rPr lang="en-US" smtClean="0"/>
               <a:pPr/>
-              <a:t>11/21/2025</a:t>
+              <a:t>12/1/2025</a:t>
             </a:fld>
             <a:endParaRPr lang="en-US"/>
           </a:p>
@@ -3136,7 +3570,7 @@
             <a:fld id="{1D8BD707-D9CF-40AE-B4C6-C98DA3205C09}" type="datetimeFigureOut">
               <a:rPr lang="en-US" smtClean="0"/>
               <a:pPr/>
-              <a:t>11/21/2025</a:t>
+              <a:t>12/1/2025</a:t>
             </a:fld>
             <a:endParaRPr lang="en-US"/>
           </a:p>
@@ -3349,7 +3783,7 @@
             <a:fld id="{1D8BD707-D9CF-40AE-B4C6-C98DA3205C09}" type="datetimeFigureOut">
               <a:rPr lang="en-US" smtClean="0"/>
               <a:pPr/>
-              <a:t>11/21/2025</a:t>
+              <a:t>12/1/2025</a:t>
             </a:fld>
             <a:endParaRPr lang="en-US"/>
           </a:p>
@@ -4469,7 +4903,7 @@
           <p:nvPr/>
         </p:nvPicPr>
         <p:blipFill>
-          <a:blip r:embed="rId2">
+          <a:blip r:embed="rId3">
             <a:extLst>
               <a:ext uri="{28A0092B-C50C-407E-A947-70E740481C1C}">
                 <a14:useLocalDpi xmlns:a14="http://schemas.microsoft.com/office/drawing/2010/main" val="0"/>
@@ -5445,7 +5879,7 @@
           <p:nvPr/>
         </p:nvPicPr>
         <p:blipFill>
-          <a:blip r:embed="rId2">
+          <a:blip r:embed="rId3">
             <a:extLst>
               <a:ext uri="{28A0092B-C50C-407E-A947-70E740481C1C}">
                 <a14:useLocalDpi xmlns:a14="http://schemas.microsoft.com/office/drawing/2010/main" val="0"/>
@@ -5655,7 +6089,7 @@
           <p:nvPr/>
         </p:nvPicPr>
         <p:blipFill>
-          <a:blip r:embed="rId2">
+          <a:blip r:embed="rId3">
             <a:extLst>
               <a:ext uri="{28A0092B-C50C-407E-A947-70E740481C1C}">
                 <a14:useLocalDpi xmlns:a14="http://schemas.microsoft.com/office/drawing/2010/main" val="0"/>
